--- a/Assets/Curriculum/창신inc유니티 커리큘럼.pptx
+++ b/Assets/Curriculum/창신inc유니티 커리큘럼.pptx
@@ -2,7 +2,7 @@
 <file path=ppt/presentation.xml><?xml version="1.0" encoding="utf-8"?>
 <p:presentation xmlns:a="http://schemas.openxmlformats.org/drawingml/2006/main" xmlns:r="http://schemas.openxmlformats.org/officeDocument/2006/relationships" xmlns:p="http://schemas.openxmlformats.org/presentationml/2006/main" xmlns:p14="http://schemas.microsoft.com/office/powerpoint/2010/main" saveSubsetFonts="1" firstSlideNum="0">
   <p:sldMasterIdLst>
-    <p:sldMasterId id="2147485095" r:id="rId13"/>
+    <p:sldMasterId id="2147485132" r:id="rId13"/>
   </p:sldMasterIdLst>
   <p:notesMasterIdLst>
     <p:notesMasterId r:id="rId15"/>
@@ -21,6 +21,7 @@
     <p:sldId id="272" r:id="rId36"/>
     <p:sldId id="273" r:id="rId38"/>
     <p:sldId id="269" r:id="rId40"/>
+    <p:sldId id="277" r:id="rId42"/>
   </p:sldIdLst>
   <p:sldSz cx="12192000" cy="6858000"/>
   <p:notesSz cx="6858000" cy="9144000"/>
@@ -1047,6 +1048,148 @@
 </p:notes>
 </file>
 
+<file path=ppt/notesSlides/notesSlide14.xml><?xml version="1.0" encoding="utf-8"?>
+<p:notes xmlns:a="http://schemas.openxmlformats.org/drawingml/2006/main" xmlns:r="http://schemas.openxmlformats.org/officeDocument/2006/relationships" xmlns:p="http://schemas.openxmlformats.org/presentationml/2006/main">
+  <p:cSld>
+    <p:spTree>
+      <p:nvGrpSpPr>
+        <p:cNvPr id="1" name=""/>
+        <p:cNvGrpSpPr/>
+        <p:nvPr/>
+      </p:nvGrpSpPr>
+      <p:grpSpPr>
+        <a:xfrm>
+          <a:off x="0" y="0"/>
+          <a:ext cx="0" cy="0"/>
+          <a:chOff x="0" y="0"/>
+          <a:chExt cx="0" cy="0"/>
+        </a:xfrm>
+      </p:grpSpPr>
+      <p:sp>
+        <p:nvSpPr>
+          <p:cNvPr id="2" name="슬라이드 이미지 개체 틀 3"/>
+          <p:cNvSpPr>
+            <a:spLocks noChangeAspect="1"/>
+          </p:cNvSpPr>
+          <p:nvPr>
+            <p:ph type="sldImg" idx="2"/>
+          </p:nvPr>
+        </p:nvSpPr>
+        <p:spPr>
+          <a:xfrm rot="0">
+            <a:off x="685800" y="1143000"/>
+            <a:ext cx="5490845" cy="3090545"/>
+          </a:xfrm>
+          <a:prstGeom prst="rect"/>
+          <a:noFill/>
+          <a:ln w="12700" cap="flat" cmpd="sng">
+            <a:solidFill>
+              <a:srgbClr val="000000">
+                <a:alpha val="100000"/>
+              </a:srgbClr>
+            </a:solidFill>
+            <a:prstDash val="solid"/>
+          </a:ln>
+        </p:spPr>
+        <p:txBody>
+          <a:bodyPr wrap="square" lIns="91440" tIns="45720" rIns="91440" bIns="45720" numCol="1" vert="horz" anchor="ctr">
+            <a:noAutofit/>
+          </a:bodyPr>
+          <a:lstStyle/>
+          <a:p>
+            <a:pPr marL="0" indent="0" latinLnBrk="0">
+              <a:buFontTx/>
+              <a:buNone/>
+            </a:pPr>
+          </a:p>
+        </p:txBody>
+      </p:sp>
+      <p:sp>
+        <p:nvSpPr>
+          <p:cNvPr id="3" name="슬라이드 노트 개체 틀 4"/>
+          <p:cNvSpPr txBox="1">
+            <a:spLocks/>
+          </p:cNvSpPr>
+          <p:nvPr>
+            <p:ph type="body" idx="3"/>
+          </p:nvPr>
+        </p:nvSpPr>
+        <p:spPr>
+          <a:xfrm rot="0">
+            <a:off x="685800" y="4400550"/>
+            <a:ext cx="5490845" cy="3604895"/>
+          </a:xfrm>
+          <a:prstGeom prst="rect"/>
+        </p:spPr>
+        <p:txBody>
+          <a:bodyPr wrap="square" lIns="91440" tIns="45720" rIns="91440" bIns="45720" numCol="1" vert="horz" anchor="t">
+            <a:noAutofit/>
+          </a:bodyPr>
+          <a:lstStyle/>
+          <a:p>
+            <a:pPr marL="0" indent="0" latinLnBrk="0">
+              <a:buFontTx/>
+              <a:buNone/>
+            </a:pPr>
+          </a:p>
+        </p:txBody>
+      </p:sp>
+      <p:sp>
+        <p:nvSpPr>
+          <p:cNvPr id="4" name="슬라이드 번호 개체 틀 6"/>
+          <p:cNvSpPr txBox="1">
+            <a:spLocks/>
+          </p:cNvSpPr>
+          <p:nvPr>
+            <p:ph type="sldNum" idx="5"/>
+          </p:nvPr>
+        </p:nvSpPr>
+        <p:spPr>
+          <a:xfrm rot="0">
+            <a:off x="3884930" y="8685530"/>
+            <a:ext cx="2976245" cy="462915"/>
+          </a:xfrm>
+          <a:prstGeom prst="rect"/>
+        </p:spPr>
+        <p:txBody>
+          <a:bodyPr wrap="square" lIns="91440" tIns="45720" rIns="91440" bIns="45720" numCol="1" vert="horz" anchor="b">
+            <a:noAutofit/>
+          </a:bodyPr>
+          <a:lstStyle>
+            <a:lvl1pPr marL="0" indent="0" algn="r" latinLnBrk="0">
+              <a:buFontTx/>
+              <a:buNone/>
+              <a:defRPr lang="en-GB" altLang="en-US" sz="1200"/>
+            </a:lvl1pPr>
+          </a:lstStyle>
+          <a:p>
+            <a:pPr marL="0" indent="0" latinLnBrk="0">
+              <a:buFontTx/>
+              <a:buNone/>
+            </a:pPr>
+            <a:fld id="{B9320F77-B9A0-41C5-862A-B4B631284C64}" type="slidenum">
+              <a:rPr lang="ko-KR" altLang="en-US"/>
+              <a:t>‹#›</a:t>
+            </a:fld>
+          </a:p>
+        </p:txBody>
+      </p:sp>
+    </p:spTree>
+  </p:cSld>
+  <p:clrMapOvr>
+    <a:masterClrMapping/>
+  </p:clrMapOvr>
+  <mc:AlternateContent xmlns:mc="http://schemas.openxmlformats.org/markup-compatibility/2006">
+    <mc:Choice xmlns:p14="http://schemas.microsoft.com/office/powerpoint/2010/main" Requires="p14">
+      <p:transition spd="slow" p14:dur="0"/>
+    </mc:Choice>
+    <mc:Fallback>
+      <p:transition spd="slow"/>
+    </mc:Fallback>
+  </mc:AlternateContent>
+</p:notes>
+</file>
+
 <file path=ppt/notesSlides/notesSlide2.xml><?xml version="1.0" encoding="utf-8"?>
 <p:notes xmlns:a="http://schemas.openxmlformats.org/drawingml/2006/main" xmlns:r="http://schemas.openxmlformats.org/officeDocument/2006/relationships" xmlns:p="http://schemas.openxmlformats.org/presentationml/2006/main">
   <p:cSld>
@@ -5778,14 +5921,14 @@
       </p:grpSpPr>
       <p:pic>
         <p:nvPicPr>
-          <p:cNvPr id="2" name="그림 1" descr="C:/Users/Admin1/AppData/Roaming/PolarisOffice/ETemp/15972_21134480/fImage6134712341.png"/>
+          <p:cNvPr id="2" name="그림 1" descr="C:/Users/Admin1/AppData/Roaming/PolarisOffice/ETemp/8856_15770520/fImage5534313041.png"/>
           <p:cNvPicPr>
             <a:picLocks noChangeAspect="1"/>
           </p:cNvPicPr>
           <p:nvPr/>
         </p:nvPicPr>
         <p:blipFill rotWithShape="1">
-          <a:blip r:embed="rId3" cstate="print">
+          <a:blip r:embed="rId5" cstate="print">
             <a:extLst>
               <a:ext uri="{28A0092B-C50C-407E-A947-70E740481C1C}">
                 <a14:useLocalDpi xmlns:a14="http://schemas.microsoft.com/office/drawing/2010/main" val="0"/>
@@ -5798,8 +5941,8 @@
         </p:blipFill>
         <p:spPr>
           <a:xfrm rot="0">
-            <a:off x="0" y="0"/>
-            <a:ext cx="12192635" cy="6858635"/>
+            <a:off x="0" y="12065"/>
+            <a:ext cx="12192635" cy="6846570"/>
           </a:xfrm>
           <a:prstGeom prst="rect"/>
           <a:noFill/>
@@ -5945,7 +6088,7 @@
         <p:spPr>
           <a:xfrm>
             <a:off x="1031240" y="1642110"/>
-            <a:ext cx="6307455" cy="4933950"/>
+            <a:ext cx="6308090" cy="4933950"/>
           </a:xfrm>
           <a:prstGeom prst="rect"/>
           <a:noFill/>
@@ -5986,7 +6129,14 @@
                 <a:latin typeface="맑은 고딕" charset="0"/>
                 <a:ea typeface="맑은 고딕" charset="0"/>
               </a:rPr>
-              <a:t>25. 포톤 네트워크 사용 방법</a:t>
+              <a:t>4월 8일 -</a:t>
+            </a:r>
+            <a:r>
+              <a:rPr lang="ko-KR" sz="2000">
+                <a:latin typeface="맑은 고딕" charset="0"/>
+                <a:ea typeface="맑은 고딕" charset="0"/>
+              </a:rPr>
+              <a:t> 포톤 네트워크 사용 방법</a:t>
             </a:r>
             <a:endParaRPr lang="ko-KR" altLang="en-US" sz="2000">
               <a:latin typeface="맑은 고딕" charset="0"/>
@@ -6112,7 +6262,14 @@
                 <a:latin typeface="맑은 고딕" charset="0"/>
                 <a:ea typeface="맑은 고딕" charset="0"/>
               </a:rPr>
-              <a:t>26. 포톤 네트워크의 설정 작업 (1)</a:t>
+              <a:t>4월 11일 -</a:t>
+            </a:r>
+            <a:r>
+              <a:rPr lang="ko-KR" sz="2000">
+                <a:latin typeface="맑은 고딕" charset="0"/>
+                <a:ea typeface="맑은 고딕" charset="0"/>
+              </a:rPr>
+              <a:t> 포톤 네트워크의 설정 작업 (1)</a:t>
             </a:r>
             <a:endParaRPr lang="ko-KR" altLang="en-US" sz="2000">
               <a:latin typeface="맑은 고딕" charset="0"/>
@@ -6245,7 +6402,14 @@
                 <a:latin typeface="맑은 고딕" charset="0"/>
                 <a:ea typeface="맑은 고딕" charset="0"/>
               </a:rPr>
-              <a:t>27. 포톤 네트워크의 설정 작업 (2)</a:t>
+              <a:t>4월 13일 - </a:t>
+            </a:r>
+            <a:r>
+              <a:rPr lang="ko-KR" sz="2000">
+                <a:latin typeface="맑은 고딕" charset="0"/>
+                <a:ea typeface="맑은 고딕" charset="0"/>
+              </a:rPr>
+              <a:t>포톤 네트워크의 설정 작업 (2)</a:t>
             </a:r>
             <a:r>
               <a:rPr lang="ko-KR" sz="2000">
@@ -6513,7 +6677,7 @@
         <p:spPr>
           <a:xfrm>
             <a:off x="1031240" y="1642110"/>
-            <a:ext cx="6306820" cy="4933950"/>
+            <a:ext cx="6308090" cy="5010785"/>
           </a:xfrm>
           <a:prstGeom prst="rect"/>
           <a:noFill/>
@@ -6554,14 +6718,14 @@
                 <a:latin typeface="맑은 고딕" charset="0"/>
                 <a:ea typeface="맑은 고딕" charset="0"/>
               </a:rPr>
-              <a:t>28. </a:t>
-            </a:r>
-            <a:r>
-              <a:rPr lang="ko-KR" sz="2000">
-                <a:latin typeface="맑은 고딕" charset="0"/>
-                <a:ea typeface="맑은 고딕" charset="0"/>
-              </a:rPr>
-              <a:t>힌지 조인트를 이용한 게임 오브젝트 결합</a:t>
+              <a:t>4월 15일 -</a:t>
+            </a:r>
+            <a:r>
+              <a:rPr lang="ko-KR" sz="2000">
+                <a:latin typeface="맑은 고딕" charset="0"/>
+                <a:ea typeface="맑은 고딕" charset="0"/>
+              </a:rPr>
+              <a:t> REST API 통신 </a:t>
             </a:r>
             <a:endParaRPr lang="ko-KR" altLang="en-US" sz="2000">
               <a:latin typeface="맑은 고딕" charset="0"/>
@@ -6592,7 +6756,7 @@
                 <a:latin typeface="맑은 고딕" charset="0"/>
                 <a:ea typeface="맑은 고딕" charset="0"/>
               </a:rPr>
-              <a:t>서로 불리되어 있는 게임 오브젝트 연결 및 부착</a:t>
+              <a:t>WebRequest 함수 사용 방법 및 활용</a:t>
             </a:r>
             <a:endParaRPr lang="ko-KR" altLang="en-US" sz="1500">
               <a:latin typeface="맑은 고딕" charset="0"/>
@@ -6615,10 +6779,51 @@
               <a:buNone/>
             </a:pPr>
             <a:r>
+              <a:rPr lang="ko-KR" sz="2000">
+                <a:latin typeface="맑은 고딕" charset="0"/>
+                <a:ea typeface="맑은 고딕" charset="0"/>
+              </a:rPr>
+              <a:t>   </a:t>
+            </a:r>
+            <a:r>
               <a:rPr lang="ko-KR" sz="1000">
                 <a:latin typeface="맑은 고딕" charset="0"/>
                 <a:ea typeface="맑은 고딕" charset="0"/>
               </a:rPr>
+              <a:t>● </a:t>
+            </a:r>
+            <a:r>
+              <a:rPr lang="ko-KR" sz="1500">
+                <a:latin typeface="맑은 고딕" charset="0"/>
+                <a:ea typeface="맑은 고딕" charset="0"/>
+              </a:rPr>
+              <a:t>Get 전달 방법과 Post 전달 방법 실습 </a:t>
+            </a:r>
+            <a:endParaRPr lang="ko-KR" altLang="en-US" sz="1500">
+              <a:latin typeface="맑은 고딕" charset="0"/>
+              <a:ea typeface="맑은 고딕" charset="0"/>
+            </a:endParaRPr>
+          </a:p>
+          <a:p>
+            <a:pPr marL="0" indent="0" algn="l" latinLnBrk="0" hangingPunct="1">
+              <a:buFontTx/>
+              <a:buNone/>
+            </a:pPr>
+            <a:endParaRPr lang="ko-KR" altLang="en-US" sz="1000">
+              <a:latin typeface="맑은 고딕" charset="0"/>
+              <a:ea typeface="맑은 고딕" charset="0"/>
+            </a:endParaRPr>
+          </a:p>
+          <a:p>
+            <a:pPr marL="0" indent="0" algn="l" latinLnBrk="0" hangingPunct="1">
+              <a:buFontTx/>
+              <a:buNone/>
+            </a:pPr>
+            <a:r>
+              <a:rPr lang="ko-KR" sz="1000">
+                <a:latin typeface="맑은 고딕" charset="0"/>
+                <a:ea typeface="맑은 고딕" charset="0"/>
+              </a:rPr>
               <a:t>      ● </a:t>
             </a:r>
             <a:r>
@@ -6626,7 +6831,7 @@
                 <a:latin typeface="맑은 고딕" charset="0"/>
                 <a:ea typeface="맑은 고딕" charset="0"/>
               </a:rPr>
-              <a:t>2D 오브젝트와 3D 오브젝트의 충돌 관계 설명</a:t>
+              <a:t>WWW 클래스 header와 body 관리법</a:t>
             </a:r>
             <a:endParaRPr lang="ko-KR" altLang="en-US" sz="1500">
               <a:latin typeface="맑은 고딕" charset="0"/>
@@ -6649,10 +6854,116 @@
               <a:buNone/>
             </a:pPr>
             <a:r>
+              <a:rPr lang="ko-KR" sz="2000">
+                <a:latin typeface="맑은 고딕" charset="0"/>
+                <a:ea typeface="맑은 고딕" charset="0"/>
+              </a:rPr>
+              <a:t>4월 18일 -</a:t>
+            </a:r>
+            <a:r>
+              <a:rPr lang="ko-KR" sz="2000">
+                <a:latin typeface="맑은 고딕" charset="0"/>
+                <a:ea typeface="맑은 고딕" charset="0"/>
+              </a:rPr>
+              <a:t> 포톤 보이스를 이용한 음성 채팅 제작</a:t>
+            </a:r>
+            <a:endParaRPr lang="ko-KR" altLang="en-US" sz="2000">
+              <a:latin typeface="맑은 고딕" charset="0"/>
+              <a:ea typeface="맑은 고딕" charset="0"/>
+            </a:endParaRPr>
+          </a:p>
+          <a:p>
+            <a:pPr marL="0" indent="0" algn="l" latinLnBrk="0" hangingPunct="1">
+              <a:buFontTx/>
+              <a:buNone/>
+            </a:pPr>
+            <a:r>
+              <a:rPr lang="ko-KR" sz="2000">
+                <a:latin typeface="맑은 고딕" charset="0"/>
+                <a:ea typeface="맑은 고딕" charset="0"/>
+              </a:rPr>
+              <a:t>   </a:t>
+            </a:r>
+            <a:r>
               <a:rPr lang="ko-KR" sz="1000">
                 <a:latin typeface="맑은 고딕" charset="0"/>
                 <a:ea typeface="맑은 고딕" charset="0"/>
               </a:rPr>
+              <a:t>●</a:t>
+            </a:r>
+            <a:r>
+              <a:rPr lang="ko-KR" sz="1500">
+                <a:latin typeface="맑은 고딕" charset="0"/>
+                <a:ea typeface="맑은 고딕" charset="0"/>
+              </a:rPr>
+              <a:t> 포톤 보이스 SDK 다운로드 및 설정</a:t>
+            </a:r>
+            <a:endParaRPr lang="ko-KR" altLang="en-US" sz="1500">
+              <a:latin typeface="맑은 고딕" charset="0"/>
+              <a:ea typeface="맑은 고딕" charset="0"/>
+            </a:endParaRPr>
+          </a:p>
+          <a:p>
+            <a:pPr marL="0" indent="0" algn="l" latinLnBrk="0" hangingPunct="1">
+              <a:buFontTx/>
+              <a:buNone/>
+            </a:pPr>
+            <a:endParaRPr lang="ko-KR" altLang="en-US" sz="1000">
+              <a:latin typeface="맑은 고딕" charset="0"/>
+              <a:ea typeface="맑은 고딕" charset="0"/>
+            </a:endParaRPr>
+          </a:p>
+          <a:p>
+            <a:pPr marL="0" indent="0" algn="l" latinLnBrk="0" hangingPunct="1">
+              <a:buFontTx/>
+              <a:buNone/>
+            </a:pPr>
+            <a:r>
+              <a:rPr lang="ko-KR" sz="2000">
+                <a:latin typeface="맑은 고딕" charset="0"/>
+                <a:ea typeface="맑은 고딕" charset="0"/>
+              </a:rPr>
+              <a:t>   </a:t>
+            </a:r>
+            <a:r>
+              <a:rPr lang="ko-KR" sz="1000">
+                <a:latin typeface="맑은 고딕" charset="0"/>
+                <a:ea typeface="맑은 고딕" charset="0"/>
+              </a:rPr>
+              <a:t>● </a:t>
+            </a:r>
+            <a:r>
+              <a:rPr lang="ko-KR" sz="1500">
+                <a:latin typeface="맑은 고딕" charset="0"/>
+                <a:ea typeface="맑은 고딕" charset="0"/>
+              </a:rPr>
+              <a:t>포톤 보이스 뷰에 스피커를 적용하여 주파수 </a:t>
+            </a:r>
+            <a:endParaRPr lang="ko-KR" altLang="en-US" sz="1500">
+              <a:latin typeface="맑은 고딕" charset="0"/>
+              <a:ea typeface="맑은 고딕" charset="0"/>
+            </a:endParaRPr>
+          </a:p>
+          <a:p>
+            <a:pPr marL="0" indent="0" algn="l" latinLnBrk="0" hangingPunct="1">
+              <a:buFontTx/>
+              <a:buNone/>
+            </a:pPr>
+            <a:endParaRPr lang="ko-KR" altLang="en-US" sz="1000">
+              <a:latin typeface="맑은 고딕" charset="0"/>
+              <a:ea typeface="맑은 고딕" charset="0"/>
+            </a:endParaRPr>
+          </a:p>
+          <a:p>
+            <a:pPr marL="0" indent="0" algn="l" latinLnBrk="0" hangingPunct="1">
+              <a:buFontTx/>
+              <a:buNone/>
+            </a:pPr>
+            <a:r>
+              <a:rPr lang="ko-KR" sz="1000">
+                <a:latin typeface="맑은 고딕" charset="0"/>
+                <a:ea typeface="맑은 고딕" charset="0"/>
+              </a:rPr>
               <a:t>      ● </a:t>
             </a:r>
             <a:r>
@@ -6660,7 +6971,7 @@
                 <a:latin typeface="맑은 고딕" charset="0"/>
                 <a:ea typeface="맑은 고딕" charset="0"/>
               </a:rPr>
-              <a:t>오디오 믹서를 사용하여 전역으로 사운드를 관리하는 시스템 설계</a:t>
+              <a:t>마이크 설정 및 음성 감지 기능 설계</a:t>
             </a:r>
             <a:endParaRPr lang="ko-KR" altLang="en-US" sz="1500">
               <a:latin typeface="맑은 고딕" charset="0"/>
@@ -6687,154 +6998,7 @@
                 <a:latin typeface="맑은 고딕" charset="0"/>
                 <a:ea typeface="맑은 고딕" charset="0"/>
               </a:rPr>
-              <a:t>29. </a:t>
-            </a:r>
-            <a:r>
-              <a:rPr lang="ko-KR" sz="2000">
-                <a:latin typeface="맑은 고딕" charset="0"/>
-                <a:ea typeface="맑은 고딕" charset="0"/>
-              </a:rPr>
-              <a:t>포톤 보이스를 이용한 음성 채팅 제작</a:t>
-            </a:r>
-            <a:endParaRPr lang="ko-KR" altLang="en-US" sz="2000">
-              <a:latin typeface="맑은 고딕" charset="0"/>
-              <a:ea typeface="맑은 고딕" charset="0"/>
-            </a:endParaRPr>
-          </a:p>
-          <a:p>
-            <a:pPr marL="0" indent="0" algn="l" latinLnBrk="0" hangingPunct="1">
-              <a:buFontTx/>
-              <a:buNone/>
-            </a:pPr>
-            <a:r>
-              <a:rPr lang="ko-KR" sz="2000">
-                <a:latin typeface="맑은 고딕" charset="0"/>
-                <a:ea typeface="맑은 고딕" charset="0"/>
-              </a:rPr>
-              <a:t>   </a:t>
-            </a:r>
-            <a:r>
-              <a:rPr lang="ko-KR" sz="1000">
-                <a:latin typeface="맑은 고딕" charset="0"/>
-                <a:ea typeface="맑은 고딕" charset="0"/>
-              </a:rPr>
-              <a:t>●</a:t>
-            </a:r>
-            <a:r>
-              <a:rPr lang="ko-KR" sz="1500">
-                <a:latin typeface="맑은 고딕" charset="0"/>
-                <a:ea typeface="맑은 고딕" charset="0"/>
-              </a:rPr>
-              <a:t> </a:t>
-            </a:r>
-            <a:r>
-              <a:rPr lang="ko-KR" sz="1500">
-                <a:latin typeface="맑은 고딕" charset="0"/>
-                <a:ea typeface="맑은 고딕" charset="0"/>
-              </a:rPr>
-              <a:t>포톤 보이스 SDK 다운로드 및 설정</a:t>
-            </a:r>
-            <a:endParaRPr lang="ko-KR" altLang="en-US" sz="1500">
-              <a:latin typeface="맑은 고딕" charset="0"/>
-              <a:ea typeface="맑은 고딕" charset="0"/>
-            </a:endParaRPr>
-          </a:p>
-          <a:p>
-            <a:pPr marL="0" indent="0" algn="l" latinLnBrk="0" hangingPunct="1">
-              <a:buFontTx/>
-              <a:buNone/>
-            </a:pPr>
-            <a:endParaRPr lang="ko-KR" altLang="en-US" sz="1000">
-              <a:latin typeface="맑은 고딕" charset="0"/>
-              <a:ea typeface="맑은 고딕" charset="0"/>
-            </a:endParaRPr>
-          </a:p>
-          <a:p>
-            <a:pPr marL="0" indent="0" algn="l" latinLnBrk="0" hangingPunct="1">
-              <a:buFontTx/>
-              <a:buNone/>
-            </a:pPr>
-            <a:r>
-              <a:rPr lang="ko-KR" sz="2000">
-                <a:latin typeface="맑은 고딕" charset="0"/>
-                <a:ea typeface="맑은 고딕" charset="0"/>
-              </a:rPr>
-              <a:t>   </a:t>
-            </a:r>
-            <a:r>
-              <a:rPr lang="ko-KR" sz="1000">
-                <a:latin typeface="맑은 고딕" charset="0"/>
-                <a:ea typeface="맑은 고딕" charset="0"/>
-              </a:rPr>
-              <a:t>● </a:t>
-            </a:r>
-            <a:r>
-              <a:rPr lang="ko-KR" sz="1500">
-                <a:latin typeface="맑은 고딕" charset="0"/>
-                <a:ea typeface="맑은 고딕" charset="0"/>
-              </a:rPr>
-              <a:t>포톤 보이스 뷰에 스피커를 적용하여 주파수 </a:t>
-            </a:r>
-            <a:endParaRPr lang="ko-KR" altLang="en-US" sz="1500">
-              <a:latin typeface="맑은 고딕" charset="0"/>
-              <a:ea typeface="맑은 고딕" charset="0"/>
-            </a:endParaRPr>
-          </a:p>
-          <a:p>
-            <a:pPr marL="0" indent="0" algn="l" latinLnBrk="0" hangingPunct="1">
-              <a:buFontTx/>
-              <a:buNone/>
-            </a:pPr>
-            <a:endParaRPr lang="ko-KR" altLang="en-US" sz="1000">
-              <a:latin typeface="맑은 고딕" charset="0"/>
-              <a:ea typeface="맑은 고딕" charset="0"/>
-            </a:endParaRPr>
-          </a:p>
-          <a:p>
-            <a:pPr marL="0" indent="0" algn="l" latinLnBrk="0" hangingPunct="1">
-              <a:buFontTx/>
-              <a:buNone/>
-            </a:pPr>
-            <a:r>
-              <a:rPr lang="ko-KR" sz="1000">
-                <a:latin typeface="맑은 고딕" charset="0"/>
-                <a:ea typeface="맑은 고딕" charset="0"/>
-              </a:rPr>
-              <a:t>      ● </a:t>
-            </a:r>
-            <a:r>
-              <a:rPr lang="ko-KR" sz="1500">
-                <a:latin typeface="맑은 고딕" charset="0"/>
-                <a:ea typeface="맑은 고딕" charset="0"/>
-              </a:rPr>
-              <a:t>마이크 설정 및 음성 감지 기능 설계</a:t>
-            </a:r>
-            <a:endParaRPr lang="ko-KR" altLang="en-US" sz="1500">
-              <a:latin typeface="맑은 고딕" charset="0"/>
-              <a:ea typeface="맑은 고딕" charset="0"/>
-            </a:endParaRPr>
-          </a:p>
-          <a:p>
-            <a:pPr marL="0" indent="0" algn="l" latinLnBrk="0" hangingPunct="1">
-              <a:buFontTx/>
-              <a:buNone/>
-            </a:pPr>
-            <a:endParaRPr lang="ko-KR" altLang="en-US" sz="1000">
-              <a:latin typeface="맑은 고딕" charset="0"/>
-              <a:ea typeface="맑은 고딕" charset="0"/>
-            </a:endParaRPr>
-          </a:p>
-          <a:p>
-            <a:pPr marL="0" indent="0" algn="l" latinLnBrk="0" hangingPunct="1">
-              <a:buFontTx/>
-              <a:buNone/>
-            </a:pPr>
-            <a:r>
-              <a:rPr lang="ko-KR" sz="2000">
-                <a:latin typeface="맑은 고딕" charset="0"/>
-                <a:ea typeface="맑은 고딕" charset="0"/>
-              </a:rPr>
-              <a:t>30.</a:t>
+              <a:t>4월 20일 -</a:t>
             </a:r>
             <a:r>
               <a:rPr lang="ko-KR" sz="2000">
@@ -7107,9 +7271,9 @@
           <p:nvPr/>
         </p:nvSpPr>
         <p:spPr>
-          <a:xfrm rot="0">
+          <a:xfrm>
             <a:off x="1031240" y="1642110"/>
-            <a:ext cx="6711950" cy="4933950"/>
+            <a:ext cx="6712585" cy="4933950"/>
           </a:xfrm>
           <a:prstGeom prst="rect"/>
           <a:noFill/>
@@ -7150,21 +7314,14 @@
                 <a:latin typeface="맑은 고딕" charset="0"/>
                 <a:ea typeface="맑은 고딕" charset="0"/>
               </a:rPr>
-              <a:t>3</a:t>
-            </a:r>
-            <a:r>
-              <a:rPr lang="ko-KR" sz="2000">
-                <a:latin typeface="맑은 고딕" charset="0"/>
-                <a:ea typeface="맑은 고딕" charset="0"/>
-              </a:rPr>
-              <a:t>1</a:t>
-            </a:r>
-            <a:r>
-              <a:rPr lang="ko-KR" sz="2000">
-                <a:latin typeface="맑은 고딕" charset="0"/>
-                <a:ea typeface="맑은 고딕" charset="0"/>
-              </a:rPr>
-              <a:t>. 최적화 설명 및 실습</a:t>
+              <a:t>4월 22일 -</a:t>
+            </a:r>
+            <a:r>
+              <a:rPr lang="ko-KR" sz="2000">
+                <a:latin typeface="맑은 고딕" charset="0"/>
+                <a:ea typeface="맑은 고딕" charset="0"/>
+              </a:rPr>
+              <a:t> 최적화 설명 및 실습</a:t>
             </a:r>
             <a:endParaRPr lang="ko-KR" altLang="en-US" sz="2000">
               <a:latin typeface="맑은 고딕" charset="0"/>
@@ -7290,21 +7447,14 @@
                 <a:latin typeface="맑은 고딕" charset="0"/>
                 <a:ea typeface="맑은 고딕" charset="0"/>
               </a:rPr>
-              <a:t>3</a:t>
-            </a:r>
-            <a:r>
-              <a:rPr lang="ko-KR" sz="2000">
-                <a:latin typeface="맑은 고딕" charset="0"/>
-                <a:ea typeface="맑은 고딕" charset="0"/>
-              </a:rPr>
-              <a:t>2</a:t>
-            </a:r>
-            <a:r>
-              <a:rPr lang="ko-KR" sz="2000">
-                <a:latin typeface="맑은 고딕" charset="0"/>
-                <a:ea typeface="맑은 고딕" charset="0"/>
-              </a:rPr>
-              <a:t>. 애플리케이션 함수 사용 및 실습 </a:t>
+              <a:t>4월 25일 -</a:t>
+            </a:r>
+            <a:r>
+              <a:rPr lang="ko-KR" sz="2000">
+                <a:latin typeface="맑은 고딕" charset="0"/>
+                <a:ea typeface="맑은 고딕" charset="0"/>
+              </a:rPr>
+              <a:t> 애플리케이션 함수 사용 및 실습 </a:t>
             </a:r>
             <a:endParaRPr lang="ko-KR" altLang="en-US" sz="2000">
               <a:latin typeface="맑은 고딕" charset="0"/>
@@ -7437,14 +7587,14 @@
                 <a:latin typeface="맑은 고딕" charset="0"/>
                 <a:ea typeface="맑은 고딕" charset="0"/>
               </a:rPr>
-              <a:t>33. </a:t>
-            </a:r>
-            <a:r>
-              <a:rPr lang="ko-KR" sz="2000">
-                <a:latin typeface="맑은 고딕" charset="0"/>
-                <a:ea typeface="맑은 고딕" charset="0"/>
-              </a:rPr>
-              <a:t>화면 캡쳐 및 스프라이트 애니메이션</a:t>
+              <a:t>4월 27일 -</a:t>
+            </a:r>
+            <a:r>
+              <a:rPr lang="ko-KR" sz="2000">
+                <a:latin typeface="맑은 고딕" charset="0"/>
+                <a:ea typeface="맑은 고딕" charset="0"/>
+              </a:rPr>
+              <a:t> 화면 캡쳐 및 스프라이트 애니메이션</a:t>
             </a:r>
             <a:r>
               <a:rPr lang="ko-KR" sz="2000">
@@ -7692,7 +7842,7 @@
         <p:spPr>
           <a:xfrm>
             <a:off x="1031240" y="1642110"/>
-            <a:ext cx="6306185" cy="4933950"/>
+            <a:ext cx="6308090" cy="5010785"/>
           </a:xfrm>
           <a:prstGeom prst="rect"/>
           <a:noFill/>
@@ -7733,14 +7883,7 @@
                 <a:latin typeface="맑은 고딕" charset="0"/>
                 <a:ea typeface="맑은 고딕" charset="0"/>
               </a:rPr>
-              <a:t>34. </a:t>
-            </a:r>
-            <a:r>
-              <a:rPr lang="ko-KR" sz="2000">
-                <a:latin typeface="맑은 고딕" charset="0"/>
-                <a:ea typeface="맑은 고딕" charset="0"/>
-              </a:rPr>
-              <a:t>프로젝트 (part.5)</a:t>
+              <a:t>4월 29일 - 프로젝트 (part.5)</a:t>
             </a:r>
             <a:endParaRPr lang="ko-KR" altLang="en-US" sz="2000">
               <a:latin typeface="맑은 고딕" charset="0"/>
@@ -7866,22 +8009,486 @@
                 <a:latin typeface="맑은 고딕" charset="0"/>
                 <a:ea typeface="맑은 고딕" charset="0"/>
               </a:rPr>
-              <a:t>35.  </a:t>
-            </a:r>
-            <a:r>
-              <a:rPr lang="ko-KR" sz="2000">
-                <a:latin typeface="맑은 고딕" charset="0"/>
-                <a:ea typeface="맑은 고딕" charset="0"/>
-              </a:rPr>
-              <a:t>프로젝트 (part.6)</a:t>
-            </a:r>
-            <a:r>
-              <a:rPr lang="ko-KR" sz="2000">
+              <a:t>5월 2일 - 프로젝트 (part.6) </a:t>
+            </a:r>
+            <a:endParaRPr lang="ko-KR" altLang="en-US" sz="2000">
+              <a:latin typeface="맑은 고딕" charset="0"/>
+              <a:ea typeface="맑은 고딕" charset="0"/>
+            </a:endParaRPr>
+          </a:p>
+          <a:p>
+            <a:pPr marL="0" indent="0" algn="l" latinLnBrk="0" hangingPunct="1">
+              <a:buFontTx/>
+              <a:buNone/>
+            </a:pPr>
+            <a:r>
+              <a:rPr lang="ko-KR" sz="2000">
+                <a:latin typeface="맑은 고딕" charset="0"/>
+                <a:ea typeface="맑은 고딕" charset="0"/>
+              </a:rPr>
+              <a:t>   </a:t>
+            </a:r>
+            <a:r>
+              <a:rPr lang="ko-KR" sz="1000">
+                <a:latin typeface="맑은 고딕" charset="0"/>
+                <a:ea typeface="맑은 고딕" charset="0"/>
+              </a:rPr>
+              <a:t>●</a:t>
+            </a:r>
+            <a:r>
+              <a:rPr lang="ko-KR" sz="1500">
+                <a:latin typeface="맑은 고딕" charset="0"/>
+                <a:ea typeface="맑은 고딕" charset="0"/>
+              </a:rPr>
+              <a:t> 파티클 시스템으로 폭파 효과 적용 </a:t>
+            </a:r>
+            <a:endParaRPr lang="ko-KR" altLang="en-US" sz="1500">
+              <a:latin typeface="맑은 고딕" charset="0"/>
+              <a:ea typeface="맑은 고딕" charset="0"/>
+            </a:endParaRPr>
+          </a:p>
+          <a:p>
+            <a:pPr marL="0" indent="0" algn="l" latinLnBrk="0" hangingPunct="1">
+              <a:buFontTx/>
+              <a:buNone/>
+            </a:pPr>
+            <a:endParaRPr lang="ko-KR" altLang="en-US" sz="1000">
+              <a:latin typeface="맑은 고딕" charset="0"/>
+              <a:ea typeface="맑은 고딕" charset="0"/>
+            </a:endParaRPr>
+          </a:p>
+          <a:p>
+            <a:pPr marL="0" indent="0" algn="l" latinLnBrk="0" hangingPunct="1">
+              <a:buFontTx/>
+              <a:buNone/>
+            </a:pPr>
+            <a:r>
+              <a:rPr lang="ko-KR" sz="2000">
+                <a:latin typeface="맑은 고딕" charset="0"/>
+                <a:ea typeface="맑은 고딕" charset="0"/>
+              </a:rPr>
+              <a:t>   </a:t>
+            </a:r>
+            <a:r>
+              <a:rPr lang="ko-KR" sz="1000">
+                <a:latin typeface="맑은 고딕" charset="0"/>
+                <a:ea typeface="맑은 고딕" charset="0"/>
+              </a:rPr>
+              <a:t>● </a:t>
+            </a:r>
+            <a:r>
+              <a:rPr lang="ko-KR" sz="1500">
+                <a:latin typeface="맑은 고딕" charset="0"/>
+                <a:ea typeface="맑은 고딕" charset="0"/>
+              </a:rPr>
+              <a:t>게임 오브젝트 보관 및 소모 시스템 설정</a:t>
+            </a:r>
+            <a:endParaRPr lang="ko-KR" altLang="en-US" sz="1500">
+              <a:latin typeface="맑은 고딕" charset="0"/>
+              <a:ea typeface="맑은 고딕" charset="0"/>
+            </a:endParaRPr>
+          </a:p>
+          <a:p>
+            <a:pPr marL="0" indent="0" algn="l" latinLnBrk="0" hangingPunct="1">
+              <a:buFontTx/>
+              <a:buNone/>
+            </a:pPr>
+            <a:endParaRPr lang="ko-KR" altLang="en-US" sz="1000">
+              <a:latin typeface="맑은 고딕" charset="0"/>
+              <a:ea typeface="맑은 고딕" charset="0"/>
+            </a:endParaRPr>
+          </a:p>
+          <a:p>
+            <a:pPr marL="0" indent="0" algn="l" latinLnBrk="0" hangingPunct="1">
+              <a:buFontTx/>
+              <a:buNone/>
+            </a:pPr>
+            <a:r>
+              <a:rPr lang="ko-KR" sz="1000">
+                <a:latin typeface="맑은 고딕" charset="0"/>
+                <a:ea typeface="맑은 고딕" charset="0"/>
+              </a:rPr>
+              <a:t>      ● </a:t>
+            </a:r>
+            <a:r>
+              <a:rPr lang="ko-KR" sz="1500">
+                <a:latin typeface="맑은 고딕" charset="0"/>
+                <a:ea typeface="맑은 고딕" charset="0"/>
+              </a:rPr>
+              <a:t>고정 해상도 설정</a:t>
+            </a:r>
+            <a:endParaRPr lang="ko-KR" altLang="en-US" sz="1500">
+              <a:latin typeface="맑은 고딕" charset="0"/>
+              <a:ea typeface="맑은 고딕" charset="0"/>
+            </a:endParaRPr>
+          </a:p>
+          <a:p>
+            <a:pPr marL="0" indent="0" algn="l" latinLnBrk="0" hangingPunct="1">
+              <a:buFontTx/>
+              <a:buNone/>
+            </a:pPr>
+            <a:endParaRPr lang="ko-KR" altLang="en-US" sz="1000">
+              <a:latin typeface="맑은 고딕" charset="0"/>
+              <a:ea typeface="맑은 고딕" charset="0"/>
+            </a:endParaRPr>
+          </a:p>
+          <a:p>
+            <a:pPr marL="0" indent="0" algn="l" latinLnBrk="0" hangingPunct="1">
+              <a:buFontTx/>
+              <a:buNone/>
+            </a:pPr>
+            <a:r>
+              <a:rPr lang="ko-KR" sz="2000">
+                <a:latin typeface="맑은 고딕" charset="0"/>
+                <a:ea typeface="맑은 고딕" charset="0"/>
+              </a:rPr>
+              <a:t>5월 </a:t>
+            </a:r>
+            <a:r>
+              <a:rPr lang="ko-KR" sz="2000">
+                <a:latin typeface="맑은 고딕" charset="0"/>
+                <a:ea typeface="맑은 고딕" charset="0"/>
+              </a:rPr>
+              <a:t>4일 </a:t>
+            </a:r>
+            <a:r>
+              <a:rPr lang="ko-KR" sz="2000">
+                <a:latin typeface="맑은 고딕" charset="0"/>
+                <a:ea typeface="맑은 고딕" charset="0"/>
+              </a:rPr>
+              <a:t>프로젝트 (part.</a:t>
+            </a:r>
+            <a:r>
+              <a:rPr lang="ko-KR" sz="2000">
+                <a:latin typeface="맑은 고딕" charset="0"/>
+                <a:ea typeface="맑은 고딕" charset="0"/>
+              </a:rPr>
+              <a:t>7</a:t>
+            </a:r>
+            <a:r>
+              <a:rPr lang="ko-KR" sz="2000">
+                <a:latin typeface="맑은 고딕" charset="0"/>
+                <a:ea typeface="맑은 고딕" charset="0"/>
+              </a:rPr>
+              <a:t>) </a:t>
+            </a:r>
+            <a:endParaRPr lang="ko-KR" altLang="en-US" sz="2000">
+              <a:latin typeface="맑은 고딕" charset="0"/>
+              <a:ea typeface="맑은 고딕" charset="0"/>
+            </a:endParaRPr>
+          </a:p>
+          <a:p>
+            <a:pPr marL="0" indent="0" algn="l" latinLnBrk="0" hangingPunct="1">
+              <a:buFontTx/>
+              <a:buNone/>
+            </a:pPr>
+            <a:r>
+              <a:rPr lang="ko-KR" sz="2000">
+                <a:latin typeface="맑은 고딕" charset="0"/>
+                <a:ea typeface="맑은 고딕" charset="0"/>
+              </a:rPr>
+              <a:t>   </a:t>
+            </a:r>
+            <a:r>
+              <a:rPr lang="ko-KR" sz="1000">
+                <a:latin typeface="맑은 고딕" charset="0"/>
+                <a:ea typeface="맑은 고딕" charset="0"/>
+              </a:rPr>
+              <a:t>●</a:t>
+            </a:r>
+            <a:r>
+              <a:rPr lang="ko-KR" sz="1500">
                 <a:latin typeface="맑은 고딕" charset="0"/>
                 <a:ea typeface="맑은 고딕" charset="0"/>
               </a:rPr>
               <a:t> </a:t>
             </a:r>
+            <a:r>
+              <a:rPr lang="ko-KR" sz="1500">
+                <a:latin typeface="맑은 고딕" charset="0"/>
+                <a:ea typeface="맑은 고딕" charset="0"/>
+              </a:rPr>
+              <a:t>아이템 장착 및 해제 시스템 설계</a:t>
+            </a:r>
+            <a:r>
+              <a:rPr lang="ko-KR" sz="1500">
+                <a:latin typeface="맑은 고딕" charset="0"/>
+                <a:ea typeface="맑은 고딕" charset="0"/>
+              </a:rPr>
+              <a:t> </a:t>
+            </a:r>
+            <a:endParaRPr lang="ko-KR" altLang="en-US" sz="1500">
+              <a:latin typeface="맑은 고딕" charset="0"/>
+              <a:ea typeface="맑은 고딕" charset="0"/>
+            </a:endParaRPr>
+          </a:p>
+          <a:p>
+            <a:pPr marL="0" indent="0" algn="l" latinLnBrk="0" hangingPunct="1">
+              <a:buFontTx/>
+              <a:buNone/>
+            </a:pPr>
+            <a:endParaRPr lang="ko-KR" altLang="en-US" sz="1000">
+              <a:latin typeface="맑은 고딕" charset="0"/>
+              <a:ea typeface="맑은 고딕" charset="0"/>
+            </a:endParaRPr>
+          </a:p>
+          <a:p>
+            <a:pPr marL="0" indent="0" algn="l" latinLnBrk="0" hangingPunct="1">
+              <a:buFontTx/>
+              <a:buNone/>
+            </a:pPr>
+            <a:r>
+              <a:rPr lang="ko-KR" sz="2000">
+                <a:latin typeface="맑은 고딕" charset="0"/>
+                <a:ea typeface="맑은 고딕" charset="0"/>
+              </a:rPr>
+              <a:t>   </a:t>
+            </a:r>
+            <a:r>
+              <a:rPr lang="ko-KR" sz="1000">
+                <a:latin typeface="맑은 고딕" charset="0"/>
+                <a:ea typeface="맑은 고딕" charset="0"/>
+              </a:rPr>
+              <a:t>● </a:t>
+            </a:r>
+            <a:r>
+              <a:rPr lang="ko-KR" sz="1500">
+                <a:latin typeface="맑은 고딕" charset="0"/>
+                <a:ea typeface="맑은 고딕" charset="0"/>
+              </a:rPr>
+              <a:t>아이템 교체 시스템 설정</a:t>
+            </a:r>
+            <a:endParaRPr lang="ko-KR" altLang="en-US" sz="1500">
+              <a:latin typeface="맑은 고딕" charset="0"/>
+              <a:ea typeface="맑은 고딕" charset="0"/>
+            </a:endParaRPr>
+          </a:p>
+          <a:p>
+            <a:pPr marL="0" indent="0" algn="l" latinLnBrk="0" hangingPunct="1">
+              <a:buFontTx/>
+              <a:buNone/>
+            </a:pPr>
+            <a:endParaRPr lang="ko-KR" altLang="en-US" sz="1000">
+              <a:latin typeface="맑은 고딕" charset="0"/>
+              <a:ea typeface="맑은 고딕" charset="0"/>
+            </a:endParaRPr>
+          </a:p>
+          <a:p>
+            <a:pPr marL="0" indent="0" algn="l" latinLnBrk="0" hangingPunct="1">
+              <a:buFontTx/>
+              <a:buNone/>
+            </a:pPr>
+            <a:r>
+              <a:rPr lang="ko-KR" sz="1000">
+                <a:latin typeface="맑은 고딕" charset="0"/>
+                <a:ea typeface="맑은 고딕" charset="0"/>
+              </a:rPr>
+              <a:t>      ● </a:t>
+            </a:r>
+            <a:r>
+              <a:rPr lang="ko-KR" sz="1500">
+                <a:latin typeface="맑은 고딕" charset="0"/>
+                <a:ea typeface="맑은 고딕" charset="0"/>
+              </a:rPr>
+              <a:t>조이스틱 시스템 제작</a:t>
+            </a:r>
+            <a:endParaRPr lang="ko-KR" altLang="en-US" sz="1500">
+              <a:latin typeface="맑은 고딕" charset="0"/>
+              <a:ea typeface="맑은 고딕" charset="0"/>
+            </a:endParaRPr>
+          </a:p>
+        </p:txBody>
+      </p:sp>
+    </p:spTree>
+  </p:cSld>
+  <p:clrMapOvr>
+    <a:masterClrMapping/>
+  </p:clrMapOvr>
+  <mc:AlternateContent xmlns:mc="http://schemas.openxmlformats.org/markup-compatibility/2006">
+    <mc:Choice xmlns:p14="http://schemas.microsoft.com/office/powerpoint/2010/main" Requires="p14">
+      <p:transition spd="slow" p14:dur="2000"/>
+    </mc:Choice>
+    <mc:Fallback>
+      <p:transition spd="slow"/>
+    </mc:Fallback>
+  </mc:AlternateContent>
+  <p:timing>
+    <p:tnLst>
+      <p:par>
+        <p:cTn id="1" dur="indefinite" restart="never" nodeType="tmRoot"/>
+      </p:par>
+    </p:tnLst>
+  </p:timing>
+</p:sld>
+</file>
+
+<file path=ppt/slides/slide14.xml><?xml version="1.0" encoding="utf-8"?>
+<p:sld xmlns:a="http://schemas.openxmlformats.org/drawingml/2006/main" xmlns:r="http://schemas.openxmlformats.org/officeDocument/2006/relationships" xmlns:p="http://schemas.openxmlformats.org/presentationml/2006/main">
+  <p:cSld>
+    <p:spTree>
+      <p:nvGrpSpPr>
+        <p:cNvPr id="1" name=""/>
+        <p:cNvGrpSpPr/>
+        <p:nvPr/>
+      </p:nvGrpSpPr>
+      <p:grpSpPr>
+        <a:xfrm>
+          <a:off x="0" y="0"/>
+          <a:ext cx="0" cy="0"/>
+          <a:chOff x="0" y="0"/>
+          <a:chExt cx="0" cy="0"/>
+        </a:xfrm>
+      </p:grpSpPr>
+      <p:pic>
+        <p:nvPicPr>
+          <p:cNvPr id="1045" name="Picture " descr="C:/Users/Admin1/AppData/Roaming/PolarisOffice/ETemp/13072_14723328/fImage480193418467.png"/>
+          <p:cNvPicPr>
+            <a:picLocks noChangeAspect="1"/>
+          </p:cNvPicPr>
+          <p:nvPr/>
+        </p:nvPicPr>
+        <p:blipFill rotWithShape="1">
+          <a:blip r:embed="rId2" cstate="hqprint">
+            <a:extLst>
+              <a:ext uri="{28A0092B-C50C-407E-A947-70E740481C1C}">
+                <a14:useLocalDpi xmlns:a14="http://schemas.microsoft.com/office/drawing/2010/main"/>
+              </a:ext>
+            </a:extLst>
+          </a:blip>
+          <a:stretch>
+            <a:fillRect/>
+          </a:stretch>
+        </p:blipFill>
+        <p:spPr>
+          <a:xfrm rot="0">
+            <a:off x="0" y="9525"/>
+            <a:ext cx="12194540" cy="6851015"/>
+          </a:xfrm>
+          <a:prstGeom prst="rect"/>
+          <a:noFill/>
+        </p:spPr>
+      </p:pic>
+      <p:sp>
+        <p:nvSpPr>
+          <p:cNvPr id="1031" name="Rect 0"/>
+          <p:cNvSpPr txBox="1">
+            <a:spLocks/>
+          </p:cNvSpPr>
+          <p:nvPr/>
+        </p:nvSpPr>
+        <p:spPr>
+          <a:xfrm rot="0">
+            <a:off x="4234815" y="208915"/>
+            <a:ext cx="3729355" cy="554990"/>
+          </a:xfrm>
+          <a:prstGeom prst="rect"/>
+          <a:noFill/>
+          <a:ln w="0">
+            <a:noFill/>
+            <a:prstDash/>
+          </a:ln>
+        </p:spPr>
+        <p:txBody>
+          <a:bodyPr wrap="square" lIns="89535" tIns="46355" rIns="89535" bIns="46355" numCol="1" vert="horz" anchor="t">
+            <a:spAutoFit/>
+          </a:bodyPr>
+          <a:lstStyle/>
+          <a:p>
+            <a:pPr marL="0" indent="0" algn="l" latinLnBrk="0">
+              <a:buFontTx/>
+              <a:buNone/>
+            </a:pPr>
+            <a:r>
+              <a:rPr lang="ko-KR" altLang="en-US" sz="3000" b="1">
+                <a:solidFill>
+                  <a:schemeClr val="tx1"/>
+                </a:solidFill>
+                <a:latin typeface="맑은 고딕" charset="0"/>
+                <a:ea typeface="맑은 고딕" charset="0"/>
+              </a:rPr>
+              <a:t>1</a:t>
+            </a:r>
+            <a:r>
+              <a:rPr lang="ko-KR" altLang="en-US" sz="3000" b="1">
+                <a:solidFill>
+                  <a:schemeClr val="tx1"/>
+                </a:solidFill>
+                <a:latin typeface="맑은 고딕" charset="0"/>
+                <a:ea typeface="맑은 고딕" charset="0"/>
+              </a:rPr>
+              <a:t>3</a:t>
+            </a:r>
+            <a:r>
+              <a:rPr lang="ko-KR" altLang="en-US" sz="3000" b="1">
+                <a:solidFill>
+                  <a:schemeClr val="tx1"/>
+                </a:solidFill>
+                <a:latin typeface="맑은 고딕" charset="0"/>
+                <a:ea typeface="맑은 고딕" charset="0"/>
+              </a:rPr>
+              <a:t> 주차 유니티 강의</a:t>
+            </a:r>
+            <a:endParaRPr lang="ko-KR" altLang="en-US" sz="3000" b="1">
+              <a:solidFill>
+                <a:schemeClr val="tx1"/>
+              </a:solidFill>
+              <a:latin typeface="맑은 고딕" charset="0"/>
+              <a:ea typeface="맑은 고딕" charset="0"/>
+            </a:endParaRPr>
+          </a:p>
+        </p:txBody>
+      </p:sp>
+      <p:sp>
+        <p:nvSpPr>
+          <p:cNvPr id="1046" name="Rect 0"/>
+          <p:cNvSpPr txBox="1">
+            <a:spLocks/>
+          </p:cNvSpPr>
+          <p:nvPr/>
+        </p:nvSpPr>
+        <p:spPr>
+          <a:xfrm rot="0">
+            <a:off x="1031240" y="1642110"/>
+            <a:ext cx="6308090" cy="3550920"/>
+          </a:xfrm>
+          <a:prstGeom prst="rect"/>
+          <a:noFill/>
+          <a:ln w="0">
+            <a:noFill/>
+            <a:prstDash/>
+          </a:ln>
+        </p:spPr>
+        <p:txBody>
+          <a:bodyPr wrap="square" lIns="89535" tIns="46355" rIns="89535" bIns="46355" numCol="1" vert="horz" anchor="t">
+            <a:spAutoFit/>
+          </a:bodyPr>
+          <a:lstStyle/>
+          <a:p>
+            <a:pPr marL="0" indent="0" algn="l" latinLnBrk="0" hangingPunct="1">
+              <a:buFontTx/>
+              <a:buNone/>
+            </a:pPr>
+            <a:r>
+              <a:rPr lang="ko-KR" sz="2000">
+                <a:latin typeface="맑은 고딕" charset="0"/>
+                <a:ea typeface="맑은 고딕" charset="0"/>
+              </a:rPr>
+              <a:t>- 열</a:t>
+            </a:r>
+            <a:r>
+              <a:rPr lang="ko-KR" sz="2000">
+                <a:latin typeface="맑은 고딕" charset="0"/>
+                <a:ea typeface="맑은 고딕" charset="0"/>
+              </a:rPr>
+              <a:t>셋</a:t>
+            </a:r>
+            <a:r>
+              <a:rPr lang="ko-KR" sz="2000">
+                <a:latin typeface="맑은 고딕" charset="0"/>
+                <a:ea typeface="맑은 고딕" charset="0"/>
+              </a:rPr>
+              <a:t>째 주 강의</a:t>
+            </a:r>
             <a:endParaRPr lang="ko-KR" altLang="en-US" sz="2000">
               <a:latin typeface="맑은 고딕" charset="0"/>
               <a:ea typeface="맑은 고딕" charset="0"/>
@@ -7897,6 +8504,58 @@
                 <a:latin typeface="맑은 고딕" charset="0"/>
                 <a:ea typeface="맑은 고딕" charset="0"/>
               </a:rPr>
+              <a:t>5</a:t>
+            </a:r>
+            <a:r>
+              <a:rPr lang="ko-KR" sz="2000">
+                <a:latin typeface="맑은 고딕" charset="0"/>
+                <a:ea typeface="맑은 고딕" charset="0"/>
+              </a:rPr>
+              <a:t>월 </a:t>
+            </a:r>
+            <a:r>
+              <a:rPr lang="ko-KR" sz="2000">
+                <a:latin typeface="맑은 고딕" charset="0"/>
+                <a:ea typeface="맑은 고딕" charset="0"/>
+              </a:rPr>
+              <a:t>6</a:t>
+            </a:r>
+            <a:r>
+              <a:rPr lang="ko-KR" sz="2000">
+                <a:latin typeface="맑은 고딕" charset="0"/>
+                <a:ea typeface="맑은 고딕" charset="0"/>
+              </a:rPr>
+              <a:t>일 - 프로젝트 (part.</a:t>
+            </a:r>
+            <a:r>
+              <a:rPr lang="ko-KR" sz="2000">
+                <a:latin typeface="맑은 고딕" charset="0"/>
+                <a:ea typeface="맑은 고딕" charset="0"/>
+              </a:rPr>
+              <a:t>8</a:t>
+            </a:r>
+            <a:r>
+              <a:rPr lang="ko-KR" sz="2000">
+                <a:latin typeface="맑은 고딕" charset="0"/>
+                <a:ea typeface="맑은 고딕" charset="0"/>
+              </a:rPr>
+              <a:t>)</a:t>
+            </a:r>
+            <a:endParaRPr lang="ko-KR" altLang="en-US" sz="2000">
+              <a:latin typeface="맑은 고딕" charset="0"/>
+              <a:ea typeface="맑은 고딕" charset="0"/>
+            </a:endParaRPr>
+          </a:p>
+          <a:p>
+            <a:pPr marL="0" indent="0" algn="l" latinLnBrk="0" hangingPunct="1">
+              <a:buFontTx/>
+              <a:buNone/>
+            </a:pPr>
+            <a:r>
+              <a:rPr lang="ko-KR" sz="2000">
+                <a:latin typeface="맑은 고딕" charset="0"/>
+                <a:ea typeface="맑은 고딕" charset="0"/>
+              </a:rPr>
               <a:t>   </a:t>
             </a:r>
             <a:r>
@@ -7904,28 +8563,82 @@
                 <a:latin typeface="맑은 고딕" charset="0"/>
                 <a:ea typeface="맑은 고딕" charset="0"/>
               </a:rPr>
-              <a:t>●</a:t>
+              <a:t>● </a:t>
             </a:r>
             <a:r>
               <a:rPr lang="ko-KR" sz="1500">
                 <a:latin typeface="맑은 고딕" charset="0"/>
                 <a:ea typeface="맑은 고딕" charset="0"/>
               </a:rPr>
-              <a:t> </a:t>
+              <a:t>유저 인터페이스 설계 및 상호작용</a:t>
+            </a:r>
+            <a:endParaRPr lang="ko-KR" altLang="en-US" sz="1500">
+              <a:latin typeface="맑은 고딕" charset="0"/>
+              <a:ea typeface="맑은 고딕" charset="0"/>
+            </a:endParaRPr>
+          </a:p>
+          <a:p>
+            <a:pPr marL="0" indent="0" algn="l" latinLnBrk="0" hangingPunct="1">
+              <a:buFontTx/>
+              <a:buNone/>
+            </a:pPr>
+            <a:endParaRPr lang="ko-KR" altLang="en-US" sz="1000">
+              <a:latin typeface="맑은 고딕" charset="0"/>
+              <a:ea typeface="맑은 고딕" charset="0"/>
+            </a:endParaRPr>
+          </a:p>
+          <a:p>
+            <a:pPr marL="0" indent="0" algn="l" latinLnBrk="0" hangingPunct="1">
+              <a:buFontTx/>
+              <a:buNone/>
+            </a:pPr>
+            <a:r>
+              <a:rPr lang="ko-KR" sz="1000">
+                <a:latin typeface="맑은 고딕" charset="0"/>
+                <a:ea typeface="맑은 고딕" charset="0"/>
+              </a:rPr>
+              <a:t>      ● </a:t>
             </a:r>
             <a:r>
               <a:rPr lang="ko-KR" sz="1500">
                 <a:latin typeface="맑은 고딕" charset="0"/>
                 <a:ea typeface="맑은 고딕" charset="0"/>
               </a:rPr>
-              <a:t>파티클 시스템으로 폭파 효과 적용</a:t>
+              <a:t>셰이더 설정 및 머티리얼 변경</a:t>
+            </a:r>
+            <a:endParaRPr lang="ko-KR" altLang="en-US" sz="1500">
+              <a:latin typeface="맑은 고딕" charset="0"/>
+              <a:ea typeface="맑은 고딕" charset="0"/>
+            </a:endParaRPr>
+          </a:p>
+          <a:p>
+            <a:pPr marL="0" indent="0" algn="l" latinLnBrk="0" hangingPunct="1">
+              <a:buFontTx/>
+              <a:buNone/>
+            </a:pPr>
+            <a:endParaRPr lang="ko-KR" altLang="en-US" sz="1000">
+              <a:latin typeface="맑은 고딕" charset="0"/>
+              <a:ea typeface="맑은 고딕" charset="0"/>
+            </a:endParaRPr>
+          </a:p>
+          <a:p>
+            <a:pPr marL="0" indent="0" algn="l" latinLnBrk="0" hangingPunct="1">
+              <a:buFontTx/>
+              <a:buNone/>
+            </a:pPr>
+            <a:r>
+              <a:rPr lang="ko-KR" sz="1000">
+                <a:latin typeface="맑은 고딕" charset="0"/>
+                <a:ea typeface="맑은 고딕" charset="0"/>
+              </a:rPr>
+              <a:t>      ● </a:t>
             </a:r>
             <a:r>
               <a:rPr lang="ko-KR" sz="1500">
                 <a:latin typeface="맑은 고딕" charset="0"/>
                 <a:ea typeface="맑은 고딕" charset="0"/>
               </a:rPr>
-              <a:t> </a:t>
+              <a:t>카메라 속성을 이용한 거울 효과 설정</a:t>
             </a:r>
             <a:endParaRPr lang="ko-KR" altLang="en-US" sz="1500">
               <a:latin typeface="맑은 고딕" charset="0"/>
@@ -7952,6 +8665,40 @@
                 <a:latin typeface="맑은 고딕" charset="0"/>
                 <a:ea typeface="맑은 고딕" charset="0"/>
               </a:rPr>
+              <a:t>5월 </a:t>
+            </a:r>
+            <a:r>
+              <a:rPr lang="ko-KR" sz="2000">
+                <a:latin typeface="맑은 고딕" charset="0"/>
+                <a:ea typeface="맑은 고딕" charset="0"/>
+              </a:rPr>
+              <a:t>9</a:t>
+            </a:r>
+            <a:r>
+              <a:rPr lang="ko-KR" sz="2000">
+                <a:latin typeface="맑은 고딕" charset="0"/>
+                <a:ea typeface="맑은 고딕" charset="0"/>
+              </a:rPr>
+              <a:t>일 - APK 빌드 및 WebGL 빌드</a:t>
+            </a:r>
+            <a:r>
+              <a:rPr lang="ko-KR" sz="2000">
+                <a:latin typeface="맑은 고딕" charset="0"/>
+                <a:ea typeface="맑은 고딕" charset="0"/>
+              </a:rPr>
+              <a:t/>
+            </a:r>
+            <a:br>
+              <a:rPr lang="ko-KR" sz="2000">
+                <a:latin typeface="맑은 고딕" charset="0"/>
+                <a:ea typeface="맑은 고딕" charset="0"/>
+              </a:rPr>
+            </a:br>
+            <a:r>
+              <a:rPr lang="ko-KR" sz="2000">
+                <a:latin typeface="맑은 고딕" charset="0"/>
+                <a:ea typeface="맑은 고딕" charset="0"/>
+              </a:rPr>
               <a:t>   </a:t>
             </a:r>
             <a:r>
@@ -7966,7 +8713,7 @@
                 <a:latin typeface="맑은 고딕" charset="0"/>
                 <a:ea typeface="맑은 고딕" charset="0"/>
               </a:rPr>
-              <a:t>게임 오브젝트 보관 및 소모 시스템 설정</a:t>
+              <a:t>플랫폼 변환 및 JDK, SDK 경로 설정</a:t>
             </a:r>
             <a:endParaRPr lang="ko-KR" altLang="en-US" sz="1500">
               <a:latin typeface="맑은 고딕" charset="0"/>
@@ -8000,7 +8747,24 @@
                 <a:latin typeface="맑은 고딕" charset="0"/>
                 <a:ea typeface="맑은 고딕" charset="0"/>
               </a:rPr>
-              <a:t>상황에 따른 효과음 발생 및 볼륨 조절 시스템 설계</a:t>
+              <a:t>패키지 이름 설정과 API 버전 설정</a:t>
+            </a:r>
+            <a:endParaRPr lang="ko-KR" altLang="en-US" sz="1500">
+              <a:latin typeface="맑은 고딕" charset="0"/>
+              <a:ea typeface="맑은 고딕" charset="0"/>
+            </a:endParaRPr>
+          </a:p>
+          <a:p>
+            <a:pPr marL="0" indent="0" algn="l" latinLnBrk="0" hangingPunct="1">
+              <a:buFontTx/>
+              <a:buNone/>
+            </a:pPr>
+            <a:r>
+              <a:rPr lang="ko-KR" sz="1000">
+                <a:latin typeface="맑은 고딕" charset="0"/>
+                <a:ea typeface="맑은 고딕" charset="0"/>
+              </a:rPr>
+              <a:t>     </a:t>
             </a:r>
             <a:endParaRPr lang="ko-KR" altLang="en-US" sz="1000">
               <a:latin typeface="맑은 고딕" charset="0"/>
@@ -8012,56 +8776,19 @@
               <a:buFontTx/>
               <a:buNone/>
             </a:pPr>
-            <a:endParaRPr lang="ko-KR" altLang="en-US" sz="1000">
-              <a:latin typeface="맑은 고딕" charset="0"/>
-              <a:ea typeface="맑은 고딕" charset="0"/>
-            </a:endParaRPr>
-          </a:p>
-          <a:p>
-            <a:pPr marL="0" indent="0" algn="l" latinLnBrk="0" hangingPunct="1">
-              <a:buFontTx/>
-              <a:buNone/>
-            </a:pPr>
-            <a:r>
-              <a:rPr lang="ko-KR" sz="2000">
-                <a:latin typeface="맑은 고딕" charset="0"/>
-                <a:ea typeface="맑은 고딕" charset="0"/>
-              </a:rPr>
-              <a:t>36. APK 빌드 및 WebGL 빌드</a:t>
-            </a:r>
-            <a:r>
-              <a:rPr lang="ko-KR" sz="2000">
-                <a:latin typeface="맑은 고딕" charset="0"/>
-                <a:ea typeface="맑은 고딕" charset="0"/>
-              </a:rPr>
-              <a:t/>
-            </a:r>
-            <a:br>
-              <a:rPr lang="ko-KR" sz="2000">
-                <a:latin typeface="맑은 고딕" charset="0"/>
-                <a:ea typeface="맑은 고딕" charset="0"/>
-              </a:rPr>
-            </a:br>
-            <a:r>
-              <a:rPr lang="ko-KR" sz="2000">
-                <a:latin typeface="맑은 고딕" charset="0"/>
-                <a:ea typeface="맑은 고딕" charset="0"/>
-              </a:rPr>
-              <a:t>   </a:t>
-            </a:r>
             <a:r>
               <a:rPr lang="ko-KR" sz="1000">
                 <a:latin typeface="맑은 고딕" charset="0"/>
                 <a:ea typeface="맑은 고딕" charset="0"/>
               </a:rPr>
-              <a:t>● </a:t>
+              <a:t>      ● </a:t>
             </a:r>
             <a:r>
               <a:rPr lang="ko-KR" sz="1500">
                 <a:latin typeface="맑은 고딕" charset="0"/>
                 <a:ea typeface="맑은 고딕" charset="0"/>
               </a:rPr>
-              <a:t>플랫폼 변환 및 JDK, SDK 경로 설정</a:t>
+              <a:t>모바일 기기 연동 테스트</a:t>
             </a:r>
             <a:endParaRPr lang="ko-KR" altLang="en-US" sz="1500">
               <a:latin typeface="맑은 고딕" charset="0"/>
@@ -8073,71 +8800,6 @@
               <a:buFontTx/>
               <a:buNone/>
             </a:pPr>
-            <a:endParaRPr lang="ko-KR" altLang="en-US" sz="1000">
-              <a:latin typeface="맑은 고딕" charset="0"/>
-              <a:ea typeface="맑은 고딕" charset="0"/>
-            </a:endParaRPr>
-          </a:p>
-          <a:p>
-            <a:pPr marL="0" indent="0" algn="l" latinLnBrk="0" hangingPunct="1">
-              <a:buFontTx/>
-              <a:buNone/>
-            </a:pPr>
-            <a:r>
-              <a:rPr lang="ko-KR" sz="1000">
-                <a:latin typeface="맑은 고딕" charset="0"/>
-                <a:ea typeface="맑은 고딕" charset="0"/>
-              </a:rPr>
-              <a:t>      ● </a:t>
-            </a:r>
-            <a:r>
-              <a:rPr lang="ko-KR" sz="1500">
-                <a:latin typeface="맑은 고딕" charset="0"/>
-                <a:ea typeface="맑은 고딕" charset="0"/>
-              </a:rPr>
-              <a:t>패키지 이름 설정과 API 버전 설정</a:t>
-            </a:r>
-            <a:endParaRPr lang="ko-KR" altLang="en-US" sz="1500">
-              <a:latin typeface="맑은 고딕" charset="0"/>
-              <a:ea typeface="맑은 고딕" charset="0"/>
-            </a:endParaRPr>
-          </a:p>
-          <a:p>
-            <a:pPr marL="0" indent="0" algn="l" latinLnBrk="0" hangingPunct="1">
-              <a:buFontTx/>
-              <a:buNone/>
-            </a:pPr>
-            <a:r>
-              <a:rPr lang="ko-KR" sz="1000">
-                <a:latin typeface="맑은 고딕" charset="0"/>
-                <a:ea typeface="맑은 고딕" charset="0"/>
-              </a:rPr>
-              <a:t>     </a:t>
-            </a:r>
-            <a:endParaRPr lang="ko-KR" altLang="en-US" sz="1000">
-              <a:latin typeface="맑은 고딕" charset="0"/>
-              <a:ea typeface="맑은 고딕" charset="0"/>
-            </a:endParaRPr>
-          </a:p>
-          <a:p>
-            <a:pPr marL="0" indent="0" algn="l" latinLnBrk="0" hangingPunct="1">
-              <a:buFontTx/>
-              <a:buNone/>
-            </a:pPr>
-            <a:r>
-              <a:rPr lang="ko-KR" sz="1000">
-                <a:latin typeface="맑은 고딕" charset="0"/>
-                <a:ea typeface="맑은 고딕" charset="0"/>
-              </a:rPr>
-              <a:t>      ● </a:t>
-            </a:r>
-            <a:r>
-              <a:rPr lang="ko-KR" sz="1500">
-                <a:latin typeface="맑은 고딕" charset="0"/>
-                <a:ea typeface="맑은 고딕" charset="0"/>
-              </a:rPr>
-              <a:t>모바일 기기 연동 테스트</a:t>
-            </a:r>
             <a:endParaRPr lang="ko-KR" altLang="en-US" sz="1500">
               <a:latin typeface="맑은 고딕" charset="0"/>
               <a:ea typeface="맑은 고딕" charset="0"/>
@@ -8187,7 +8849,7 @@
       </p:grpSpPr>
       <p:pic>
         <p:nvPicPr>
-          <p:cNvPr id="1045" name="Picture " descr="C:/Users/Admin1/AppData/Roaming/PolarisOffice/ETemp/912_12748160/fImage480193418467.png"/>
+          <p:cNvPr id="1045" name="Picture "/>
           <p:cNvPicPr>
             <a:picLocks noChangeAspect="1"/>
           </p:cNvPicPr>
@@ -8207,8 +8869,8 @@
         </p:blipFill>
         <p:spPr>
           <a:xfrm rot="0">
-            <a:off x="-47625" y="0"/>
-            <a:ext cx="12193905" cy="6850380"/>
+            <a:off x="635" y="0"/>
+            <a:ext cx="12194540" cy="6851015"/>
           </a:xfrm>
           <a:prstGeom prst="rect"/>
           <a:noFill/>
@@ -8273,9 +8935,9 @@
           <p:nvPr/>
         </p:nvSpPr>
         <p:spPr>
-          <a:xfrm>
+          <a:xfrm rot="0">
             <a:off x="1014095" y="1382395"/>
-            <a:ext cx="6304280" cy="5010785"/>
+            <a:ext cx="6534785" cy="5010785"/>
           </a:xfrm>
           <a:prstGeom prst="rect"/>
           <a:noFill/>
@@ -8299,7 +8961,49 @@
                 <a:latin typeface="맑은 고딕" charset="0"/>
                 <a:ea typeface="맑은 고딕" charset="0"/>
               </a:rPr>
-              <a:t>- 첫째 주 강의</a:t>
+              <a:t>-</a:t>
+            </a:r>
+            <a:r>
+              <a:rPr lang="ko-KR" sz="2000">
+                <a:latin typeface="맑은 고딕" charset="0"/>
+                <a:ea typeface="맑은 고딕" charset="0"/>
+              </a:rPr>
+              <a:t> </a:t>
+            </a:r>
+            <a:r>
+              <a:rPr lang="ko-KR" sz="2000">
+                <a:latin typeface="맑은 고딕" charset="0"/>
+                <a:ea typeface="맑은 고딕" charset="0"/>
+              </a:rPr>
+              <a:t>첫째</a:t>
+            </a:r>
+            <a:r>
+              <a:rPr lang="ko-KR" sz="2000">
+                <a:latin typeface="맑은 고딕" charset="0"/>
+                <a:ea typeface="맑은 고딕" charset="0"/>
+              </a:rPr>
+              <a:t> </a:t>
+            </a:r>
+            <a:r>
+              <a:rPr lang="ko-KR" sz="2000">
+                <a:latin typeface="맑은 고딕" charset="0"/>
+                <a:ea typeface="맑은 고딕" charset="0"/>
+              </a:rPr>
+              <a:t>주</a:t>
+            </a:r>
+            <a:r>
+              <a:rPr lang="ko-KR" sz="2000">
+                <a:latin typeface="맑은 고딕" charset="0"/>
+                <a:ea typeface="맑은 고딕" charset="0"/>
+              </a:rPr>
+              <a:t> </a:t>
+            </a:r>
+            <a:r>
+              <a:rPr lang="ko-KR" sz="2000">
+                <a:latin typeface="맑은 고딕" charset="0"/>
+                <a:ea typeface="맑은 고딕" charset="0"/>
+              </a:rPr>
+              <a:t>강의</a:t>
             </a:r>
             <a:endParaRPr lang="ko-KR" altLang="en-US" sz="2000">
               <a:latin typeface="맑은 고딕" charset="0"/>
@@ -8316,7 +9020,14 @@
                 <a:latin typeface="맑은 고딕" charset="0"/>
                 <a:ea typeface="맑은 고딕" charset="0"/>
               </a:rPr>
-              <a:t>1. 유니티 프로젝트 준비 및 버전 관리</a:t>
+              <a:t>2월 7일 -</a:t>
+            </a:r>
+            <a:r>
+              <a:rPr lang="ko-KR" sz="2000">
+                <a:latin typeface="맑은 고딕" charset="0"/>
+                <a:ea typeface="맑은 고딕" charset="0"/>
+              </a:rPr>
+              <a:t> 유니티 프로젝트 준비 및 버전 관리</a:t>
             </a:r>
             <a:endParaRPr lang="ko-KR" altLang="en-US" sz="2000">
               <a:latin typeface="맑은 고딕" charset="0"/>
@@ -8340,21 +9051,111 @@
                 <a:latin typeface="맑은 고딕" charset="0"/>
                 <a:ea typeface="맑은 고딕" charset="0"/>
               </a:rPr>
-              <a:t>●</a:t>
-            </a:r>
+              <a:t>● </a:t>
+            </a:r>
+            <a:r>
+              <a:rPr lang="ko-KR" sz="1500">
+                <a:latin typeface="맑은 고딕" charset="0"/>
+                <a:ea typeface="맑은 고딕" charset="0"/>
+              </a:rPr>
+              <a:t>유니티</a:t>
+            </a:r>
+            <a:r>
+              <a:rPr lang="ko-KR" sz="1500">
+                <a:latin typeface="맑은 고딕" charset="0"/>
+                <a:ea typeface="맑은 고딕" charset="0"/>
+              </a:rPr>
+              <a:t> </a:t>
+            </a:r>
+            <a:r>
+              <a:rPr lang="ko-KR" sz="1500">
+                <a:latin typeface="맑은 고딕" charset="0"/>
+                <a:ea typeface="맑은 고딕" charset="0"/>
+              </a:rPr>
+              <a:t>설치</a:t>
+            </a:r>
+            <a:r>
+              <a:rPr lang="ko-KR" sz="1500">
+                <a:latin typeface="맑은 고딕" charset="0"/>
+                <a:ea typeface="맑은 고딕" charset="0"/>
+              </a:rPr>
+              <a:t> </a:t>
+            </a:r>
+            <a:r>
+              <a:rPr lang="ko-KR" sz="1500">
+                <a:latin typeface="맑은 고딕" charset="0"/>
+                <a:ea typeface="맑은 고딕" charset="0"/>
+              </a:rPr>
+              <a:t>및</a:t>
+            </a:r>
+            <a:r>
+              <a:rPr lang="ko-KR" sz="1500">
+                <a:latin typeface="맑은 고딕" charset="0"/>
+                <a:ea typeface="맑은 고딕" charset="0"/>
+              </a:rPr>
+              <a:t> </a:t>
+            </a:r>
+            <a:r>
+              <a:rPr lang="ko-KR" sz="1500">
+                <a:latin typeface="맑은 고딕" charset="0"/>
+                <a:ea typeface="맑은 고딕" charset="0"/>
+              </a:rPr>
+              <a:t>버전</a:t>
+            </a:r>
+            <a:r>
+              <a:rPr lang="ko-KR" sz="1500">
+                <a:latin typeface="맑은 고딕" charset="0"/>
+                <a:ea typeface="맑은 고딕" charset="0"/>
+              </a:rPr>
+              <a:t> </a:t>
+            </a:r>
+            <a:r>
+              <a:rPr lang="ko-KR" sz="1500">
+                <a:latin typeface="맑은 고딕" charset="0"/>
+                <a:ea typeface="맑은 고딕" charset="0"/>
+              </a:rPr>
+              <a:t>선택</a:t>
+            </a:r>
+            <a:r>
+              <a:rPr lang="ko-KR" sz="1500">
+                <a:latin typeface="맑은 고딕" charset="0"/>
+                <a:ea typeface="맑은 고딕" charset="0"/>
+              </a:rPr>
+              <a:t> </a:t>
+            </a:r>
+            <a:endParaRPr lang="ko-KR" altLang="en-US" sz="1500">
+              <a:latin typeface="맑은 고딕" charset="0"/>
+              <a:ea typeface="맑은 고딕" charset="0"/>
+            </a:endParaRPr>
+          </a:p>
+          <a:p>
+            <a:pPr marL="0" indent="0" algn="l" latinLnBrk="0" hangingPunct="1">
+              <a:buFontTx/>
+              <a:buNone/>
+            </a:pPr>
+            <a:endParaRPr lang="ko-KR" altLang="en-US" sz="1000">
+              <a:latin typeface="맑은 고딕" charset="0"/>
+              <a:ea typeface="맑은 고딕" charset="0"/>
+            </a:endParaRPr>
+          </a:p>
+          <a:p>
+            <a:pPr marL="0" indent="0" algn="l" latinLnBrk="0" hangingPunct="1">
+              <a:buFontTx/>
+              <a:buNone/>
+            </a:pPr>
             <a:r>
               <a:rPr lang="ko-KR" sz="1000">
                 <a:latin typeface="맑은 고딕" charset="0"/>
                 <a:ea typeface="맑은 고딕" charset="0"/>
               </a:rPr>
-              <a:t> </a:t>
+              <a:t>      ● </a:t>
             </a:r>
             <a:r>
               <a:rPr lang="ko-KR" sz="1500">
                 <a:latin typeface="맑은 고딕" charset="0"/>
                 <a:ea typeface="맑은 고딕" charset="0"/>
               </a:rPr>
-              <a:t>유니티 설치 및 버전 선택 </a:t>
+              <a:t>github desktop 연동 및 프로젝트 준비 </a:t>
             </a:r>
             <a:endParaRPr lang="ko-KR" altLang="en-US" sz="1500">
               <a:latin typeface="맑은 고딕" charset="0"/>
@@ -8388,7 +9189,7 @@
                 <a:latin typeface="맑은 고딕" charset="0"/>
                 <a:ea typeface="맑은 고딕" charset="0"/>
               </a:rPr>
-              <a:t>github desktop 연동 및 프로젝트 준비 </a:t>
+              <a:t>에셋 워크플로우와 에셋 스토어 설명 및 활용</a:t>
             </a:r>
             <a:endParaRPr lang="ko-KR" altLang="en-US" sz="1500">
               <a:latin typeface="맑은 고딕" charset="0"/>
@@ -8411,10 +9212,116 @@
               <a:buNone/>
             </a:pPr>
             <a:r>
+              <a:rPr lang="ko-KR" sz="2000">
+                <a:latin typeface="맑은 고딕" charset="0"/>
+                <a:ea typeface="맑은 고딕" charset="0"/>
+              </a:rPr>
+              <a:t>2월 10일 -</a:t>
+            </a:r>
+            <a:r>
+              <a:rPr lang="ko-KR" sz="2000">
+                <a:latin typeface="맑은 고딕" charset="0"/>
+                <a:ea typeface="맑은 고딕" charset="0"/>
+              </a:rPr>
+              <a:t> 이벤트 함수 설명 및 함수 호출 시스템 이해</a:t>
+            </a:r>
+            <a:endParaRPr lang="ko-KR" altLang="en-US" sz="2000">
+              <a:latin typeface="맑은 고딕" charset="0"/>
+              <a:ea typeface="맑은 고딕" charset="0"/>
+            </a:endParaRPr>
+          </a:p>
+          <a:p>
+            <a:pPr marL="0" indent="0" algn="l" latinLnBrk="0" hangingPunct="1">
+              <a:buFontTx/>
+              <a:buNone/>
+            </a:pPr>
+            <a:r>
+              <a:rPr lang="ko-KR" sz="2000">
+                <a:latin typeface="맑은 고딕" charset="0"/>
+                <a:ea typeface="맑은 고딕" charset="0"/>
+              </a:rPr>
+              <a:t>   </a:t>
+            </a:r>
+            <a:r>
               <a:rPr lang="ko-KR" sz="1000">
                 <a:latin typeface="맑은 고딕" charset="0"/>
                 <a:ea typeface="맑은 고딕" charset="0"/>
               </a:rPr>
+              <a:t>● </a:t>
+            </a:r>
+            <a:r>
+              <a:rPr lang="ko-KR" sz="1500">
+                <a:latin typeface="맑은 고딕" charset="0"/>
+                <a:ea typeface="맑은 고딕" charset="0"/>
+              </a:rPr>
+              <a:t>Invoke 함수를 통해 함수 지연 호출 과정 설명 및 실습</a:t>
+            </a:r>
+            <a:endParaRPr lang="ko-KR" altLang="en-US" sz="1500">
+              <a:latin typeface="맑은 고딕" charset="0"/>
+              <a:ea typeface="맑은 고딕" charset="0"/>
+            </a:endParaRPr>
+          </a:p>
+          <a:p>
+            <a:pPr marL="0" indent="0" algn="l" latinLnBrk="0" hangingPunct="1">
+              <a:buFontTx/>
+              <a:buNone/>
+            </a:pPr>
+            <a:endParaRPr lang="ko-KR" altLang="en-US" sz="1000">
+              <a:latin typeface="맑은 고딕" charset="0"/>
+              <a:ea typeface="맑은 고딕" charset="0"/>
+            </a:endParaRPr>
+          </a:p>
+          <a:p>
+            <a:pPr marL="0" indent="0" algn="l" latinLnBrk="0" hangingPunct="1">
+              <a:buFontTx/>
+              <a:buNone/>
+            </a:pPr>
+            <a:r>
+              <a:rPr lang="ko-KR" sz="2000">
+                <a:latin typeface="맑은 고딕" charset="0"/>
+                <a:ea typeface="맑은 고딕" charset="0"/>
+              </a:rPr>
+              <a:t>   </a:t>
+            </a:r>
+            <a:r>
+              <a:rPr lang="ko-KR" sz="1000">
+                <a:latin typeface="맑은 고딕" charset="0"/>
+                <a:ea typeface="맑은 고딕" charset="0"/>
+              </a:rPr>
+              <a:t>● </a:t>
+            </a:r>
+            <a:r>
+              <a:rPr lang="ko-KR" sz="1500">
+                <a:latin typeface="맑은 고딕" charset="0"/>
+                <a:ea typeface="맑은 고딕" charset="0"/>
+              </a:rPr>
+              <a:t>각각의 이벤트 함수 이해 및 라이플 사이클 설명 </a:t>
+            </a:r>
+            <a:endParaRPr lang="ko-KR" altLang="en-US" sz="1500">
+              <a:latin typeface="맑은 고딕" charset="0"/>
+              <a:ea typeface="맑은 고딕" charset="0"/>
+            </a:endParaRPr>
+          </a:p>
+          <a:p>
+            <a:pPr marL="0" indent="0" algn="l" latinLnBrk="0" hangingPunct="1">
+              <a:buFontTx/>
+              <a:buNone/>
+            </a:pPr>
+            <a:endParaRPr lang="ko-KR" altLang="en-US" sz="1000">
+              <a:latin typeface="맑은 고딕" charset="0"/>
+              <a:ea typeface="맑은 고딕" charset="0"/>
+            </a:endParaRPr>
+          </a:p>
+          <a:p>
+            <a:pPr marL="0" indent="0" algn="l" latinLnBrk="0" hangingPunct="1">
+              <a:buFontTx/>
+              <a:buNone/>
+            </a:pPr>
+            <a:r>
+              <a:rPr lang="ko-KR" sz="1000">
+                <a:latin typeface="맑은 고딕" charset="0"/>
+                <a:ea typeface="맑은 고딕" charset="0"/>
+              </a:rPr>
               <a:t>      ● </a:t>
             </a:r>
             <a:r>
@@ -8422,7 +9329,7 @@
                 <a:latin typeface="맑은 고딕" charset="0"/>
                 <a:ea typeface="맑은 고딕" charset="0"/>
               </a:rPr>
-              <a:t>에셋 워크플로우와 에셋 스토어 설명 및 활용</a:t>
+              <a:t>키 입력으로 인한 이벤트 추가 및 이벤트 호출</a:t>
             </a:r>
             <a:endParaRPr lang="ko-KR" altLang="en-US" sz="1500">
               <a:latin typeface="맑은 고딕" charset="0"/>
@@ -8449,154 +9356,14 @@
                 <a:latin typeface="맑은 고딕" charset="0"/>
                 <a:ea typeface="맑은 고딕" charset="0"/>
               </a:rPr>
-              <a:t>2. 이벤트 함수 설명 및</a:t>
-            </a:r>
-            <a:r>
-              <a:rPr lang="ko-KR" sz="2000">
-                <a:latin typeface="맑은 고딕" charset="0"/>
-                <a:ea typeface="맑은 고딕" charset="0"/>
-              </a:rPr>
-              <a:t> 함수 호출 시스템 이해</a:t>
-            </a:r>
-            <a:endParaRPr lang="ko-KR" altLang="en-US" sz="2000">
-              <a:latin typeface="맑은 고딕" charset="0"/>
-              <a:ea typeface="맑은 고딕" charset="0"/>
-            </a:endParaRPr>
-          </a:p>
-          <a:p>
-            <a:pPr marL="0" indent="0" algn="l" latinLnBrk="0" hangingPunct="1">
-              <a:buFontTx/>
-              <a:buNone/>
-            </a:pPr>
-            <a:r>
-              <a:rPr lang="ko-KR" sz="2000">
-                <a:latin typeface="맑은 고딕" charset="0"/>
-                <a:ea typeface="맑은 고딕" charset="0"/>
-              </a:rPr>
-              <a:t>   </a:t>
-            </a:r>
-            <a:r>
-              <a:rPr lang="ko-KR" sz="1000">
-                <a:latin typeface="맑은 고딕" charset="0"/>
-                <a:ea typeface="맑은 고딕" charset="0"/>
-              </a:rPr>
-              <a:t>● </a:t>
-            </a:r>
-            <a:r>
-              <a:rPr lang="ko-KR" sz="1500">
-                <a:latin typeface="맑은 고딕" charset="0"/>
-                <a:ea typeface="맑은 고딕" charset="0"/>
-              </a:rPr>
-              <a:t>Invoke 함수를 통해 함수 지연 호출 과정 설명 및 실습</a:t>
-            </a:r>
-            <a:endParaRPr lang="ko-KR" altLang="en-US" sz="1500">
-              <a:latin typeface="맑은 고딕" charset="0"/>
-              <a:ea typeface="맑은 고딕" charset="0"/>
-            </a:endParaRPr>
-          </a:p>
-          <a:p>
-            <a:pPr marL="0" indent="0" algn="l" latinLnBrk="0" hangingPunct="1">
-              <a:buFontTx/>
-              <a:buNone/>
-            </a:pPr>
-            <a:endParaRPr lang="ko-KR" altLang="en-US" sz="1000">
-              <a:latin typeface="맑은 고딕" charset="0"/>
-              <a:ea typeface="맑은 고딕" charset="0"/>
-            </a:endParaRPr>
-          </a:p>
-          <a:p>
-            <a:pPr marL="0" indent="0" algn="l" latinLnBrk="0" hangingPunct="1">
-              <a:buFontTx/>
-              <a:buNone/>
-            </a:pPr>
-            <a:r>
-              <a:rPr lang="ko-KR" sz="2000">
-                <a:latin typeface="맑은 고딕" charset="0"/>
-                <a:ea typeface="맑은 고딕" charset="0"/>
-              </a:rPr>
-              <a:t>   </a:t>
-            </a:r>
-            <a:r>
-              <a:rPr lang="ko-KR" sz="1000">
-                <a:latin typeface="맑은 고딕" charset="0"/>
-                <a:ea typeface="맑은 고딕" charset="0"/>
-              </a:rPr>
-              <a:t>● </a:t>
-            </a:r>
-            <a:r>
-              <a:rPr lang="ko-KR" sz="1500">
-                <a:latin typeface="맑은 고딕" charset="0"/>
-                <a:ea typeface="맑은 고딕" charset="0"/>
-              </a:rPr>
-              <a:t>각각의 이벤트 함수 이해 및 라이플 사이클 설명 </a:t>
-            </a:r>
-            <a:endParaRPr lang="ko-KR" altLang="en-US" sz="1500">
-              <a:latin typeface="맑은 고딕" charset="0"/>
-              <a:ea typeface="맑은 고딕" charset="0"/>
-            </a:endParaRPr>
-          </a:p>
-          <a:p>
-            <a:pPr marL="0" indent="0" algn="l" latinLnBrk="0" hangingPunct="1">
-              <a:buFontTx/>
-              <a:buNone/>
-            </a:pPr>
-            <a:endParaRPr lang="ko-KR" altLang="en-US" sz="1000">
-              <a:latin typeface="맑은 고딕" charset="0"/>
-              <a:ea typeface="맑은 고딕" charset="0"/>
-            </a:endParaRPr>
-          </a:p>
-          <a:p>
-            <a:pPr marL="0" indent="0" algn="l" latinLnBrk="0" hangingPunct="1">
-              <a:buFontTx/>
-              <a:buNone/>
-            </a:pPr>
-            <a:r>
-              <a:rPr lang="ko-KR" sz="1000">
-                <a:latin typeface="맑은 고딕" charset="0"/>
-                <a:ea typeface="맑은 고딕" charset="0"/>
-              </a:rPr>
-              <a:t>      ● </a:t>
-            </a:r>
-            <a:r>
-              <a:rPr lang="ko-KR" sz="1500">
-                <a:latin typeface="맑은 고딕" charset="0"/>
-                <a:ea typeface="맑은 고딕" charset="0"/>
-              </a:rPr>
-              <a:t>키 입력으로 인한 이벤트 추가 및 이벤트 호출</a:t>
-            </a:r>
-            <a:endParaRPr lang="ko-KR" altLang="en-US" sz="1500">
-              <a:latin typeface="맑은 고딕" charset="0"/>
-              <a:ea typeface="맑은 고딕" charset="0"/>
-            </a:endParaRPr>
-          </a:p>
-          <a:p>
-            <a:pPr marL="0" indent="0" algn="l" latinLnBrk="0" hangingPunct="1">
-              <a:buFontTx/>
-              <a:buNone/>
-            </a:pPr>
-            <a:endParaRPr lang="ko-KR" altLang="en-US" sz="1000">
-              <a:latin typeface="맑은 고딕" charset="0"/>
-              <a:ea typeface="맑은 고딕" charset="0"/>
-            </a:endParaRPr>
-          </a:p>
-          <a:p>
-            <a:pPr marL="0" indent="0" algn="l" latinLnBrk="0" hangingPunct="1">
-              <a:buFontTx/>
-              <a:buNone/>
-            </a:pPr>
-            <a:r>
-              <a:rPr lang="ko-KR" sz="2000">
-                <a:latin typeface="맑은 고딕" charset="0"/>
-                <a:ea typeface="맑은 고딕" charset="0"/>
-              </a:rPr>
-              <a:t>3. </a:t>
-            </a:r>
-            <a:r>
-              <a:rPr lang="ko-KR" sz="2000">
-                <a:latin typeface="맑은 고딕" charset="0"/>
-                <a:ea typeface="맑은 고딕" charset="0"/>
-              </a:rPr>
-              <a:t>3차원 공간과 스크린 공간에 대한 차이 설명</a:t>
+              <a:t>2월 11일 -</a:t>
+            </a:r>
+            <a:r>
+              <a:rPr lang="ko-KR" sz="2000">
+                <a:latin typeface="맑은 고딕" charset="0"/>
+                <a:ea typeface="맑은 고딕" charset="0"/>
+              </a:rPr>
+              <a:t> 3차원 공간과 스크린 공간에 대한 차이 설명</a:t>
             </a:r>
             <a:r>
               <a:rPr lang="ko-KR" sz="2000">
@@ -8858,7 +9625,7 @@
         <p:spPr>
           <a:xfrm rot="0">
             <a:off x="1031240" y="1419225"/>
-            <a:ext cx="6370320" cy="5010785"/>
+            <a:ext cx="6531610" cy="5010785"/>
           </a:xfrm>
           <a:prstGeom prst="rect"/>
           <a:noFill/>
@@ -8899,14 +9666,14 @@
                 <a:latin typeface="맑은 고딕" charset="0"/>
                 <a:ea typeface="맑은 고딕" charset="0"/>
               </a:rPr>
-              <a:t>4. </a:t>
-            </a:r>
-            <a:r>
-              <a:rPr lang="ko-KR" sz="2000">
-                <a:latin typeface="맑은 고딕" charset="0"/>
-                <a:ea typeface="맑은 고딕" charset="0"/>
-              </a:rPr>
-              <a:t>사운드 시스템 및 디자인 패턴을 사용 방법</a:t>
+              <a:t>2월 14일 -</a:t>
+            </a:r>
+            <a:r>
+              <a:rPr lang="ko-KR" sz="2000">
+                <a:latin typeface="맑은 고딕" charset="0"/>
+                <a:ea typeface="맑은 고딕" charset="0"/>
+              </a:rPr>
+              <a:t> 사운드 시스템 및 디자인 패턴을 사용 방법</a:t>
             </a:r>
             <a:endParaRPr lang="ko-KR" altLang="en-US" sz="2000">
               <a:latin typeface="맑은 고딕" charset="0"/>
@@ -8937,14 +9704,41 @@
                 <a:latin typeface="맑은 고딕" charset="0"/>
                 <a:ea typeface="맑은 고딕" charset="0"/>
               </a:rPr>
-              <a:t> </a:t>
+              <a:t> 3D 사운드 설정 및 사운드 ON/OFF 시스템 설계</a:t>
+            </a:r>
+            <a:endParaRPr lang="ko-KR" altLang="en-US" sz="1500">
+              <a:latin typeface="맑은 고딕" charset="0"/>
+              <a:ea typeface="맑은 고딕" charset="0"/>
+            </a:endParaRPr>
+          </a:p>
+          <a:p>
+            <a:pPr marL="0" indent="0" algn="l" latinLnBrk="0" hangingPunct="1">
+              <a:buFontTx/>
+              <a:buNone/>
+            </a:pPr>
+            <a:endParaRPr lang="ko-KR" altLang="en-US" sz="1000">
+              <a:latin typeface="맑은 고딕" charset="0"/>
+              <a:ea typeface="맑은 고딕" charset="0"/>
+            </a:endParaRPr>
+          </a:p>
+          <a:p>
+            <a:pPr marL="0" indent="0" algn="l" latinLnBrk="0" hangingPunct="1">
+              <a:buFontTx/>
+              <a:buNone/>
+            </a:pPr>
+            <a:r>
+              <a:rPr lang="ko-KR" sz="1000">
+                <a:latin typeface="맑은 고딕" charset="0"/>
+                <a:ea typeface="맑은 고딕" charset="0"/>
+              </a:rPr>
+              <a:t>      ● </a:t>
             </a:r>
             <a:r>
               <a:rPr lang="ko-KR" sz="1500">
                 <a:latin typeface="맑은 고딕" charset="0"/>
                 <a:ea typeface="맑은 고딕" charset="0"/>
               </a:rPr>
-              <a:t>3D 사운드 설정 및 사운드 ON/OFF 시스템 설계</a:t>
+              <a:t>물리 연산을 이용한 충돌 및 물리 연산을 하지 않는 충돌 방법 설명</a:t>
             </a:r>
             <a:endParaRPr lang="ko-KR" altLang="en-US" sz="1500">
               <a:latin typeface="맑은 고딕" charset="0"/>
@@ -8978,7 +9772,7 @@
                 <a:latin typeface="맑은 고딕" charset="0"/>
                 <a:ea typeface="맑은 고딕" charset="0"/>
               </a:rPr>
-              <a:t>물리 연산을 이용한 충돌 및 물리 연산을 하지 않는 충돌 방법 설명</a:t>
+              <a:t>싱글톤을 활용하여 다른 씬에서도 데이터 공유 및 접근</a:t>
             </a:r>
             <a:endParaRPr lang="ko-KR" altLang="en-US" sz="1500">
               <a:latin typeface="맑은 고딕" charset="0"/>
@@ -9001,10 +9795,116 @@
               <a:buNone/>
             </a:pPr>
             <a:r>
+              <a:rPr lang="ko-KR" sz="2000">
+                <a:latin typeface="맑은 고딕" charset="0"/>
+                <a:ea typeface="맑은 고딕" charset="0"/>
+              </a:rPr>
+              <a:t>2월 17일 -</a:t>
+            </a:r>
+            <a:r>
+              <a:rPr lang="ko-KR" sz="2000">
+                <a:latin typeface="맑은 고딕" charset="0"/>
+                <a:ea typeface="맑은 고딕" charset="0"/>
+              </a:rPr>
+              <a:t> 계층 구조에 대한 이해 및 프리팹 사용 방법</a:t>
+            </a:r>
+            <a:endParaRPr lang="ko-KR" altLang="en-US" sz="2000">
+              <a:latin typeface="맑은 고딕" charset="0"/>
+              <a:ea typeface="맑은 고딕" charset="0"/>
+            </a:endParaRPr>
+          </a:p>
+          <a:p>
+            <a:pPr marL="0" indent="0" algn="l" latinLnBrk="0" hangingPunct="1">
+              <a:buFontTx/>
+              <a:buNone/>
+            </a:pPr>
+            <a:r>
+              <a:rPr lang="ko-KR" sz="2000">
+                <a:latin typeface="맑은 고딕" charset="0"/>
+                <a:ea typeface="맑은 고딕" charset="0"/>
+              </a:rPr>
+              <a:t>   </a:t>
+            </a:r>
+            <a:r>
               <a:rPr lang="ko-KR" sz="1000">
                 <a:latin typeface="맑은 고딕" charset="0"/>
                 <a:ea typeface="맑은 고딕" charset="0"/>
               </a:rPr>
+              <a:t>● </a:t>
+            </a:r>
+            <a:r>
+              <a:rPr lang="ko-KR" sz="1500">
+                <a:latin typeface="맑은 고딕" charset="0"/>
+                <a:ea typeface="맑은 고딕" charset="0"/>
+              </a:rPr>
+              <a:t>게임 오브젝트 생성 및 게임 오브젝트 삭제 </a:t>
+            </a:r>
+            <a:endParaRPr lang="ko-KR" altLang="en-US" sz="1500">
+              <a:latin typeface="맑은 고딕" charset="0"/>
+              <a:ea typeface="맑은 고딕" charset="0"/>
+            </a:endParaRPr>
+          </a:p>
+          <a:p>
+            <a:pPr marL="0" indent="0" algn="l" latinLnBrk="0" hangingPunct="1">
+              <a:buFontTx/>
+              <a:buNone/>
+            </a:pPr>
+            <a:endParaRPr lang="ko-KR" altLang="en-US" sz="1000">
+              <a:latin typeface="맑은 고딕" charset="0"/>
+              <a:ea typeface="맑은 고딕" charset="0"/>
+            </a:endParaRPr>
+          </a:p>
+          <a:p>
+            <a:pPr marL="0" indent="0" algn="l" latinLnBrk="0" hangingPunct="1">
+              <a:buFontTx/>
+              <a:buNone/>
+            </a:pPr>
+            <a:r>
+              <a:rPr lang="ko-KR" sz="2000">
+                <a:latin typeface="맑은 고딕" charset="0"/>
+                <a:ea typeface="맑은 고딕" charset="0"/>
+              </a:rPr>
+              <a:t>   </a:t>
+            </a:r>
+            <a:r>
+              <a:rPr lang="ko-KR" sz="1000">
+                <a:latin typeface="맑은 고딕" charset="0"/>
+                <a:ea typeface="맑은 고딕" charset="0"/>
+              </a:rPr>
+              <a:t>● </a:t>
+            </a:r>
+            <a:r>
+              <a:rPr lang="ko-KR" sz="1500">
+                <a:latin typeface="맑은 고딕" charset="0"/>
+                <a:ea typeface="맑은 고딕" charset="0"/>
+              </a:rPr>
+              <a:t>하나의 오브젝트를 재사용할 수 있는 프리팹 인스턴스화</a:t>
+            </a:r>
+            <a:endParaRPr lang="ko-KR" altLang="en-US" sz="1500">
+              <a:latin typeface="맑은 고딕" charset="0"/>
+              <a:ea typeface="맑은 고딕" charset="0"/>
+            </a:endParaRPr>
+          </a:p>
+          <a:p>
+            <a:pPr marL="0" indent="0" algn="l" latinLnBrk="0" hangingPunct="1">
+              <a:buFontTx/>
+              <a:buNone/>
+            </a:pPr>
+            <a:endParaRPr lang="ko-KR" altLang="en-US" sz="1500">
+              <a:latin typeface="맑은 고딕" charset="0"/>
+              <a:ea typeface="맑은 고딕" charset="0"/>
+            </a:endParaRPr>
+          </a:p>
+          <a:p>
+            <a:pPr marL="0" indent="0" algn="l" latinLnBrk="0" hangingPunct="1">
+              <a:buFontTx/>
+              <a:buNone/>
+            </a:pPr>
+            <a:r>
+              <a:rPr lang="ko-KR" sz="1000">
+                <a:latin typeface="맑은 고딕" charset="0"/>
+                <a:ea typeface="맑은 고딕" charset="0"/>
+              </a:rPr>
               <a:t>      ● </a:t>
             </a:r>
             <a:r>
@@ -9012,7 +9912,7 @@
                 <a:latin typeface="맑은 고딕" charset="0"/>
                 <a:ea typeface="맑은 고딕" charset="0"/>
               </a:rPr>
-              <a:t>싱글톤을 활용하여 다른 씬에서도 데이터 공유 및 접근</a:t>
+              <a:t>프리팹 인스턴스 언팩킹과 폴더에 있는 프리팹 불러오기</a:t>
             </a:r>
             <a:endParaRPr lang="ko-KR" altLang="en-US" sz="1500">
               <a:latin typeface="맑은 고딕" charset="0"/>
@@ -9039,161 +9939,14 @@
                 <a:latin typeface="맑은 고딕" charset="0"/>
                 <a:ea typeface="맑은 고딕" charset="0"/>
               </a:rPr>
-              <a:t>5. 계층 구조에 대한 이해 및 프리팹 사용</a:t>
-            </a:r>
-            <a:r>
-              <a:rPr lang="ko-KR" sz="2000">
-                <a:latin typeface="맑은 고딕" charset="0"/>
-                <a:ea typeface="맑은 고딕" charset="0"/>
-              </a:rPr>
-              <a:t> 방</a:t>
-            </a:r>
-            <a:r>
-              <a:rPr lang="ko-KR" sz="2000">
-                <a:latin typeface="맑은 고딕" charset="0"/>
-                <a:ea typeface="맑은 고딕" charset="0"/>
-              </a:rPr>
-              <a:t>법</a:t>
-            </a:r>
-            <a:endParaRPr lang="ko-KR" altLang="en-US" sz="2000">
-              <a:latin typeface="맑은 고딕" charset="0"/>
-              <a:ea typeface="맑은 고딕" charset="0"/>
-            </a:endParaRPr>
-          </a:p>
-          <a:p>
-            <a:pPr marL="0" indent="0" algn="l" latinLnBrk="0" hangingPunct="1">
-              <a:buFontTx/>
-              <a:buNone/>
-            </a:pPr>
-            <a:r>
-              <a:rPr lang="ko-KR" sz="2000">
-                <a:latin typeface="맑은 고딕" charset="0"/>
-                <a:ea typeface="맑은 고딕" charset="0"/>
-              </a:rPr>
-              <a:t>   </a:t>
-            </a:r>
-            <a:r>
-              <a:rPr lang="ko-KR" sz="1000">
-                <a:latin typeface="맑은 고딕" charset="0"/>
-                <a:ea typeface="맑은 고딕" charset="0"/>
-              </a:rPr>
-              <a:t>● </a:t>
-            </a:r>
-            <a:r>
-              <a:rPr lang="ko-KR" sz="1500">
-                <a:latin typeface="맑은 고딕" charset="0"/>
-                <a:ea typeface="맑은 고딕" charset="0"/>
-              </a:rPr>
-              <a:t>게임 오브젝트 생성 및 게임 오브젝트 삭제 </a:t>
-            </a:r>
-            <a:endParaRPr lang="ko-KR" altLang="en-US" sz="1500">
-              <a:latin typeface="맑은 고딕" charset="0"/>
-              <a:ea typeface="맑은 고딕" charset="0"/>
-            </a:endParaRPr>
-          </a:p>
-          <a:p>
-            <a:pPr marL="0" indent="0" algn="l" latinLnBrk="0" hangingPunct="1">
-              <a:buFontTx/>
-              <a:buNone/>
-            </a:pPr>
-            <a:endParaRPr lang="ko-KR" altLang="en-US" sz="1000">
-              <a:latin typeface="맑은 고딕" charset="0"/>
-              <a:ea typeface="맑은 고딕" charset="0"/>
-            </a:endParaRPr>
-          </a:p>
-          <a:p>
-            <a:pPr marL="0" indent="0" algn="l" latinLnBrk="0" hangingPunct="1">
-              <a:buFontTx/>
-              <a:buNone/>
-            </a:pPr>
-            <a:r>
-              <a:rPr lang="ko-KR" sz="2000">
-                <a:latin typeface="맑은 고딕" charset="0"/>
-                <a:ea typeface="맑은 고딕" charset="0"/>
-              </a:rPr>
-              <a:t>   </a:t>
-            </a:r>
-            <a:r>
-              <a:rPr lang="ko-KR" sz="1000">
-                <a:latin typeface="맑은 고딕" charset="0"/>
-                <a:ea typeface="맑은 고딕" charset="0"/>
-              </a:rPr>
-              <a:t>● </a:t>
-            </a:r>
-            <a:r>
-              <a:rPr lang="ko-KR" sz="1500">
-                <a:latin typeface="맑은 고딕" charset="0"/>
-                <a:ea typeface="맑은 고딕" charset="0"/>
-              </a:rPr>
-              <a:t>하나의 오브젝트를 재사용할 수 있는 프리팹 인스턴스화</a:t>
-            </a:r>
-            <a:endParaRPr lang="ko-KR" altLang="en-US" sz="1500">
-              <a:latin typeface="맑은 고딕" charset="0"/>
-              <a:ea typeface="맑은 고딕" charset="0"/>
-            </a:endParaRPr>
-          </a:p>
-          <a:p>
-            <a:pPr marL="0" indent="0" algn="l" latinLnBrk="0" hangingPunct="1">
-              <a:buFontTx/>
-              <a:buNone/>
-            </a:pPr>
-            <a:endParaRPr lang="ko-KR" altLang="en-US" sz="1500">
-              <a:latin typeface="맑은 고딕" charset="0"/>
-              <a:ea typeface="맑은 고딕" charset="0"/>
-            </a:endParaRPr>
-          </a:p>
-          <a:p>
-            <a:pPr marL="0" indent="0" algn="l" latinLnBrk="0" hangingPunct="1">
-              <a:buFontTx/>
-              <a:buNone/>
-            </a:pPr>
-            <a:r>
-              <a:rPr lang="ko-KR" sz="1000">
-                <a:latin typeface="맑은 고딕" charset="0"/>
-                <a:ea typeface="맑은 고딕" charset="0"/>
-              </a:rPr>
-              <a:t>      ● </a:t>
-            </a:r>
-            <a:r>
-              <a:rPr lang="ko-KR" sz="1500">
-                <a:latin typeface="맑은 고딕" charset="0"/>
-                <a:ea typeface="맑은 고딕" charset="0"/>
-              </a:rPr>
-              <a:t>프리팹 인스턴스 언팩킹과 폴더에 있는 프리팹 불러오기</a:t>
-            </a:r>
-            <a:endParaRPr lang="ko-KR" altLang="en-US" sz="1500">
-              <a:latin typeface="맑은 고딕" charset="0"/>
-              <a:ea typeface="맑은 고딕" charset="0"/>
-            </a:endParaRPr>
-          </a:p>
-          <a:p>
-            <a:pPr marL="0" indent="0" algn="l" latinLnBrk="0" hangingPunct="1">
-              <a:buFontTx/>
-              <a:buNone/>
-            </a:pPr>
-            <a:endParaRPr lang="ko-KR" altLang="en-US" sz="1000">
-              <a:latin typeface="맑은 고딕" charset="0"/>
-              <a:ea typeface="맑은 고딕" charset="0"/>
-            </a:endParaRPr>
-          </a:p>
-          <a:p>
-            <a:pPr marL="0" indent="0" algn="l" latinLnBrk="0" hangingPunct="1">
-              <a:buFontTx/>
-              <a:buNone/>
-            </a:pPr>
-            <a:r>
-              <a:rPr lang="ko-KR" sz="2000">
-                <a:latin typeface="맑은 고딕" charset="0"/>
-                <a:ea typeface="맑은 고딕" charset="0"/>
-              </a:rPr>
-              <a:t>6. </a:t>
-            </a:r>
-            <a:r>
-              <a:rPr lang="ko-KR" sz="2000">
-                <a:latin typeface="맑은 고딕" charset="0"/>
-                <a:ea typeface="맑은 고딕" charset="0"/>
-              </a:rPr>
-              <a:t>메모리 관리 및 유니티 회전 체계 설명</a:t>
+              <a:t>2월 18일 -</a:t>
+            </a:r>
+            <a:r>
+              <a:rPr lang="ko-KR" sz="2000">
+                <a:latin typeface="맑은 고딕" charset="0"/>
+                <a:ea typeface="맑은 고딕" charset="0"/>
+              </a:rPr>
+              <a:t> 메모리 관리 및 유니티 회전 체계 설명</a:t>
             </a:r>
             <a:r>
               <a:rPr lang="ko-KR" sz="2000">
@@ -9441,7 +10194,7 @@
         <p:spPr>
           <a:xfrm rot="0">
             <a:off x="1031240" y="1642110"/>
-            <a:ext cx="7608570" cy="4933950"/>
+            <a:ext cx="8352790" cy="4933950"/>
           </a:xfrm>
           <a:prstGeom prst="rect"/>
           <a:noFill/>
@@ -9482,14 +10235,14 @@
                 <a:latin typeface="맑은 고딕" charset="0"/>
                 <a:ea typeface="맑은 고딕" charset="0"/>
               </a:rPr>
-              <a:t>7. </a:t>
-            </a:r>
-            <a:r>
-              <a:rPr lang="ko-KR" sz="2000">
-                <a:latin typeface="맑은 고딕" charset="0"/>
-                <a:ea typeface="맑은 고딕" charset="0"/>
-              </a:rPr>
-              <a:t>레이캐스트로 충돌한 물체 정보 및 판정 시스템에 대한 실습</a:t>
+              <a:t>2월 21일 -</a:t>
+            </a:r>
+            <a:r>
+              <a:rPr lang="ko-KR" sz="2000">
+                <a:latin typeface="맑은 고딕" charset="0"/>
+                <a:ea typeface="맑은 고딕" charset="0"/>
+              </a:rPr>
+              <a:t> 레이캐스트로 충돌한 물체 정보 및 판정 시스템에 대한 실습</a:t>
             </a:r>
             <a:endParaRPr lang="ko-KR" altLang="en-US" sz="2000">
               <a:latin typeface="맑은 고딕" charset="0"/>
@@ -9520,14 +10273,41 @@
                 <a:latin typeface="맑은 고딕" charset="0"/>
                 <a:ea typeface="맑은 고딕" charset="0"/>
               </a:rPr>
-              <a:t>유니티 내부에 데이터</a:t>
+              <a:t>유니티 내부에 데이터 저장 및 관리</a:t>
+            </a:r>
+            <a:endParaRPr lang="ko-KR" altLang="en-US" sz="1500">
+              <a:latin typeface="맑은 고딕" charset="0"/>
+              <a:ea typeface="맑은 고딕" charset="0"/>
+            </a:endParaRPr>
+          </a:p>
+          <a:p>
+            <a:pPr marL="0" indent="0" algn="l" latinLnBrk="0" hangingPunct="1">
+              <a:buFontTx/>
+              <a:buNone/>
+            </a:pPr>
+            <a:endParaRPr lang="ko-KR" altLang="en-US" sz="1000">
+              <a:latin typeface="맑은 고딕" charset="0"/>
+              <a:ea typeface="맑은 고딕" charset="0"/>
+            </a:endParaRPr>
+          </a:p>
+          <a:p>
+            <a:pPr marL="0" indent="0" algn="l" latinLnBrk="0" hangingPunct="1">
+              <a:buFontTx/>
+              <a:buNone/>
+            </a:pPr>
+            <a:r>
+              <a:rPr lang="ko-KR" sz="1000">
+                <a:latin typeface="맑은 고딕" charset="0"/>
+                <a:ea typeface="맑은 고딕" charset="0"/>
+              </a:rPr>
+              <a:t>      ● </a:t>
             </a:r>
             <a:r>
               <a:rPr lang="ko-KR" sz="1500">
                 <a:latin typeface="맑은 고딕" charset="0"/>
                 <a:ea typeface="맑은 고딕" charset="0"/>
               </a:rPr>
-              <a:t> 저장 및 관리</a:t>
+              <a:t>3D 마우스 입력 및 레이캐스트 설명 및 실습</a:t>
             </a:r>
             <a:endParaRPr lang="ko-KR" altLang="en-US" sz="1500">
               <a:latin typeface="맑은 고딕" charset="0"/>
@@ -9561,7 +10341,7 @@
                 <a:latin typeface="맑은 고딕" charset="0"/>
                 <a:ea typeface="맑은 고딕" charset="0"/>
               </a:rPr>
-              <a:t>3D 마우스 입력 및 레이캐스트 설명 및 실습</a:t>
+              <a:t>선형 보간으로 인한 게임 오브젝트 이동 구현</a:t>
             </a:r>
             <a:endParaRPr lang="ko-KR" altLang="en-US" sz="1500">
               <a:latin typeface="맑은 고딕" charset="0"/>
@@ -9584,10 +10364,116 @@
               <a:buNone/>
             </a:pPr>
             <a:r>
+              <a:rPr lang="ko-KR" sz="2000">
+                <a:latin typeface="맑은 고딕" charset="0"/>
+                <a:ea typeface="맑은 고딕" charset="0"/>
+              </a:rPr>
+              <a:t>2월 23일 -</a:t>
+            </a:r>
+            <a:r>
+              <a:rPr lang="ko-KR" sz="2000">
+                <a:latin typeface="맑은 고딕" charset="0"/>
+                <a:ea typeface="맑은 고딕" charset="0"/>
+              </a:rPr>
+              <a:t> 카메라 시점 변환 및 코루틴 동작 원리 설명</a:t>
+            </a:r>
+            <a:endParaRPr lang="ko-KR" altLang="en-US" sz="2000">
+              <a:latin typeface="맑은 고딕" charset="0"/>
+              <a:ea typeface="맑은 고딕" charset="0"/>
+            </a:endParaRPr>
+          </a:p>
+          <a:p>
+            <a:pPr marL="0" indent="0" algn="l" latinLnBrk="0" hangingPunct="1">
+              <a:buFontTx/>
+              <a:buNone/>
+            </a:pPr>
+            <a:r>
+              <a:rPr lang="ko-KR" sz="2000">
+                <a:latin typeface="맑은 고딕" charset="0"/>
+                <a:ea typeface="맑은 고딕" charset="0"/>
+              </a:rPr>
+              <a:t>   </a:t>
+            </a:r>
+            <a:r>
               <a:rPr lang="ko-KR" sz="1000">
                 <a:latin typeface="맑은 고딕" charset="0"/>
                 <a:ea typeface="맑은 고딕" charset="0"/>
               </a:rPr>
+              <a:t>●</a:t>
+            </a:r>
+            <a:r>
+              <a:rPr lang="ko-KR" sz="1500">
+                <a:latin typeface="맑은 고딕" charset="0"/>
+                <a:ea typeface="맑은 고딕" charset="0"/>
+              </a:rPr>
+              <a:t> 3 인칭 시점으로 카메라 각도 구현 및 카메라 이동 </a:t>
+            </a:r>
+            <a:endParaRPr lang="ko-KR" altLang="en-US" sz="1500">
+              <a:latin typeface="맑은 고딕" charset="0"/>
+              <a:ea typeface="맑은 고딕" charset="0"/>
+            </a:endParaRPr>
+          </a:p>
+          <a:p>
+            <a:pPr marL="0" indent="0" algn="l" latinLnBrk="0" hangingPunct="1">
+              <a:buFontTx/>
+              <a:buNone/>
+            </a:pPr>
+            <a:endParaRPr lang="ko-KR" altLang="en-US" sz="1000">
+              <a:latin typeface="맑은 고딕" charset="0"/>
+              <a:ea typeface="맑은 고딕" charset="0"/>
+            </a:endParaRPr>
+          </a:p>
+          <a:p>
+            <a:pPr marL="0" indent="0" algn="l" latinLnBrk="0" hangingPunct="1">
+              <a:buFontTx/>
+              <a:buNone/>
+            </a:pPr>
+            <a:r>
+              <a:rPr lang="ko-KR" sz="2000">
+                <a:latin typeface="맑은 고딕" charset="0"/>
+                <a:ea typeface="맑은 고딕" charset="0"/>
+              </a:rPr>
+              <a:t>   </a:t>
+            </a:r>
+            <a:r>
+              <a:rPr lang="ko-KR" sz="1000">
+                <a:latin typeface="맑은 고딕" charset="0"/>
+                <a:ea typeface="맑은 고딕" charset="0"/>
+              </a:rPr>
+              <a:t>● </a:t>
+            </a:r>
+            <a:r>
+              <a:rPr lang="ko-KR" sz="1500">
+                <a:latin typeface="맑은 고딕" charset="0"/>
+                <a:ea typeface="맑은 고딕" charset="0"/>
+              </a:rPr>
+              <a:t>코루틴 사용 방법 및 설명</a:t>
+            </a:r>
+            <a:endParaRPr lang="ko-KR" altLang="en-US" sz="1500">
+              <a:latin typeface="맑은 고딕" charset="0"/>
+              <a:ea typeface="맑은 고딕" charset="0"/>
+            </a:endParaRPr>
+          </a:p>
+          <a:p>
+            <a:pPr marL="0" indent="0" algn="l" latinLnBrk="0" hangingPunct="1">
+              <a:buFontTx/>
+              <a:buNone/>
+            </a:pPr>
+            <a:endParaRPr lang="ko-KR" altLang="en-US" sz="1000">
+              <a:latin typeface="맑은 고딕" charset="0"/>
+              <a:ea typeface="맑은 고딕" charset="0"/>
+            </a:endParaRPr>
+          </a:p>
+          <a:p>
+            <a:pPr marL="0" indent="0" algn="l" latinLnBrk="0" hangingPunct="1">
+              <a:buFontTx/>
+              <a:buNone/>
+            </a:pPr>
+            <a:r>
+              <a:rPr lang="ko-KR" sz="1000">
+                <a:latin typeface="맑은 고딕" charset="0"/>
+                <a:ea typeface="맑은 고딕" charset="0"/>
+              </a:rPr>
               <a:t>      ● </a:t>
             </a:r>
             <a:r>
@@ -9595,7 +10481,7 @@
                 <a:latin typeface="맑은 고딕" charset="0"/>
                 <a:ea typeface="맑은 고딕" charset="0"/>
               </a:rPr>
-              <a:t>선형 보간으로 인한 게임 오브젝트 이동 구현</a:t>
+              <a:t>구면 선형 보간으로 인한 게임 오브젝트 이동 구현</a:t>
             </a:r>
             <a:endParaRPr lang="ko-KR" altLang="en-US" sz="1500">
               <a:latin typeface="맑은 고딕" charset="0"/>
@@ -9622,161 +10508,14 @@
                 <a:latin typeface="맑은 고딕" charset="0"/>
                 <a:ea typeface="맑은 고딕" charset="0"/>
               </a:rPr>
-              <a:t>8. </a:t>
-            </a:r>
-            <a:r>
-              <a:rPr lang="ko-KR" sz="2000">
-                <a:latin typeface="맑은 고딕" charset="0"/>
-                <a:ea typeface="맑은 고딕" charset="0"/>
-              </a:rPr>
-              <a:t>카메라 시점 변환 및 코루틴 동작 원리 설명</a:t>
-            </a:r>
-            <a:endParaRPr lang="ko-KR" altLang="en-US" sz="2000">
-              <a:latin typeface="맑은 고딕" charset="0"/>
-              <a:ea typeface="맑은 고딕" charset="0"/>
-            </a:endParaRPr>
-          </a:p>
-          <a:p>
-            <a:pPr marL="0" indent="0" algn="l" latinLnBrk="0" hangingPunct="1">
-              <a:buFontTx/>
-              <a:buNone/>
-            </a:pPr>
-            <a:r>
-              <a:rPr lang="ko-KR" sz="2000">
-                <a:latin typeface="맑은 고딕" charset="0"/>
-                <a:ea typeface="맑은 고딕" charset="0"/>
-              </a:rPr>
-              <a:t>   </a:t>
-            </a:r>
-            <a:r>
-              <a:rPr lang="ko-KR" sz="1000">
-                <a:latin typeface="맑은 고딕" charset="0"/>
-                <a:ea typeface="맑은 고딕" charset="0"/>
-              </a:rPr>
-              <a:t>●</a:t>
-            </a:r>
-            <a:r>
-              <a:rPr lang="ko-KR" sz="1500">
-                <a:latin typeface="맑은 고딕" charset="0"/>
-                <a:ea typeface="맑은 고딕" charset="0"/>
-              </a:rPr>
-              <a:t> </a:t>
-            </a:r>
-            <a:r>
-              <a:rPr lang="ko-KR" sz="1500">
-                <a:latin typeface="맑은 고딕" charset="0"/>
-                <a:ea typeface="맑은 고딕" charset="0"/>
-              </a:rPr>
-              <a:t>3 인칭 시점으로 카메라 각도 구현 및 카메라 이동 </a:t>
-            </a:r>
-            <a:endParaRPr lang="ko-KR" altLang="en-US" sz="1500">
-              <a:latin typeface="맑은 고딕" charset="0"/>
-              <a:ea typeface="맑은 고딕" charset="0"/>
-            </a:endParaRPr>
-          </a:p>
-          <a:p>
-            <a:pPr marL="0" indent="0" algn="l" latinLnBrk="0" hangingPunct="1">
-              <a:buFontTx/>
-              <a:buNone/>
-            </a:pPr>
-            <a:endParaRPr lang="ko-KR" altLang="en-US" sz="1000">
-              <a:latin typeface="맑은 고딕" charset="0"/>
-              <a:ea typeface="맑은 고딕" charset="0"/>
-            </a:endParaRPr>
-          </a:p>
-          <a:p>
-            <a:pPr marL="0" indent="0" algn="l" latinLnBrk="0" hangingPunct="1">
-              <a:buFontTx/>
-              <a:buNone/>
-            </a:pPr>
-            <a:r>
-              <a:rPr lang="ko-KR" sz="2000">
-                <a:latin typeface="맑은 고딕" charset="0"/>
-                <a:ea typeface="맑은 고딕" charset="0"/>
-              </a:rPr>
-              <a:t>   </a:t>
-            </a:r>
-            <a:r>
-              <a:rPr lang="ko-KR" sz="1000">
-                <a:latin typeface="맑은 고딕" charset="0"/>
-                <a:ea typeface="맑은 고딕" charset="0"/>
-              </a:rPr>
-              <a:t>● </a:t>
-            </a:r>
-            <a:r>
-              <a:rPr lang="ko-KR" sz="1500">
-                <a:latin typeface="맑은 고딕" charset="0"/>
-                <a:ea typeface="맑은 고딕" charset="0"/>
-              </a:rPr>
-              <a:t>코루틴 사용 방법 및 설명</a:t>
-            </a:r>
-            <a:endParaRPr lang="ko-KR" altLang="en-US" sz="1500">
-              <a:latin typeface="맑은 고딕" charset="0"/>
-              <a:ea typeface="맑은 고딕" charset="0"/>
-            </a:endParaRPr>
-          </a:p>
-          <a:p>
-            <a:pPr marL="0" indent="0" algn="l" latinLnBrk="0" hangingPunct="1">
-              <a:buFontTx/>
-              <a:buNone/>
-            </a:pPr>
-            <a:endParaRPr lang="ko-KR" altLang="en-US" sz="1000">
-              <a:latin typeface="맑은 고딕" charset="0"/>
-              <a:ea typeface="맑은 고딕" charset="0"/>
-            </a:endParaRPr>
-          </a:p>
-          <a:p>
-            <a:pPr marL="0" indent="0" algn="l" latinLnBrk="0" hangingPunct="1">
-              <a:buFontTx/>
-              <a:buNone/>
-            </a:pPr>
-            <a:r>
-              <a:rPr lang="ko-KR" sz="1000">
-                <a:latin typeface="맑은 고딕" charset="0"/>
-                <a:ea typeface="맑은 고딕" charset="0"/>
-              </a:rPr>
-              <a:t>      ● </a:t>
-            </a:r>
-            <a:r>
-              <a:rPr lang="ko-KR" sz="1500">
-                <a:latin typeface="맑은 고딕" charset="0"/>
-                <a:ea typeface="맑은 고딕" charset="0"/>
-              </a:rPr>
-              <a:t>구면 선형 보간으로 인한 게임 오브젝트 이동 구현</a:t>
-            </a:r>
-            <a:endParaRPr lang="ko-KR" altLang="en-US" sz="1500">
-              <a:latin typeface="맑은 고딕" charset="0"/>
-              <a:ea typeface="맑은 고딕" charset="0"/>
-            </a:endParaRPr>
-          </a:p>
-          <a:p>
-            <a:pPr marL="0" indent="0" algn="l" latinLnBrk="0" hangingPunct="1">
-              <a:buFontTx/>
-              <a:buNone/>
-            </a:pPr>
-            <a:endParaRPr lang="ko-KR" altLang="en-US" sz="1000">
-              <a:latin typeface="맑은 고딕" charset="0"/>
-              <a:ea typeface="맑은 고딕" charset="0"/>
-            </a:endParaRPr>
-          </a:p>
-          <a:p>
-            <a:pPr marL="0" indent="0" algn="l" latinLnBrk="0" hangingPunct="1">
-              <a:buFontTx/>
-              <a:buNone/>
-            </a:pPr>
-            <a:r>
-              <a:rPr lang="ko-KR" sz="2000">
-                <a:latin typeface="맑은 고딕" charset="0"/>
-                <a:ea typeface="맑은 고딕" charset="0"/>
-              </a:rPr>
-              <a:t>9. </a:t>
-            </a:r>
-            <a:r>
-              <a:rPr lang="ko-KR" sz="2000">
-                <a:latin typeface="맑은 고딕" charset="0"/>
-                <a:ea typeface="맑은 고딕" charset="0"/>
-              </a:rPr>
-              <a:t>콜라이더를 검출하여 게임 오브젝트 감지 실습 </a:t>
+              <a:t>2월 25일 -</a:t>
+            </a:r>
+            <a:r>
+              <a:rPr lang="ko-KR" sz="2000">
+                <a:latin typeface="맑은 고딕" charset="0"/>
+                <a:ea typeface="맑은 고딕" charset="0"/>
+              </a:rPr>
+              <a:t> 콜라이더를 검출하여 게임 오브젝트 감지 실습 </a:t>
             </a:r>
             <a:r>
               <a:rPr lang="ko-KR" sz="2000">
@@ -10022,9 +10761,9 @@
           <p:nvPr/>
         </p:nvSpPr>
         <p:spPr>
-          <a:xfrm rot="0">
+          <a:xfrm>
             <a:off x="1031240" y="1642110"/>
-            <a:ext cx="6789420" cy="4933950"/>
+            <a:ext cx="6790055" cy="4933950"/>
           </a:xfrm>
           <a:prstGeom prst="rect"/>
           <a:noFill/>
@@ -10065,7 +10804,7 @@
                 <a:latin typeface="맑은 고딕" charset="0"/>
                 <a:ea typeface="맑은 고딕" charset="0"/>
               </a:rPr>
-              <a:t>10.</a:t>
+              <a:t>3월 2일 -</a:t>
             </a:r>
             <a:r>
               <a:rPr lang="ko-KR" sz="2000">
@@ -10198,14 +10937,14 @@
                 <a:latin typeface="맑은 고딕" charset="0"/>
                 <a:ea typeface="맑은 고딕" charset="0"/>
               </a:rPr>
-              <a:t>11. </a:t>
-            </a:r>
-            <a:r>
-              <a:rPr lang="ko-KR" sz="2000">
-                <a:latin typeface="맑은 고딕" charset="0"/>
-                <a:ea typeface="맑은 고딕" charset="0"/>
-              </a:rPr>
-              <a:t>프로젝트 (part.2)</a:t>
+              <a:t>3월 4일 -</a:t>
+            </a:r>
+            <a:r>
+              <a:rPr lang="ko-KR" sz="2000">
+                <a:latin typeface="맑은 고딕" charset="0"/>
+                <a:ea typeface="맑은 고딕" charset="0"/>
+              </a:rPr>
+              <a:t> 프로젝트 (part.2)</a:t>
             </a:r>
             <a:endParaRPr lang="ko-KR" altLang="en-US" sz="2000">
               <a:latin typeface="맑은 고딕" charset="0"/>
@@ -10236,14 +10975,48 @@
                 <a:latin typeface="맑은 고딕" charset="0"/>
                 <a:ea typeface="맑은 고딕" charset="0"/>
               </a:rPr>
-              <a:t> </a:t>
+              <a:t> 일정 시간마다 게임 오브젝트 생성 및 게임 오브젝트 삭제 </a:t>
+            </a:r>
+            <a:endParaRPr lang="ko-KR" altLang="en-US" sz="1500">
+              <a:latin typeface="맑은 고딕" charset="0"/>
+              <a:ea typeface="맑은 고딕" charset="0"/>
+            </a:endParaRPr>
+          </a:p>
+          <a:p>
+            <a:pPr marL="0" indent="0" algn="l" latinLnBrk="0" hangingPunct="1">
+              <a:buFontTx/>
+              <a:buNone/>
+            </a:pPr>
+            <a:endParaRPr lang="ko-KR" altLang="en-US" sz="1000">
+              <a:latin typeface="맑은 고딕" charset="0"/>
+              <a:ea typeface="맑은 고딕" charset="0"/>
+            </a:endParaRPr>
+          </a:p>
+          <a:p>
+            <a:pPr marL="0" indent="0" algn="l" latinLnBrk="0" hangingPunct="1">
+              <a:buFontTx/>
+              <a:buNone/>
+            </a:pPr>
+            <a:r>
+              <a:rPr lang="ko-KR" sz="2000">
+                <a:latin typeface="맑은 고딕" charset="0"/>
+                <a:ea typeface="맑은 고딕" charset="0"/>
+              </a:rPr>
+              <a:t>   </a:t>
+            </a:r>
+            <a:r>
+              <a:rPr lang="ko-KR" sz="1000">
+                <a:latin typeface="맑은 고딕" charset="0"/>
+                <a:ea typeface="맑은 고딕" charset="0"/>
+              </a:rPr>
+              <a:t>● </a:t>
             </a:r>
             <a:r>
               <a:rPr lang="ko-KR" sz="1500">
                 <a:latin typeface="맑은 고딕" charset="0"/>
                 <a:ea typeface="맑은 고딕" charset="0"/>
               </a:rPr>
-              <a:t>일정 시간마다 게임 오브젝트 생성 및 게임 오브젝트 삭제 </a:t>
+              <a:t>레이어 마스크를 활용하여 3D 게임 오브젝트 버튼 시스템 구현</a:t>
             </a:r>
             <a:endParaRPr lang="ko-KR" altLang="en-US" sz="1500">
               <a:latin typeface="맑은 고딕" charset="0"/>
@@ -10266,25 +11039,18 @@
               <a:buNone/>
             </a:pPr>
             <a:r>
-              <a:rPr lang="ko-KR" sz="2000">
-                <a:latin typeface="맑은 고딕" charset="0"/>
-                <a:ea typeface="맑은 고딕" charset="0"/>
-              </a:rPr>
-              <a:t>   </a:t>
-            </a:r>
-            <a:r>
               <a:rPr lang="ko-KR" sz="1000">
                 <a:latin typeface="맑은 고딕" charset="0"/>
                 <a:ea typeface="맑은 고딕" charset="0"/>
               </a:rPr>
-              <a:t>● </a:t>
+              <a:t>      ● </a:t>
             </a:r>
             <a:r>
               <a:rPr lang="ko-KR" sz="1500">
                 <a:latin typeface="맑은 고딕" charset="0"/>
                 <a:ea typeface="맑은 고딕" charset="0"/>
               </a:rPr>
-              <a:t>레이어 마스크를 활용하여 3D 게임 오브젝트 버튼 시스템 구현</a:t>
+              <a:t>충돌 지점을 설정하여 씬 이동 시스템 설계</a:t>
             </a:r>
             <a:endParaRPr lang="ko-KR" altLang="en-US" sz="1500">
               <a:latin typeface="맑은 고딕" charset="0"/>
@@ -10307,52 +11073,18 @@
               <a:buNone/>
             </a:pPr>
             <a:r>
-              <a:rPr lang="ko-KR" sz="1000">
-                <a:latin typeface="맑은 고딕" charset="0"/>
-                <a:ea typeface="맑은 고딕" charset="0"/>
-              </a:rPr>
-              <a:t>      ● </a:t>
-            </a:r>
-            <a:r>
-              <a:rPr lang="ko-KR" sz="1500">
-                <a:latin typeface="맑은 고딕" charset="0"/>
-                <a:ea typeface="맑은 고딕" charset="0"/>
-              </a:rPr>
-              <a:t>충돌 지점을 설정하여 씬 이동 시스템 설계</a:t>
-            </a:r>
-            <a:endParaRPr lang="ko-KR" altLang="en-US" sz="1500">
-              <a:latin typeface="맑은 고딕" charset="0"/>
-              <a:ea typeface="맑은 고딕" charset="0"/>
-            </a:endParaRPr>
-          </a:p>
-          <a:p>
-            <a:pPr marL="0" indent="0" algn="l" latinLnBrk="0" hangingPunct="1">
-              <a:buFontTx/>
-              <a:buNone/>
-            </a:pPr>
-            <a:endParaRPr lang="ko-KR" altLang="en-US" sz="1000">
-              <a:latin typeface="맑은 고딕" charset="0"/>
-              <a:ea typeface="맑은 고딕" charset="0"/>
-            </a:endParaRPr>
-          </a:p>
-          <a:p>
-            <a:pPr marL="0" indent="0" algn="l" latinLnBrk="0" hangingPunct="1">
-              <a:buFontTx/>
-              <a:buNone/>
-            </a:pPr>
-            <a:r>
-              <a:rPr lang="ko-KR" sz="2000">
-                <a:latin typeface="맑은 고딕" charset="0"/>
-                <a:ea typeface="맑은 고딕" charset="0"/>
-              </a:rPr>
-              <a:t>12. 애니메이션 시스템 설</a:t>
-            </a:r>
-            <a:r>
-              <a:rPr lang="ko-KR" sz="2000">
-                <a:latin typeface="맑은 고딕" charset="0"/>
-                <a:ea typeface="맑은 고딕" charset="0"/>
-              </a:rPr>
-              <a:t>명 및 실습</a:t>
+              <a:rPr lang="ko-KR" sz="2000">
+                <a:latin typeface="맑은 고딕" charset="0"/>
+                <a:ea typeface="맑은 고딕" charset="0"/>
+              </a:rPr>
+              <a:t>3월 7일 -</a:t>
+            </a:r>
+            <a:r>
+              <a:rPr lang="ko-KR" sz="2000">
+                <a:latin typeface="맑은 고딕" charset="0"/>
+                <a:ea typeface="맑은 고딕" charset="0"/>
+              </a:rPr>
+              <a:t> 애니메이션 시스템 설명 및 실습</a:t>
             </a:r>
             <a:r>
               <a:rPr lang="ko-KR" sz="2000">
@@ -10598,9 +11330,9 @@
           <p:nvPr/>
         </p:nvSpPr>
         <p:spPr>
-          <a:xfrm rot="0">
+          <a:xfrm>
             <a:off x="1031240" y="1642110"/>
-            <a:ext cx="7484745" cy="4933950"/>
+            <a:ext cx="7486015" cy="4933950"/>
           </a:xfrm>
           <a:prstGeom prst="rect"/>
           <a:noFill/>
@@ -10641,14 +11373,14 @@
                 <a:latin typeface="맑은 고딕" charset="0"/>
                 <a:ea typeface="맑은 고딕" charset="0"/>
               </a:rPr>
-              <a:t>13. </a:t>
-            </a:r>
-            <a:r>
-              <a:rPr lang="ko-KR" sz="2000">
-                <a:latin typeface="맑은 고딕" charset="0"/>
-                <a:ea typeface="맑은 고딕" charset="0"/>
-              </a:rPr>
-              <a:t>애니메이션 사용 방법 및 애니메이션 속성 이해</a:t>
+              <a:t>3월 10일 -</a:t>
+            </a:r>
+            <a:r>
+              <a:rPr lang="ko-KR" sz="2000">
+                <a:latin typeface="맑은 고딕" charset="0"/>
+                <a:ea typeface="맑은 고딕" charset="0"/>
+              </a:rPr>
+              <a:t> 애니메이션 사용 방법 및 애니메이션 속성 이해</a:t>
             </a:r>
             <a:endParaRPr lang="ko-KR" altLang="en-US" sz="2000">
               <a:latin typeface="맑은 고딕" charset="0"/>
@@ -10713,14 +11445,41 @@
                 <a:latin typeface="맑은 고딕" charset="0"/>
                 <a:ea typeface="맑은 고딕" charset="0"/>
               </a:rPr>
-              <a:t>레거시 애니메이션으로 애니메이션 설정 </a:t>
+              <a:t>레거시 애니메이션으로 애니메이션 설정  </a:t>
+            </a:r>
+            <a:endParaRPr lang="ko-KR" altLang="en-US" sz="1500">
+              <a:latin typeface="맑은 고딕" charset="0"/>
+              <a:ea typeface="맑은 고딕" charset="0"/>
+            </a:endParaRPr>
+          </a:p>
+          <a:p>
+            <a:pPr marL="0" indent="0" algn="l" latinLnBrk="0" hangingPunct="1">
+              <a:buFontTx/>
+              <a:buNone/>
+            </a:pPr>
+            <a:endParaRPr lang="ko-KR" altLang="en-US" sz="1000">
+              <a:latin typeface="맑은 고딕" charset="0"/>
+              <a:ea typeface="맑은 고딕" charset="0"/>
+            </a:endParaRPr>
+          </a:p>
+          <a:p>
+            <a:pPr marL="0" indent="0" algn="l" latinLnBrk="0" hangingPunct="1">
+              <a:buFontTx/>
+              <a:buNone/>
+            </a:pPr>
+            <a:r>
+              <a:rPr lang="ko-KR" sz="1000">
+                <a:latin typeface="맑은 고딕" charset="0"/>
+                <a:ea typeface="맑은 고딕" charset="0"/>
+              </a:rPr>
+              <a:t>      ● </a:t>
             </a:r>
             <a:r>
               <a:rPr lang="ko-KR" sz="1500">
                 <a:latin typeface="맑은 고딕" charset="0"/>
                 <a:ea typeface="맑은 고딕" charset="0"/>
               </a:rPr>
-              <a:t> </a:t>
+              <a:t>메카님 애니메이션으로 애니메이션 설정</a:t>
             </a:r>
             <a:endParaRPr lang="ko-KR" altLang="en-US" sz="1500">
               <a:latin typeface="맑은 고딕" charset="0"/>
@@ -10743,10 +11502,116 @@
               <a:buNone/>
             </a:pPr>
             <a:r>
+              <a:rPr lang="ko-KR" sz="2000">
+                <a:latin typeface="맑은 고딕" charset="0"/>
+                <a:ea typeface="맑은 고딕" charset="0"/>
+              </a:rPr>
+              <a:t>3월 14일 -</a:t>
+            </a:r>
+            <a:r>
+              <a:rPr lang="ko-KR" sz="2000">
+                <a:latin typeface="맑은 고딕" charset="0"/>
+                <a:ea typeface="맑은 고딕" charset="0"/>
+              </a:rPr>
+              <a:t> 애니메이션 아바타 설정 및 애니메이션 관리</a:t>
+            </a:r>
+            <a:endParaRPr lang="ko-KR" altLang="en-US" sz="2000">
+              <a:latin typeface="맑은 고딕" charset="0"/>
+              <a:ea typeface="맑은 고딕" charset="0"/>
+            </a:endParaRPr>
+          </a:p>
+          <a:p>
+            <a:pPr marL="0" indent="0" algn="l" latinLnBrk="0" hangingPunct="1">
+              <a:buFontTx/>
+              <a:buNone/>
+            </a:pPr>
+            <a:r>
+              <a:rPr lang="ko-KR" sz="2000">
+                <a:latin typeface="맑은 고딕" charset="0"/>
+                <a:ea typeface="맑은 고딕" charset="0"/>
+              </a:rPr>
+              <a:t>   </a:t>
+            </a:r>
+            <a:r>
               <a:rPr lang="ko-KR" sz="1000">
                 <a:latin typeface="맑은 고딕" charset="0"/>
                 <a:ea typeface="맑은 고딕" charset="0"/>
               </a:rPr>
+              <a:t>●</a:t>
+            </a:r>
+            <a:r>
+              <a:rPr lang="ko-KR" sz="1500">
+                <a:latin typeface="맑은 고딕" charset="0"/>
+                <a:ea typeface="맑은 고딕" charset="0"/>
+              </a:rPr>
+              <a:t> 휴머노이드 시스템 사용방법 및 실습 </a:t>
+            </a:r>
+            <a:endParaRPr lang="ko-KR" altLang="en-US" sz="1500">
+              <a:latin typeface="맑은 고딕" charset="0"/>
+              <a:ea typeface="맑은 고딕" charset="0"/>
+            </a:endParaRPr>
+          </a:p>
+          <a:p>
+            <a:pPr marL="0" indent="0" algn="l" latinLnBrk="0" hangingPunct="1">
+              <a:buFontTx/>
+              <a:buNone/>
+            </a:pPr>
+            <a:endParaRPr lang="ko-KR" altLang="en-US" sz="1000">
+              <a:latin typeface="맑은 고딕" charset="0"/>
+              <a:ea typeface="맑은 고딕" charset="0"/>
+            </a:endParaRPr>
+          </a:p>
+          <a:p>
+            <a:pPr marL="0" indent="0" algn="l" latinLnBrk="0" hangingPunct="1">
+              <a:buFontTx/>
+              <a:buNone/>
+            </a:pPr>
+            <a:r>
+              <a:rPr lang="ko-KR" sz="2000">
+                <a:latin typeface="맑은 고딕" charset="0"/>
+                <a:ea typeface="맑은 고딕" charset="0"/>
+              </a:rPr>
+              <a:t>   </a:t>
+            </a:r>
+            <a:r>
+              <a:rPr lang="ko-KR" sz="1000">
+                <a:latin typeface="맑은 고딕" charset="0"/>
+                <a:ea typeface="맑은 고딕" charset="0"/>
+              </a:rPr>
+              <a:t>● </a:t>
+            </a:r>
+            <a:r>
+              <a:rPr lang="ko-KR" sz="1500">
+                <a:latin typeface="맑은 고딕" charset="0"/>
+                <a:ea typeface="맑은 고딕" charset="0"/>
+              </a:rPr>
+              <a:t>애니메이션으로 유한 상태 머신 설계</a:t>
+            </a:r>
+            <a:endParaRPr lang="ko-KR" altLang="en-US" sz="1500">
+              <a:latin typeface="맑은 고딕" charset="0"/>
+              <a:ea typeface="맑은 고딕" charset="0"/>
+            </a:endParaRPr>
+          </a:p>
+          <a:p>
+            <a:pPr marL="0" indent="0" algn="l" latinLnBrk="0" hangingPunct="1">
+              <a:buFontTx/>
+              <a:buNone/>
+            </a:pPr>
+            <a:endParaRPr lang="ko-KR" altLang="en-US" sz="1000">
+              <a:latin typeface="맑은 고딕" charset="0"/>
+              <a:ea typeface="맑은 고딕" charset="0"/>
+            </a:endParaRPr>
+          </a:p>
+          <a:p>
+            <a:pPr marL="0" indent="0" algn="l" latinLnBrk="0" hangingPunct="1">
+              <a:buFontTx/>
+              <a:buNone/>
+            </a:pPr>
+            <a:r>
+              <a:rPr lang="ko-KR" sz="1000">
+                <a:latin typeface="맑은 고딕" charset="0"/>
+                <a:ea typeface="맑은 고딕" charset="0"/>
+              </a:rPr>
               <a:t>      ● </a:t>
             </a:r>
             <a:r>
@@ -10754,7 +11619,7 @@
                 <a:latin typeface="맑은 고딕" charset="0"/>
                 <a:ea typeface="맑은 고딕" charset="0"/>
               </a:rPr>
-              <a:t>메카님 애니메이션으로 애니메이션 설정</a:t>
+              <a:t>애니메이션 레이어를 통해 스테이트 관리</a:t>
             </a:r>
             <a:endParaRPr lang="ko-KR" altLang="en-US" sz="1500">
               <a:latin typeface="맑은 고딕" charset="0"/>
@@ -10781,25 +11646,28 @@
                 <a:latin typeface="맑은 고딕" charset="0"/>
                 <a:ea typeface="맑은 고딕" charset="0"/>
               </a:rPr>
-              <a:t>14. </a:t>
-            </a:r>
-            <a:r>
-              <a:rPr lang="ko-KR" sz="2000">
-                <a:latin typeface="맑은 고딕" charset="0"/>
-                <a:ea typeface="맑은 고딕" charset="0"/>
-              </a:rPr>
-              <a:t>네트워크 통신으로 외부에 있는 데이터 불러오기</a:t>
-            </a:r>
-            <a:endParaRPr lang="ko-KR" altLang="en-US" sz="2000">
-              <a:latin typeface="맑은 고딕" charset="0"/>
-              <a:ea typeface="맑은 고딕" charset="0"/>
-            </a:endParaRPr>
-          </a:p>
-          <a:p>
-            <a:pPr marL="0" indent="0" algn="l" latinLnBrk="0" hangingPunct="1">
-              <a:buFontTx/>
-              <a:buNone/>
-            </a:pPr>
+              <a:t>3월 16일 -</a:t>
+            </a:r>
+            <a:r>
+              <a:rPr lang="ko-KR" sz="2000">
+                <a:latin typeface="맑은 고딕" charset="0"/>
+                <a:ea typeface="맑은 고딕" charset="0"/>
+              </a:rPr>
+              <a:t> 내비게이션 시스템 설명 및 제작</a:t>
+            </a:r>
+            <a:r>
+              <a:rPr lang="ko-KR" sz="2000">
+                <a:latin typeface="맑은 고딕" charset="0"/>
+                <a:ea typeface="맑은 고딕" charset="0"/>
+              </a:rPr>
+              <a:t/>
+            </a:r>
+            <a:br>
+              <a:rPr lang="ko-KR" sz="2000">
+                <a:latin typeface="맑은 고딕" charset="0"/>
+                <a:ea typeface="맑은 고딕" charset="0"/>
+              </a:rPr>
+            </a:br>
             <a:r>
               <a:rPr lang="ko-KR" sz="2000">
                 <a:latin typeface="맑은 고딕" charset="0"/>
@@ -10819,260 +11687,82 @@
                 <a:latin typeface="맑은 고딕" charset="0"/>
                 <a:ea typeface="맑은 고딕" charset="0"/>
               </a:rPr>
-              <a:t> 코루틴</a:t>
+              <a:t> 네비 메쉬 시스템 설명 및 실습 </a:t>
+            </a:r>
+            <a:endParaRPr lang="ko-KR" altLang="en-US" sz="1500">
+              <a:latin typeface="맑은 고딕" charset="0"/>
+              <a:ea typeface="맑은 고딕" charset="0"/>
+            </a:endParaRPr>
+          </a:p>
+          <a:p>
+            <a:pPr marL="0" indent="0" algn="l" latinLnBrk="0" hangingPunct="1">
+              <a:buFontTx/>
+              <a:buNone/>
+            </a:pPr>
+            <a:endParaRPr lang="ko-KR" altLang="en-US" sz="1000">
+              <a:latin typeface="맑은 고딕" charset="0"/>
+              <a:ea typeface="맑은 고딕" charset="0"/>
+            </a:endParaRPr>
+          </a:p>
+          <a:p>
+            <a:pPr marL="0" indent="0" algn="l" latinLnBrk="0" hangingPunct="1">
+              <a:buFontTx/>
+              <a:buNone/>
+            </a:pPr>
+            <a:r>
+              <a:rPr lang="ko-KR" sz="1000">
+                <a:latin typeface="맑은 고딕" charset="0"/>
+                <a:ea typeface="맑은 고딕" charset="0"/>
+              </a:rPr>
+              <a:t>      ● </a:t>
             </a:r>
             <a:r>
               <a:rPr lang="ko-KR" sz="1500">
                 <a:latin typeface="맑은 고딕" charset="0"/>
                 <a:ea typeface="맑은 고딕" charset="0"/>
               </a:rPr>
-              <a:t>의</a:t>
+              <a:t>위치 추적 및 순찰 기능 제작 </a:t>
+            </a:r>
+            <a:endParaRPr lang="ko-KR" altLang="en-US" sz="1500">
+              <a:latin typeface="맑은 고딕" charset="0"/>
+              <a:ea typeface="맑은 고딕" charset="0"/>
+            </a:endParaRPr>
+          </a:p>
+          <a:p>
+            <a:pPr marL="0" indent="0" algn="l" latinLnBrk="0" hangingPunct="1">
+              <a:buFontTx/>
+              <a:buNone/>
+            </a:pPr>
+            <a:r>
+              <a:rPr lang="ko-KR" sz="1000">
+                <a:latin typeface="맑은 고딕" charset="0"/>
+                <a:ea typeface="맑은 고딕" charset="0"/>
+              </a:rPr>
+              <a:t>     </a:t>
+            </a:r>
+            <a:endParaRPr lang="ko-KR" altLang="en-US" sz="1000">
+              <a:latin typeface="맑은 고딕" charset="0"/>
+              <a:ea typeface="맑은 고딕" charset="0"/>
+            </a:endParaRPr>
+          </a:p>
+          <a:p>
+            <a:pPr marL="0" indent="0" algn="l" latinLnBrk="0" hangingPunct="1">
+              <a:buFontTx/>
+              <a:buNone/>
+            </a:pPr>
+            <a:r>
+              <a:rPr lang="ko-KR" sz="1000">
+                <a:latin typeface="맑은 고딕" charset="0"/>
+                <a:ea typeface="맑은 고딕" charset="0"/>
+              </a:rPr>
+              <a:t>      ● </a:t>
             </a:r>
             <a:r>
               <a:rPr lang="ko-KR" sz="1500">
                 <a:latin typeface="맑은 고딕" charset="0"/>
                 <a:ea typeface="맑은 고딕" charset="0"/>
               </a:rPr>
-              <a:t> </a:t>
-            </a:r>
-            <a:r>
-              <a:rPr lang="ko-KR" sz="1500">
-                <a:latin typeface="맑은 고딕" charset="0"/>
-                <a:ea typeface="맑은 고딕" charset="0"/>
-              </a:rPr>
-              <a:t>다양한 활용 방법 및 사용</a:t>
-            </a:r>
-            <a:r>
-              <a:rPr lang="ko-KR" sz="1500">
-                <a:latin typeface="맑은 고딕" charset="0"/>
-                <a:ea typeface="맑은 고딕" charset="0"/>
-              </a:rPr>
-              <a:t> </a:t>
-            </a:r>
-            <a:endParaRPr lang="ko-KR" altLang="en-US" sz="1500">
-              <a:latin typeface="맑은 고딕" charset="0"/>
-              <a:ea typeface="맑은 고딕" charset="0"/>
-            </a:endParaRPr>
-          </a:p>
-          <a:p>
-            <a:pPr marL="0" indent="0" algn="l" latinLnBrk="0" hangingPunct="1">
-              <a:buFontTx/>
-              <a:buNone/>
-            </a:pPr>
-            <a:endParaRPr lang="ko-KR" altLang="en-US" sz="1000">
-              <a:latin typeface="맑은 고딕" charset="0"/>
-              <a:ea typeface="맑은 고딕" charset="0"/>
-            </a:endParaRPr>
-          </a:p>
-          <a:p>
-            <a:pPr marL="0" indent="0" algn="l" latinLnBrk="0" hangingPunct="1">
-              <a:buFontTx/>
-              <a:buNone/>
-            </a:pPr>
-            <a:r>
-              <a:rPr lang="ko-KR" sz="2000">
-                <a:latin typeface="맑은 고딕" charset="0"/>
-                <a:ea typeface="맑은 고딕" charset="0"/>
-              </a:rPr>
-              <a:t>   </a:t>
-            </a:r>
-            <a:r>
-              <a:rPr lang="ko-KR" sz="1000">
-                <a:latin typeface="맑은 고딕" charset="0"/>
-                <a:ea typeface="맑은 고딕" charset="0"/>
-              </a:rPr>
-              <a:t>● </a:t>
-            </a:r>
-            <a:r>
-              <a:rPr lang="ko-KR" sz="1500">
-                <a:latin typeface="맑은 고딕" charset="0"/>
-                <a:ea typeface="맑은 고딕" charset="0"/>
-              </a:rPr>
-              <a:t>웹사이트에서 이미지 가져오기</a:t>
-            </a:r>
-            <a:r>
-              <a:rPr lang="ko-KR" sz="1500">
-                <a:latin typeface="맑은 고딕" charset="0"/>
-                <a:ea typeface="맑은 고딕" charset="0"/>
-              </a:rPr>
-              <a:t> </a:t>
-            </a:r>
-            <a:endParaRPr lang="ko-KR" altLang="en-US" sz="1500">
-              <a:latin typeface="맑은 고딕" charset="0"/>
-              <a:ea typeface="맑은 고딕" charset="0"/>
-            </a:endParaRPr>
-          </a:p>
-          <a:p>
-            <a:pPr marL="0" indent="0" algn="l" latinLnBrk="0" hangingPunct="1">
-              <a:buFontTx/>
-              <a:buNone/>
-            </a:pPr>
-            <a:endParaRPr lang="ko-KR" altLang="en-US" sz="1000">
-              <a:latin typeface="맑은 고딕" charset="0"/>
-              <a:ea typeface="맑은 고딕" charset="0"/>
-            </a:endParaRPr>
-          </a:p>
-          <a:p>
-            <a:pPr marL="0" indent="0" algn="l" latinLnBrk="0" hangingPunct="1">
-              <a:buFontTx/>
-              <a:buNone/>
-            </a:pPr>
-            <a:r>
-              <a:rPr lang="ko-KR" sz="1000">
-                <a:latin typeface="맑은 고딕" charset="0"/>
-                <a:ea typeface="맑은 고딕" charset="0"/>
-              </a:rPr>
-              <a:t>      ● </a:t>
-            </a:r>
-            <a:r>
-              <a:rPr lang="ko-KR" sz="1500">
-                <a:latin typeface="맑은 고딕" charset="0"/>
-                <a:ea typeface="맑은 고딕" charset="0"/>
-              </a:rPr>
-              <a:t>네트워크 시간 사용하기</a:t>
-            </a:r>
-            <a:endParaRPr lang="ko-KR" altLang="en-US" sz="1500">
-              <a:latin typeface="맑은 고딕" charset="0"/>
-              <a:ea typeface="맑은 고딕" charset="0"/>
-            </a:endParaRPr>
-          </a:p>
-          <a:p>
-            <a:pPr marL="0" indent="0" algn="l" latinLnBrk="0" hangingPunct="1">
-              <a:buFontTx/>
-              <a:buNone/>
-            </a:pPr>
-            <a:endParaRPr lang="ko-KR" altLang="en-US" sz="1000">
-              <a:latin typeface="맑은 고딕" charset="0"/>
-              <a:ea typeface="맑은 고딕" charset="0"/>
-            </a:endParaRPr>
-          </a:p>
-          <a:p>
-            <a:pPr marL="0" indent="0" algn="l" latinLnBrk="0" hangingPunct="1">
-              <a:buFontTx/>
-              <a:buNone/>
-            </a:pPr>
-            <a:r>
-              <a:rPr lang="ko-KR" sz="2000">
-                <a:latin typeface="맑은 고딕" charset="0"/>
-                <a:ea typeface="맑은 고딕" charset="0"/>
-              </a:rPr>
-              <a:t>15. </a:t>
-            </a:r>
-            <a:r>
-              <a:rPr lang="ko-KR" sz="2000">
-                <a:latin typeface="맑은 고딕" charset="0"/>
-                <a:ea typeface="맑은 고딕" charset="0"/>
-              </a:rPr>
-              <a:t>애니메이션 아바타 설정 및 애니메이션 관리</a:t>
-            </a:r>
-            <a:r>
-              <a:rPr lang="ko-KR" sz="2000">
-                <a:latin typeface="맑은 고딕" charset="0"/>
-                <a:ea typeface="맑은 고딕" charset="0"/>
-              </a:rPr>
-              <a:t/>
-            </a:r>
-            <a:br>
-              <a:rPr lang="ko-KR" sz="2000">
-                <a:latin typeface="맑은 고딕" charset="0"/>
-                <a:ea typeface="맑은 고딕" charset="0"/>
-              </a:rPr>
-            </a:br>
-            <a:r>
-              <a:rPr lang="ko-KR" sz="2000">
-                <a:latin typeface="맑은 고딕" charset="0"/>
-                <a:ea typeface="맑은 고딕" charset="0"/>
-              </a:rPr>
-              <a:t>   </a:t>
-            </a:r>
-            <a:r>
-              <a:rPr lang="ko-KR" sz="1000">
-                <a:latin typeface="맑은 고딕" charset="0"/>
-                <a:ea typeface="맑은 고딕" charset="0"/>
-              </a:rPr>
-              <a:t>●</a:t>
-            </a:r>
-            <a:r>
-              <a:rPr lang="ko-KR" sz="1500">
-                <a:latin typeface="맑은 고딕" charset="0"/>
-                <a:ea typeface="맑은 고딕" charset="0"/>
-              </a:rPr>
-              <a:t> 휴머노이드 시스템 사용방법 및 실습</a:t>
-            </a:r>
-            <a:endParaRPr lang="ko-KR" altLang="en-US" sz="1500">
-              <a:latin typeface="맑은 고딕" charset="0"/>
-              <a:ea typeface="맑은 고딕" charset="0"/>
-            </a:endParaRPr>
-          </a:p>
-          <a:p>
-            <a:pPr marL="0" indent="0" algn="l" latinLnBrk="0" hangingPunct="1">
-              <a:buFontTx/>
-              <a:buNone/>
-            </a:pPr>
-            <a:endParaRPr lang="ko-KR" altLang="en-US" sz="1000">
-              <a:latin typeface="맑은 고딕" charset="0"/>
-              <a:ea typeface="맑은 고딕" charset="0"/>
-            </a:endParaRPr>
-          </a:p>
-          <a:p>
-            <a:pPr marL="0" indent="0" algn="l" latinLnBrk="0" hangingPunct="1">
-              <a:buFontTx/>
-              <a:buNone/>
-            </a:pPr>
-            <a:r>
-              <a:rPr lang="ko-KR" sz="1000">
-                <a:latin typeface="맑은 고딕" charset="0"/>
-                <a:ea typeface="맑은 고딕" charset="0"/>
-              </a:rPr>
-              <a:t>      ● </a:t>
-            </a:r>
-            <a:r>
-              <a:rPr lang="ko-KR" sz="1500">
-                <a:latin typeface="맑은 고딕" charset="0"/>
-                <a:ea typeface="맑은 고딕" charset="0"/>
-              </a:rPr>
-              <a:t>애니메이션으로 유한 상태 머신 설계</a:t>
-            </a:r>
-            <a:endParaRPr lang="ko-KR" altLang="en-US" sz="1500">
-              <a:latin typeface="맑은 고딕" charset="0"/>
-              <a:ea typeface="맑은 고딕" charset="0"/>
-            </a:endParaRPr>
-          </a:p>
-          <a:p>
-            <a:pPr marL="0" indent="0" algn="l" latinLnBrk="0" hangingPunct="1">
-              <a:buFontTx/>
-              <a:buNone/>
-            </a:pPr>
-            <a:r>
-              <a:rPr lang="ko-KR" sz="1000">
-                <a:latin typeface="맑은 고딕" charset="0"/>
-                <a:ea typeface="맑은 고딕" charset="0"/>
-              </a:rPr>
-              <a:t>     </a:t>
-            </a:r>
-            <a:endParaRPr lang="ko-KR" altLang="en-US" sz="1000">
-              <a:latin typeface="맑은 고딕" charset="0"/>
-              <a:ea typeface="맑은 고딕" charset="0"/>
-            </a:endParaRPr>
-          </a:p>
-          <a:p>
-            <a:pPr marL="0" indent="0" algn="l" latinLnBrk="0" hangingPunct="1">
-              <a:buFontTx/>
-              <a:buNone/>
-            </a:pPr>
-            <a:r>
-              <a:rPr lang="ko-KR" sz="1000">
-                <a:latin typeface="맑은 고딕" charset="0"/>
-                <a:ea typeface="맑은 고딕" charset="0"/>
-              </a:rPr>
-              <a:t>      ● </a:t>
-            </a:r>
-            <a:r>
-              <a:rPr lang="ko-KR" sz="1500">
-                <a:latin typeface="맑은 고딕" charset="0"/>
-                <a:ea typeface="맑은 고딕" charset="0"/>
-              </a:rPr>
-              <a:t>애니메이션 레이어를 통해 스테이트 관리</a:t>
+              <a:t>여러 가지 거리 계산 함수로 거리 측정 및 거리 비교</a:t>
             </a:r>
             <a:endParaRPr lang="ko-KR" altLang="en-US" sz="1500">
               <a:latin typeface="맑은 고딕" charset="0"/>
@@ -11221,7 +11911,7 @@
         <p:spPr>
           <a:xfrm>
             <a:off x="1031240" y="1642110"/>
-            <a:ext cx="6308090" cy="4933950"/>
+            <a:ext cx="6309360" cy="4933950"/>
           </a:xfrm>
           <a:prstGeom prst="rect"/>
           <a:noFill/>
@@ -11262,7 +11952,157 @@
                 <a:latin typeface="맑은 고딕" charset="0"/>
                 <a:ea typeface="맑은 고딕" charset="0"/>
               </a:rPr>
-              <a:t>16. 파티클 시스템 설명 및 실습</a:t>
+              <a:t>3월 18일 -</a:t>
+            </a:r>
+            <a:r>
+              <a:rPr lang="ko-KR" sz="2000">
+                <a:latin typeface="맑은 고딕" charset="0"/>
+                <a:ea typeface="맑은 고딕" charset="0"/>
+              </a:rPr>
+              <a:t> AI 시스템 사용 방법 및 적용</a:t>
+            </a:r>
+            <a:r>
+              <a:rPr lang="ko-KR" sz="2000">
+                <a:latin typeface="맑은 고딕" charset="0"/>
+                <a:ea typeface="맑은 고딕" charset="0"/>
+              </a:rPr>
+              <a:t/>
+            </a:r>
+            <a:br>
+              <a:rPr lang="ko-KR" sz="2000">
+                <a:latin typeface="맑은 고딕" charset="0"/>
+                <a:ea typeface="맑은 고딕" charset="0"/>
+              </a:rPr>
+            </a:br>
+            <a:r>
+              <a:rPr lang="ko-KR" sz="2000">
+                <a:latin typeface="맑은 고딕" charset="0"/>
+                <a:ea typeface="맑은 고딕" charset="0"/>
+              </a:rPr>
+              <a:t>   </a:t>
+            </a:r>
+            <a:r>
+              <a:rPr lang="ko-KR" sz="1000">
+                <a:latin typeface="맑은 고딕" charset="0"/>
+                <a:ea typeface="맑은 고딕" charset="0"/>
+              </a:rPr>
+              <a:t>● </a:t>
+            </a:r>
+            <a:r>
+              <a:rPr lang="ko-KR" sz="1500">
+                <a:latin typeface="맑은 고딕" charset="0"/>
+                <a:ea typeface="맑은 고딕" charset="0"/>
+              </a:rPr>
+              <a:t>네비메쉬 에이전트를 이용한 경로 계산</a:t>
+            </a:r>
+            <a:endParaRPr lang="ko-KR" altLang="en-US" sz="1500">
+              <a:latin typeface="맑은 고딕" charset="0"/>
+              <a:ea typeface="맑은 고딕" charset="0"/>
+            </a:endParaRPr>
+          </a:p>
+          <a:p>
+            <a:pPr marL="0" indent="0" algn="l" latinLnBrk="0" hangingPunct="1">
+              <a:buFontTx/>
+              <a:buNone/>
+            </a:pPr>
+            <a:endParaRPr lang="ko-KR" altLang="en-US" sz="1000">
+              <a:latin typeface="맑은 고딕" charset="0"/>
+              <a:ea typeface="맑은 고딕" charset="0"/>
+            </a:endParaRPr>
+          </a:p>
+          <a:p>
+            <a:pPr marL="0" indent="0" algn="l" latinLnBrk="0" hangingPunct="1">
+              <a:buFontTx/>
+              <a:buNone/>
+            </a:pPr>
+            <a:r>
+              <a:rPr lang="ko-KR" sz="1000">
+                <a:latin typeface="맑은 고딕" charset="0"/>
+                <a:ea typeface="맑은 고딕" charset="0"/>
+              </a:rPr>
+              <a:t>      ● </a:t>
+            </a:r>
+            <a:r>
+              <a:rPr lang="ko-KR" sz="1500">
+                <a:latin typeface="맑은 고딕" charset="0"/>
+                <a:ea typeface="맑은 고딕" charset="0"/>
+              </a:rPr>
+              <a:t>네비메쉬 장애물을 활용하여 경로 차단</a:t>
+            </a:r>
+            <a:endParaRPr lang="ko-KR" altLang="en-US" sz="1500">
+              <a:latin typeface="맑은 고딕" charset="0"/>
+              <a:ea typeface="맑은 고딕" charset="0"/>
+            </a:endParaRPr>
+          </a:p>
+          <a:p>
+            <a:pPr marL="0" indent="0" algn="l" latinLnBrk="0" hangingPunct="1">
+              <a:buFontTx/>
+              <a:buNone/>
+            </a:pPr>
+            <a:r>
+              <a:rPr lang="ko-KR" sz="1000">
+                <a:latin typeface="맑은 고딕" charset="0"/>
+                <a:ea typeface="맑은 고딕" charset="0"/>
+              </a:rPr>
+              <a:t>     </a:t>
+            </a:r>
+            <a:endParaRPr lang="ko-KR" altLang="en-US" sz="1000">
+              <a:latin typeface="맑은 고딕" charset="0"/>
+              <a:ea typeface="맑은 고딕" charset="0"/>
+            </a:endParaRPr>
+          </a:p>
+          <a:p>
+            <a:pPr marL="0" indent="0" algn="l" latinLnBrk="0" hangingPunct="1">
+              <a:buFontTx/>
+              <a:buNone/>
+            </a:pPr>
+            <a:r>
+              <a:rPr lang="ko-KR" sz="1000">
+                <a:latin typeface="맑은 고딕" charset="0"/>
+                <a:ea typeface="맑은 고딕" charset="0"/>
+              </a:rPr>
+              <a:t>      ● </a:t>
+            </a:r>
+            <a:r>
+              <a:rPr lang="ko-KR" sz="1500">
+                <a:latin typeface="맑은 고딕" charset="0"/>
+                <a:ea typeface="맑은 고딕" charset="0"/>
+              </a:rPr>
+              <a:t>게임 오브젝트가 이동할 수 있는 위치와 높이 설정 </a:t>
+            </a:r>
+            <a:endParaRPr lang="ko-KR" altLang="en-US" sz="1500">
+              <a:latin typeface="맑은 고딕" charset="0"/>
+              <a:ea typeface="맑은 고딕" charset="0"/>
+            </a:endParaRPr>
+          </a:p>
+          <a:p>
+            <a:pPr marL="0" indent="0" algn="l" latinLnBrk="0" hangingPunct="1">
+              <a:buFontTx/>
+              <a:buNone/>
+            </a:pPr>
+            <a:endParaRPr lang="ko-KR" altLang="en-US" sz="1500">
+              <a:latin typeface="맑은 고딕" charset="0"/>
+              <a:ea typeface="맑은 고딕" charset="0"/>
+            </a:endParaRPr>
+          </a:p>
+          <a:p>
+            <a:pPr marL="0" indent="0" algn="l" latinLnBrk="0" hangingPunct="1">
+              <a:buFontTx/>
+              <a:buNone/>
+            </a:pPr>
+            <a:r>
+              <a:rPr lang="ko-KR" sz="2000">
+                <a:latin typeface="맑은 고딕" charset="0"/>
+                <a:ea typeface="맑은 고딕" charset="0"/>
+              </a:rPr>
+              <a:t>3월 21일 -</a:t>
+            </a:r>
+            <a:r>
+              <a:rPr lang="ko-KR" sz="2000">
+                <a:latin typeface="맑은 고딕" charset="0"/>
+                <a:ea typeface="맑은 고딕" charset="0"/>
+              </a:rPr>
+              <a:t> 힌지 조인트를 이용한 게임 오브젝트 결합</a:t>
             </a:r>
             <a:endParaRPr lang="ko-KR" altLang="en-US" sz="2000">
               <a:latin typeface="맑은 고딕" charset="0"/>
@@ -11293,7 +12133,7 @@
                 <a:latin typeface="맑은 고딕" charset="0"/>
                 <a:ea typeface="맑은 고딕" charset="0"/>
               </a:rPr>
-              <a:t>상황에 따른 연출 시스템 제작</a:t>
+              <a:t>서로 불리되어 있는 게임 오브젝트 연결 및 부착</a:t>
             </a:r>
             <a:endParaRPr lang="ko-KR" altLang="en-US" sz="1500">
               <a:latin typeface="맑은 고딕" charset="0"/>
@@ -11327,7 +12167,7 @@
                 <a:latin typeface="맑은 고딕" charset="0"/>
                 <a:ea typeface="맑은 고딕" charset="0"/>
               </a:rPr>
-              <a:t>파티클 컴포넌트 설명 및 이해 </a:t>
+              <a:t>게임 해상도 설정 시스템 제작</a:t>
             </a:r>
             <a:endParaRPr lang="ko-KR" altLang="en-US" sz="1500">
               <a:latin typeface="맑은 고딕" charset="0"/>
@@ -11361,7 +12201,7 @@
                 <a:latin typeface="맑은 고딕" charset="0"/>
                 <a:ea typeface="맑은 고딕" charset="0"/>
               </a:rPr>
-              <a:t>날씨 효과 설정 및 실습</a:t>
+              <a:t>오디오 믹서를 사용하여 전역으로 사운드를 관리하는 시스템 설계</a:t>
             </a:r>
             <a:endParaRPr lang="ko-KR" altLang="en-US" sz="1500">
               <a:latin typeface="맑은 고딕" charset="0"/>
@@ -11388,188 +12228,34 @@
                 <a:latin typeface="맑은 고딕" charset="0"/>
                 <a:ea typeface="맑은 고딕" charset="0"/>
               </a:rPr>
-              <a:t>17. 내비게이션 시스템 설명 및 제작</a:t>
-            </a:r>
-            <a:endParaRPr lang="ko-KR" altLang="en-US" sz="2000">
-              <a:latin typeface="맑은 고딕" charset="0"/>
-              <a:ea typeface="맑은 고딕" charset="0"/>
-            </a:endParaRPr>
-          </a:p>
-          <a:p>
-            <a:pPr marL="0" indent="0" algn="l" latinLnBrk="0" hangingPunct="1">
-              <a:buFontTx/>
-              <a:buNone/>
-            </a:pPr>
+              <a:t>3월 23일 -</a:t>
+            </a:r>
+            <a:r>
+              <a:rPr lang="ko-KR" sz="2000">
+                <a:latin typeface="맑은 고딕" charset="0"/>
+                <a:ea typeface="맑은 고딕" charset="0"/>
+              </a:rPr>
+              <a:t> 조명 시스템 이해 및 조명 컴포넌트 설정 </a:t>
+            </a:r>
+            <a:r>
+              <a:rPr lang="ko-KR" sz="2000">
+                <a:latin typeface="맑은 고딕" charset="0"/>
+                <a:ea typeface="맑은 고딕" charset="0"/>
+              </a:rPr>
+              <a:t/>
+            </a:r>
+            <a:br>
+              <a:rPr lang="ko-KR" sz="2000">
+                <a:latin typeface="맑은 고딕" charset="0"/>
+                <a:ea typeface="맑은 고딕" charset="0"/>
+              </a:rPr>
+            </a:br>
             <a:r>
               <a:rPr lang="ko-KR" sz="2000">
                 <a:latin typeface="맑은 고딕" charset="0"/>
                 <a:ea typeface="맑은 고딕" charset="0"/>
               </a:rPr>
               <a:t>   </a:t>
-            </a:r>
-            <a:r>
-              <a:rPr lang="ko-KR" sz="1000">
-                <a:latin typeface="맑은 고딕" charset="0"/>
-                <a:ea typeface="맑은 고딕" charset="0"/>
-              </a:rPr>
-              <a:t>●</a:t>
-            </a:r>
-            <a:r>
-              <a:rPr lang="ko-KR" sz="1500">
-                <a:latin typeface="맑은 고딕" charset="0"/>
-                <a:ea typeface="맑은 고딕" charset="0"/>
-              </a:rPr>
-              <a:t> 네비 메쉬 시스템 설명 및 실습 </a:t>
-            </a:r>
-            <a:endParaRPr lang="ko-KR" altLang="en-US" sz="1500">
-              <a:latin typeface="맑은 고딕" charset="0"/>
-              <a:ea typeface="맑은 고딕" charset="0"/>
-            </a:endParaRPr>
-          </a:p>
-          <a:p>
-            <a:pPr marL="0" indent="0" algn="l" latinLnBrk="0" hangingPunct="1">
-              <a:buFontTx/>
-              <a:buNone/>
-            </a:pPr>
-            <a:endParaRPr lang="ko-KR" altLang="en-US" sz="1000">
-              <a:latin typeface="맑은 고딕" charset="0"/>
-              <a:ea typeface="맑은 고딕" charset="0"/>
-            </a:endParaRPr>
-          </a:p>
-          <a:p>
-            <a:pPr marL="0" indent="0" algn="l" latinLnBrk="0" hangingPunct="1">
-              <a:buFontTx/>
-              <a:buNone/>
-            </a:pPr>
-            <a:r>
-              <a:rPr lang="ko-KR" sz="2000">
-                <a:latin typeface="맑은 고딕" charset="0"/>
-                <a:ea typeface="맑은 고딕" charset="0"/>
-              </a:rPr>
-              <a:t>   </a:t>
-            </a:r>
-            <a:r>
-              <a:rPr lang="ko-KR" sz="1000">
-                <a:latin typeface="맑은 고딕" charset="0"/>
-                <a:ea typeface="맑은 고딕" charset="0"/>
-              </a:rPr>
-              <a:t>● </a:t>
-            </a:r>
-            <a:r>
-              <a:rPr lang="ko-KR" sz="1500">
-                <a:latin typeface="맑은 고딕" charset="0"/>
-                <a:ea typeface="맑은 고딕" charset="0"/>
-              </a:rPr>
-              <a:t>위치 추적 및 순찰 기능 제작 </a:t>
-            </a:r>
-            <a:endParaRPr lang="ko-KR" altLang="en-US" sz="1500">
-              <a:latin typeface="맑은 고딕" charset="0"/>
-              <a:ea typeface="맑은 고딕" charset="0"/>
-            </a:endParaRPr>
-          </a:p>
-          <a:p>
-            <a:pPr marL="0" indent="0" algn="l" latinLnBrk="0" hangingPunct="1">
-              <a:buFontTx/>
-              <a:buNone/>
-            </a:pPr>
-            <a:endParaRPr lang="ko-KR" altLang="en-US" sz="1000">
-              <a:latin typeface="맑은 고딕" charset="0"/>
-              <a:ea typeface="맑은 고딕" charset="0"/>
-            </a:endParaRPr>
-          </a:p>
-          <a:p>
-            <a:pPr marL="0" indent="0" algn="l" latinLnBrk="0" hangingPunct="1">
-              <a:buFontTx/>
-              <a:buNone/>
-            </a:pPr>
-            <a:r>
-              <a:rPr lang="ko-KR" sz="1000">
-                <a:latin typeface="맑은 고딕" charset="0"/>
-                <a:ea typeface="맑은 고딕" charset="0"/>
-              </a:rPr>
-              <a:t>      ● </a:t>
-            </a:r>
-            <a:r>
-              <a:rPr lang="ko-KR" sz="1500">
-                <a:latin typeface="맑은 고딕" charset="0"/>
-                <a:ea typeface="맑은 고딕" charset="0"/>
-              </a:rPr>
-              <a:t>여러 가지 거리 계산 함수</a:t>
-            </a:r>
-            <a:r>
-              <a:rPr lang="ko-KR" sz="1500">
-                <a:latin typeface="맑은 고딕" charset="0"/>
-                <a:ea typeface="맑은 고딕" charset="0"/>
-              </a:rPr>
-              <a:t>로 거리 측정 및 거리 비교</a:t>
-            </a:r>
-            <a:endParaRPr lang="ko-KR" altLang="en-US" sz="1500">
-              <a:latin typeface="맑은 고딕" charset="0"/>
-              <a:ea typeface="맑은 고딕" charset="0"/>
-            </a:endParaRPr>
-          </a:p>
-          <a:p>
-            <a:pPr marL="0" indent="0" algn="l" latinLnBrk="0" hangingPunct="1">
-              <a:buFontTx/>
-              <a:buNone/>
-            </a:pPr>
-            <a:endParaRPr lang="ko-KR" altLang="en-US" sz="1000">
-              <a:latin typeface="맑은 고딕" charset="0"/>
-              <a:ea typeface="맑은 고딕" charset="0"/>
-            </a:endParaRPr>
-          </a:p>
-          <a:p>
-            <a:pPr marL="0" indent="0" algn="l" latinLnBrk="0" hangingPunct="1">
-              <a:buFontTx/>
-              <a:buNone/>
-            </a:pPr>
-            <a:r>
-              <a:rPr lang="ko-KR" sz="2000">
-                <a:latin typeface="맑은 고딕" charset="0"/>
-                <a:ea typeface="맑은 고딕" charset="0"/>
-              </a:rPr>
-              <a:t>18. 조명 시스템 이해 및 </a:t>
-            </a:r>
-            <a:r>
-              <a:rPr lang="ko-KR" sz="2000">
-                <a:latin typeface="맑은 고딕" charset="0"/>
-                <a:ea typeface="맑은 고딕" charset="0"/>
-              </a:rPr>
-              <a:t>조명 컴포넌트 설정</a:t>
-            </a:r>
-            <a:r>
-              <a:rPr lang="ko-KR" sz="2000">
-                <a:latin typeface="맑은 고딕" charset="0"/>
-                <a:ea typeface="맑은 고딕" charset="0"/>
-              </a:rPr>
-              <a:t> </a:t>
-            </a:r>
-            <a:r>
-              <a:rPr lang="ko-KR" sz="2000">
-                <a:latin typeface="맑은 고딕" charset="0"/>
-                <a:ea typeface="맑은 고딕" charset="0"/>
-              </a:rPr>
-              <a:t/>
-            </a:r>
-            <a:br>
-              <a:rPr lang="ko-KR" sz="2000">
-                <a:latin typeface="맑은 고딕" charset="0"/>
-                <a:ea typeface="맑은 고딕" charset="0"/>
-              </a:rPr>
-            </a:br>
-            <a:r>
-              <a:rPr lang="ko-KR" sz="2000">
-                <a:latin typeface="맑은 고딕" charset="0"/>
-                <a:ea typeface="맑은 고딕" charset="0"/>
-              </a:rPr>
-              <a:t>  </a:t>
-            </a:r>
-            <a:r>
-              <a:rPr lang="ko-KR" sz="2000">
-                <a:latin typeface="맑은 고딕" charset="0"/>
-                <a:ea typeface="맑은 고딕" charset="0"/>
-              </a:rPr>
-              <a:t> </a:t>
             </a:r>
             <a:r>
               <a:rPr lang="ko-KR" sz="1000">
@@ -11805,9 +12491,9 @@
           <p:nvPr/>
         </p:nvSpPr>
         <p:spPr>
-          <a:xfrm>
+          <a:xfrm rot="0">
             <a:off x="1031240" y="1642110"/>
-            <a:ext cx="6306820" cy="4933950"/>
+            <a:ext cx="7185025" cy="4933950"/>
           </a:xfrm>
           <a:prstGeom prst="rect"/>
           <a:noFill/>
@@ -11848,7 +12534,14 @@
                 <a:latin typeface="맑은 고딕" charset="0"/>
                 <a:ea typeface="맑은 고딕" charset="0"/>
               </a:rPr>
-              <a:t>19. 외부에서 데이터 관리</a:t>
+              <a:t>3월 25일 -</a:t>
+            </a:r>
+            <a:r>
+              <a:rPr lang="ko-KR" sz="2000">
+                <a:latin typeface="맑은 고딕" charset="0"/>
+                <a:ea typeface="맑은 고딕" charset="0"/>
+              </a:rPr>
+              <a:t> 파티클 시스템 설명 및 실습</a:t>
             </a:r>
             <a:endParaRPr lang="ko-KR" altLang="en-US" sz="2000">
               <a:latin typeface="맑은 고딕" charset="0"/>
@@ -11879,7 +12572,7 @@
                 <a:latin typeface="맑은 고딕" charset="0"/>
                 <a:ea typeface="맑은 고딕" charset="0"/>
               </a:rPr>
-              <a:t>CSV 파일을 활용한 데이터 관리 방법 및 실습</a:t>
+              <a:t>상황에 따른 연출 시스템 제작</a:t>
             </a:r>
             <a:endParaRPr lang="ko-KR" altLang="en-US" sz="1500">
               <a:latin typeface="맑은 고딕" charset="0"/>
@@ -11902,10 +12595,51 @@
               <a:buNone/>
             </a:pPr>
             <a:r>
+              <a:rPr lang="ko-KR" sz="2000">
+                <a:latin typeface="맑은 고딕" charset="0"/>
+                <a:ea typeface="맑은 고딕" charset="0"/>
+              </a:rPr>
+              <a:t>   </a:t>
+            </a:r>
+            <a:r>
               <a:rPr lang="ko-KR" sz="1000">
                 <a:latin typeface="맑은 고딕" charset="0"/>
                 <a:ea typeface="맑은 고딕" charset="0"/>
               </a:rPr>
+              <a:t>● </a:t>
+            </a:r>
+            <a:r>
+              <a:rPr lang="ko-KR" sz="1500">
+                <a:latin typeface="맑은 고딕" charset="0"/>
+                <a:ea typeface="맑은 고딕" charset="0"/>
+              </a:rPr>
+              <a:t>파티클 컴포넌트 설명 및 이해</a:t>
+            </a:r>
+            <a:endParaRPr lang="ko-KR" altLang="en-US" sz="1500">
+              <a:latin typeface="맑은 고딕" charset="0"/>
+              <a:ea typeface="맑은 고딕" charset="0"/>
+            </a:endParaRPr>
+          </a:p>
+          <a:p>
+            <a:pPr marL="0" indent="0" algn="l" latinLnBrk="0" hangingPunct="1">
+              <a:buFontTx/>
+              <a:buNone/>
+            </a:pPr>
+            <a:endParaRPr lang="ko-KR" altLang="en-US" sz="1000">
+              <a:latin typeface="맑은 고딕" charset="0"/>
+              <a:ea typeface="맑은 고딕" charset="0"/>
+            </a:endParaRPr>
+          </a:p>
+          <a:p>
+            <a:pPr marL="0" indent="0" algn="l" latinLnBrk="0" hangingPunct="1">
+              <a:buFontTx/>
+              <a:buNone/>
+            </a:pPr>
+            <a:r>
+              <a:rPr lang="ko-KR" sz="1000">
+                <a:latin typeface="맑은 고딕" charset="0"/>
+                <a:ea typeface="맑은 고딕" charset="0"/>
+              </a:rPr>
               <a:t>      ● </a:t>
             </a:r>
             <a:r>
@@ -11913,7 +12647,7 @@
                 <a:latin typeface="맑은 고딕" charset="0"/>
                 <a:ea typeface="맑은 고딕" charset="0"/>
               </a:rPr>
-              <a:t>텍스트 파일을 활용한 데이터 관리 방법 및 실습</a:t>
+              <a:t>날씨 효과 설정 및 실습</a:t>
             </a:r>
             <a:endParaRPr lang="ko-KR" altLang="en-US" sz="1500">
               <a:latin typeface="맑은 고딕" charset="0"/>
@@ -11936,10 +12670,82 @@
               <a:buNone/>
             </a:pPr>
             <a:r>
+              <a:rPr lang="ko-KR" sz="2000">
+                <a:latin typeface="맑은 고딕" charset="0"/>
+                <a:ea typeface="맑은 고딕" charset="0"/>
+              </a:rPr>
+              <a:t>3월 28일 -</a:t>
+            </a:r>
+            <a:r>
+              <a:rPr lang="ko-KR" sz="2000">
+                <a:latin typeface="맑은 고딕" charset="0"/>
+                <a:ea typeface="맑은 고딕" charset="0"/>
+              </a:rPr>
+              <a:t> 외부에서 데이터 관리</a:t>
+            </a:r>
+            <a:endParaRPr lang="ko-KR" altLang="en-US" sz="2000">
+              <a:latin typeface="맑은 고딕" charset="0"/>
+              <a:ea typeface="맑은 고딕" charset="0"/>
+            </a:endParaRPr>
+          </a:p>
+          <a:p>
+            <a:pPr marL="0" indent="0" algn="l" latinLnBrk="0" hangingPunct="1">
+              <a:buFontTx/>
+              <a:buNone/>
+            </a:pPr>
+            <a:r>
+              <a:rPr lang="ko-KR" sz="2000">
+                <a:latin typeface="맑은 고딕" charset="0"/>
+                <a:ea typeface="맑은 고딕" charset="0"/>
+              </a:rPr>
+              <a:t>   </a:t>
+            </a:r>
+            <a:r>
               <a:rPr lang="ko-KR" sz="1000">
                 <a:latin typeface="맑은 고딕" charset="0"/>
                 <a:ea typeface="맑은 고딕" charset="0"/>
               </a:rPr>
+              <a:t>● </a:t>
+            </a:r>
+            <a:r>
+              <a:rPr lang="ko-KR" sz="1500">
+                <a:latin typeface="맑은 고딕" charset="0"/>
+                <a:ea typeface="맑은 고딕" charset="0"/>
+              </a:rPr>
+              <a:t>CSV 파일을 활용한 데이터 관리 방법</a:t>
+            </a:r>
+            <a:r>
+              <a:rPr lang="ko-KR" sz="1500">
+                <a:latin typeface="맑은 고딕" charset="0"/>
+                <a:ea typeface="맑은 고딕" charset="0"/>
+              </a:rPr>
+              <a:t> 설명</a:t>
+            </a:r>
+            <a:endParaRPr lang="ko-KR" altLang="en-US" sz="1500">
+              <a:latin typeface="맑은 고딕" charset="0"/>
+              <a:ea typeface="맑은 고딕" charset="0"/>
+            </a:endParaRPr>
+          </a:p>
+          <a:p>
+            <a:pPr marL="0" indent="0" algn="l" latinLnBrk="0" hangingPunct="1">
+              <a:buFontTx/>
+              <a:buNone/>
+            </a:pPr>
+            <a:endParaRPr lang="ko-KR" altLang="en-US" sz="1000">
+              <a:latin typeface="맑은 고딕" charset="0"/>
+              <a:ea typeface="맑은 고딕" charset="0"/>
+            </a:endParaRPr>
+          </a:p>
+          <a:p>
+            <a:pPr marL="0" indent="0" algn="l" latinLnBrk="0" hangingPunct="1">
+              <a:buFontTx/>
+              <a:buNone/>
+            </a:pPr>
+            <a:r>
+              <a:rPr lang="ko-KR" sz="1000">
+                <a:latin typeface="맑은 고딕" charset="0"/>
+                <a:ea typeface="맑은 고딕" charset="0"/>
+              </a:rPr>
               <a:t>      ● </a:t>
             </a:r>
             <a:r>
@@ -11947,7 +12753,14 @@
                 <a:latin typeface="맑은 고딕" charset="0"/>
                 <a:ea typeface="맑은 고딕" charset="0"/>
               </a:rPr>
-              <a:t>서버에 있는 데이터 관리 및 불러오기</a:t>
+              <a:t>텍스트 파일을 활용한 데이터 관리 방법</a:t>
+            </a:r>
+            <a:r>
+              <a:rPr lang="ko-KR" sz="1500">
+                <a:latin typeface="맑은 고딕" charset="0"/>
+                <a:ea typeface="맑은 고딕" charset="0"/>
+              </a:rPr>
+              <a:t> 설명</a:t>
             </a:r>
             <a:endParaRPr lang="ko-KR" altLang="en-US" sz="1500">
               <a:latin typeface="맑은 고딕" charset="0"/>
@@ -11970,22 +12783,66 @@
               <a:buNone/>
             </a:pPr>
             <a:r>
-              <a:rPr lang="ko-KR" sz="2000">
-                <a:latin typeface="맑은 고딕" charset="0"/>
-                <a:ea typeface="맑은 고딕" charset="0"/>
-              </a:rPr>
-              <a:t>20. REST API 통신 </a:t>
-            </a:r>
-            <a:endParaRPr lang="ko-KR" altLang="en-US" sz="2000">
-              <a:latin typeface="맑은 고딕" charset="0"/>
-              <a:ea typeface="맑은 고딕" charset="0"/>
-            </a:endParaRPr>
-          </a:p>
-          <a:p>
-            <a:pPr marL="0" indent="0" algn="l" latinLnBrk="0" hangingPunct="1">
-              <a:buFontTx/>
-              <a:buNone/>
-            </a:pPr>
+              <a:rPr lang="ko-KR" sz="1000">
+                <a:latin typeface="맑은 고딕" charset="0"/>
+                <a:ea typeface="맑은 고딕" charset="0"/>
+              </a:rPr>
+              <a:t>      ● </a:t>
+            </a:r>
+            <a:r>
+              <a:rPr lang="ko-KR" sz="1500">
+                <a:latin typeface="맑은 고딕" charset="0"/>
+                <a:ea typeface="맑은 고딕" charset="0"/>
+              </a:rPr>
+              <a:t>JSON 데이터 관리 방법 설명</a:t>
+            </a:r>
+            <a:endParaRPr lang="ko-KR" altLang="en-US" sz="1500">
+              <a:latin typeface="맑은 고딕" charset="0"/>
+              <a:ea typeface="맑은 고딕" charset="0"/>
+            </a:endParaRPr>
+          </a:p>
+          <a:p>
+            <a:pPr marL="0" indent="0" algn="l" latinLnBrk="0" hangingPunct="1">
+              <a:buFontTx/>
+              <a:buNone/>
+            </a:pPr>
+            <a:endParaRPr lang="ko-KR" altLang="en-US" sz="1000">
+              <a:latin typeface="맑은 고딕" charset="0"/>
+              <a:ea typeface="맑은 고딕" charset="0"/>
+            </a:endParaRPr>
+          </a:p>
+          <a:p>
+            <a:pPr marL="0" indent="0" algn="l" latinLnBrk="0" hangingPunct="1">
+              <a:buFontTx/>
+              <a:buNone/>
+            </a:pPr>
+            <a:r>
+              <a:rPr lang="ko-KR" sz="2000">
+                <a:latin typeface="맑은 고딕" charset="0"/>
+                <a:ea typeface="맑은 고딕" charset="0"/>
+              </a:rPr>
+              <a:t>3월 30일 -</a:t>
+            </a:r>
+            <a:r>
+              <a:rPr lang="ko-KR" sz="2000">
+                <a:latin typeface="맑은 고딕" charset="0"/>
+                <a:ea typeface="맑은 고딕" charset="0"/>
+              </a:rPr>
+              <a:t> 네트워크 통신으로 외부에 있는 데이터 불러오기</a:t>
+            </a:r>
+            <a:r>
+              <a:rPr lang="ko-KR" sz="2000">
+                <a:latin typeface="맑은 고딕" charset="0"/>
+                <a:ea typeface="맑은 고딕" charset="0"/>
+              </a:rPr>
+              <a:t/>
+            </a:r>
+            <a:br>
+              <a:rPr lang="ko-KR" sz="2000">
+                <a:latin typeface="맑은 고딕" charset="0"/>
+                <a:ea typeface="맑은 고딕" charset="0"/>
+              </a:rPr>
+            </a:br>
             <a:r>
               <a:rPr lang="ko-KR" sz="2000">
                 <a:latin typeface="맑은 고딕" charset="0"/>
@@ -12005,7 +12862,7 @@
                 <a:latin typeface="맑은 고딕" charset="0"/>
                 <a:ea typeface="맑은 고딕" charset="0"/>
               </a:rPr>
-              <a:t>WebRequest 함수 사용 방법 및 활용</a:t>
+              <a:t>코루틴의 다양한 활용 방법 및 사용</a:t>
             </a:r>
             <a:endParaRPr lang="ko-KR" altLang="en-US" sz="1500">
               <a:latin typeface="맑은 고딕" charset="0"/>
@@ -12028,25 +12885,18 @@
               <a:buNone/>
             </a:pPr>
             <a:r>
-              <a:rPr lang="ko-KR" sz="2000">
-                <a:latin typeface="맑은 고딕" charset="0"/>
-                <a:ea typeface="맑은 고딕" charset="0"/>
-              </a:rPr>
-              <a:t>   </a:t>
-            </a:r>
-            <a:r>
               <a:rPr lang="ko-KR" sz="1000">
                 <a:latin typeface="맑은 고딕" charset="0"/>
                 <a:ea typeface="맑은 고딕" charset="0"/>
               </a:rPr>
-              <a:t>● </a:t>
+              <a:t>      ● </a:t>
             </a:r>
             <a:r>
               <a:rPr lang="ko-KR" sz="1500">
                 <a:latin typeface="맑은 고딕" charset="0"/>
                 <a:ea typeface="맑은 고딕" charset="0"/>
               </a:rPr>
-              <a:t>Get 전달 방법과 Post 전달 방법 실습 </a:t>
+              <a:t>웹사이트에서 이미지 가져오기</a:t>
             </a:r>
             <a:endParaRPr lang="ko-KR" altLang="en-US" sz="1500">
               <a:latin typeface="맑은 고딕" charset="0"/>
@@ -12058,6 +12908,13 @@
               <a:buFontTx/>
               <a:buNone/>
             </a:pPr>
+            <a:r>
+              <a:rPr lang="ko-KR" sz="1000">
+                <a:latin typeface="맑은 고딕" charset="0"/>
+                <a:ea typeface="맑은 고딕" charset="0"/>
+              </a:rPr>
+              <a:t>     </a:t>
+            </a:r>
             <a:endParaRPr lang="ko-KR" altLang="en-US" sz="1000">
               <a:latin typeface="맑은 고딕" charset="0"/>
               <a:ea typeface="맑은 고딕" charset="0"/>
@@ -12080,157 +12937,7 @@
                 <a:latin typeface="맑은 고딕" charset="0"/>
                 <a:ea typeface="맑은 고딕" charset="0"/>
               </a:rPr>
-              <a:t>WWW 클래스 header와 body 관리법</a:t>
-            </a:r>
-            <a:endParaRPr lang="ko-KR" altLang="en-US" sz="1500">
-              <a:latin typeface="맑은 고딕" charset="0"/>
-              <a:ea typeface="맑은 고딕" charset="0"/>
-            </a:endParaRPr>
-          </a:p>
-          <a:p>
-            <a:pPr marL="0" indent="0" algn="l" latinLnBrk="0" hangingPunct="1">
-              <a:buFontTx/>
-              <a:buNone/>
-            </a:pPr>
-            <a:endParaRPr lang="ko-KR" altLang="en-US" sz="1000">
-              <a:latin typeface="맑은 고딕" charset="0"/>
-              <a:ea typeface="맑은 고딕" charset="0"/>
-            </a:endParaRPr>
-          </a:p>
-          <a:p>
-            <a:pPr marL="0" indent="0" algn="l" latinLnBrk="0" hangingPunct="1">
-              <a:buFontTx/>
-              <a:buNone/>
-            </a:pPr>
-            <a:r>
-              <a:rPr lang="ko-KR" sz="2000">
-                <a:latin typeface="맑은 고딕" charset="0"/>
-                <a:ea typeface="맑은 고딕" charset="0"/>
-              </a:rPr>
-              <a:t>21. </a:t>
-            </a:r>
-            <a:r>
-              <a:rPr lang="ko-KR" sz="2000">
-                <a:latin typeface="맑은 고딕" charset="0"/>
-                <a:ea typeface="맑은 고딕" charset="0"/>
-              </a:rPr>
-              <a:t>AI 시스템 사용 방법 및 적용</a:t>
-            </a:r>
-            <a:r>
-              <a:rPr lang="ko-KR" sz="2000">
-                <a:latin typeface="맑은 고딕" charset="0"/>
-                <a:ea typeface="맑은 고딕" charset="0"/>
-              </a:rPr>
-              <a:t/>
-            </a:r>
-            <a:br>
-              <a:rPr lang="ko-KR" sz="2000">
-                <a:latin typeface="맑은 고딕" charset="0"/>
-                <a:ea typeface="맑은 고딕" charset="0"/>
-              </a:rPr>
-            </a:br>
-            <a:r>
-              <a:rPr lang="ko-KR" sz="2000">
-                <a:latin typeface="맑은 고딕" charset="0"/>
-                <a:ea typeface="맑은 고딕" charset="0"/>
-              </a:rPr>
-              <a:t>   </a:t>
-            </a:r>
-            <a:r>
-              <a:rPr lang="ko-KR" sz="1000">
-                <a:latin typeface="맑은 고딕" charset="0"/>
-                <a:ea typeface="맑은 고딕" charset="0"/>
-              </a:rPr>
-              <a:t>● </a:t>
-            </a:r>
-            <a:r>
-              <a:rPr lang="ko-KR" sz="1500">
-                <a:latin typeface="맑은 고딕" charset="0"/>
-                <a:ea typeface="맑은 고딕" charset="0"/>
-              </a:rPr>
-              <a:t>네비메쉬 에이전트를 이용한 경로 계산</a:t>
-            </a:r>
-            <a:endParaRPr lang="ko-KR" altLang="en-US" sz="1500">
-              <a:latin typeface="맑은 고딕" charset="0"/>
-              <a:ea typeface="맑은 고딕" charset="0"/>
-            </a:endParaRPr>
-          </a:p>
-          <a:p>
-            <a:pPr marL="0" indent="0" algn="l" latinLnBrk="0" hangingPunct="1">
-              <a:buFontTx/>
-              <a:buNone/>
-            </a:pPr>
-            <a:endParaRPr lang="ko-KR" altLang="en-US" sz="1000">
-              <a:latin typeface="맑은 고딕" charset="0"/>
-              <a:ea typeface="맑은 고딕" charset="0"/>
-            </a:endParaRPr>
-          </a:p>
-          <a:p>
-            <a:pPr marL="0" indent="0" algn="l" latinLnBrk="0" hangingPunct="1">
-              <a:buFontTx/>
-              <a:buNone/>
-            </a:pPr>
-            <a:r>
-              <a:rPr lang="ko-KR" sz="1000">
-                <a:latin typeface="맑은 고딕" charset="0"/>
-                <a:ea typeface="맑은 고딕" charset="0"/>
-              </a:rPr>
-              <a:t>      ● </a:t>
-            </a:r>
-            <a:r>
-              <a:rPr lang="ko-KR" sz="1500">
-                <a:latin typeface="맑은 고딕" charset="0"/>
-                <a:ea typeface="맑은 고딕" charset="0"/>
-              </a:rPr>
-              <a:t>네비메쉬 장애물을 활용하여 경로 차단</a:t>
-            </a:r>
-            <a:endParaRPr lang="ko-KR" altLang="en-US" sz="1500">
-              <a:latin typeface="맑은 고딕" charset="0"/>
-              <a:ea typeface="맑은 고딕" charset="0"/>
-            </a:endParaRPr>
-          </a:p>
-          <a:p>
-            <a:pPr marL="0" indent="0" algn="l" latinLnBrk="0" hangingPunct="1">
-              <a:buFontTx/>
-              <a:buNone/>
-            </a:pPr>
-            <a:r>
-              <a:rPr lang="ko-KR" sz="1000">
-                <a:latin typeface="맑은 고딕" charset="0"/>
-                <a:ea typeface="맑은 고딕" charset="0"/>
-              </a:rPr>
-              <a:t>     </a:t>
-            </a:r>
-            <a:endParaRPr lang="ko-KR" altLang="en-US" sz="1000">
-              <a:latin typeface="맑은 고딕" charset="0"/>
-              <a:ea typeface="맑은 고딕" charset="0"/>
-            </a:endParaRPr>
-          </a:p>
-          <a:p>
-            <a:pPr marL="0" indent="0" algn="l" latinLnBrk="0" hangingPunct="1">
-              <a:buFontTx/>
-              <a:buNone/>
-            </a:pPr>
-            <a:r>
-              <a:rPr lang="ko-KR" sz="1000">
-                <a:latin typeface="맑은 고딕" charset="0"/>
-                <a:ea typeface="맑은 고딕" charset="0"/>
-              </a:rPr>
-              <a:t>      ● </a:t>
-            </a:r>
-            <a:r>
-              <a:rPr lang="ko-KR" sz="1500">
-                <a:latin typeface="맑은 고딕" charset="0"/>
-                <a:ea typeface="맑은 고딕" charset="0"/>
-              </a:rPr>
-              <a:t>게임 오브젝트가 이동할 수 있는 위치와 높이 설정 </a:t>
-            </a:r>
-            <a:r>
-              <a:rPr lang="ko-KR" sz="1500">
-                <a:latin typeface="맑은 고딕" charset="0"/>
-                <a:ea typeface="맑은 고딕" charset="0"/>
-              </a:rPr>
-              <a:t> </a:t>
+              <a:t>네트워크 시간 가져오기 </a:t>
             </a:r>
             <a:endParaRPr lang="ko-KR" altLang="en-US" sz="1500">
               <a:latin typeface="맑은 고딕" charset="0"/>
@@ -12379,7 +13086,7 @@
         <p:spPr>
           <a:xfrm>
             <a:off x="1031240" y="1642110"/>
-            <a:ext cx="6308090" cy="4933950"/>
+            <a:ext cx="6308725" cy="4933950"/>
           </a:xfrm>
           <a:prstGeom prst="rect"/>
           <a:noFill/>
@@ -12420,14 +13127,14 @@
                 <a:latin typeface="맑은 고딕" charset="0"/>
                 <a:ea typeface="맑은 고딕" charset="0"/>
               </a:rPr>
-              <a:t>22. </a:t>
-            </a:r>
-            <a:r>
-              <a:rPr lang="ko-KR" sz="2000">
-                <a:latin typeface="맑은 고딕" charset="0"/>
-                <a:ea typeface="맑은 고딕" charset="0"/>
-              </a:rPr>
-              <a:t>지형 정보 설명 및 제작 </a:t>
+              <a:t>4월 1일 -</a:t>
+            </a:r>
+            <a:r>
+              <a:rPr lang="ko-KR" sz="2000">
+                <a:latin typeface="맑은 고딕" charset="0"/>
+                <a:ea typeface="맑은 고딕" charset="0"/>
+              </a:rPr>
+              <a:t> 지형 정보 설명 및 제작 </a:t>
             </a:r>
             <a:endParaRPr lang="ko-KR" altLang="en-US" sz="2000">
               <a:latin typeface="맑은 고딕" charset="0"/>
@@ -12553,14 +13260,14 @@
                 <a:latin typeface="맑은 고딕" charset="0"/>
                 <a:ea typeface="맑은 고딕" charset="0"/>
               </a:rPr>
-              <a:t>23. </a:t>
-            </a:r>
-            <a:r>
-              <a:rPr lang="ko-KR" sz="2000">
-                <a:latin typeface="맑은 고딕" charset="0"/>
-                <a:ea typeface="맑은 고딕" charset="0"/>
-              </a:rPr>
-              <a:t>프로젝트 (part.3)</a:t>
+              <a:t>4월 4일 -</a:t>
+            </a:r>
+            <a:r>
+              <a:rPr lang="ko-KR" sz="2000">
+                <a:latin typeface="맑은 고딕" charset="0"/>
+                <a:ea typeface="맑은 고딕" charset="0"/>
+              </a:rPr>
+              <a:t> 프로젝트 (part.3)</a:t>
             </a:r>
             <a:endParaRPr lang="ko-KR" altLang="en-US" sz="2000">
               <a:latin typeface="맑은 고딕" charset="0"/>
@@ -12693,14 +13400,14 @@
                 <a:latin typeface="맑은 고딕" charset="0"/>
                 <a:ea typeface="맑은 고딕" charset="0"/>
               </a:rPr>
-              <a:t>24. </a:t>
-            </a:r>
-            <a:r>
-              <a:rPr lang="ko-KR" sz="2000">
-                <a:latin typeface="맑은 고딕" charset="0"/>
-                <a:ea typeface="맑은 고딕" charset="0"/>
-              </a:rPr>
-              <a:t>프로젝트 (part.4)</a:t>
+              <a:t>4월 6일 -</a:t>
+            </a:r>
+            <a:r>
+              <a:rPr lang="ko-KR" sz="2000">
+                <a:latin typeface="맑은 고딕" charset="0"/>
+                <a:ea typeface="맑은 고딕" charset="0"/>
+              </a:rPr>
+              <a:t> 프로젝트 (part.4)</a:t>
             </a:r>
             <a:r>
               <a:rPr lang="ko-KR" sz="2000">

--- a/Assets/Curriculum/창신inc유니티 커리큘럼.pptx
+++ b/Assets/Curriculum/창신inc유니티 커리큘럼.pptx
@@ -2,7 +2,7 @@
 <file path=ppt/presentation.xml><?xml version="1.0" encoding="utf-8"?>
 <p:presentation xmlns:a="http://schemas.openxmlformats.org/drawingml/2006/main" xmlns:r="http://schemas.openxmlformats.org/officeDocument/2006/relationships" xmlns:p="http://schemas.openxmlformats.org/presentationml/2006/main" xmlns:p14="http://schemas.microsoft.com/office/powerpoint/2010/main" saveSubsetFonts="1" firstSlideNum="0">
   <p:sldMasterIdLst>
-    <p:sldMasterId id="2147485132" r:id="rId13"/>
+    <p:sldMasterId id="2147485147" r:id="rId13"/>
   </p:sldMasterIdLst>
   <p:notesMasterIdLst>
     <p:notesMasterId r:id="rId15"/>
@@ -21,7 +21,6 @@
     <p:sldId id="272" r:id="rId36"/>
     <p:sldId id="273" r:id="rId38"/>
     <p:sldId id="269" r:id="rId40"/>
-    <p:sldId id="277" r:id="rId42"/>
   </p:sldIdLst>
   <p:sldSz cx="12192000" cy="6858000"/>
   <p:notesSz cx="6858000" cy="9144000"/>
@@ -1048,148 +1047,6 @@
 </p:notes>
 </file>
 
-<file path=ppt/notesSlides/notesSlide14.xml><?xml version="1.0" encoding="utf-8"?>
-<p:notes xmlns:a="http://schemas.openxmlformats.org/drawingml/2006/main" xmlns:r="http://schemas.openxmlformats.org/officeDocument/2006/relationships" xmlns:p="http://schemas.openxmlformats.org/presentationml/2006/main">
-  <p:cSld>
-    <p:spTree>
-      <p:nvGrpSpPr>
-        <p:cNvPr id="1" name=""/>
-        <p:cNvGrpSpPr/>
-        <p:nvPr/>
-      </p:nvGrpSpPr>
-      <p:grpSpPr>
-        <a:xfrm>
-          <a:off x="0" y="0"/>
-          <a:ext cx="0" cy="0"/>
-          <a:chOff x="0" y="0"/>
-          <a:chExt cx="0" cy="0"/>
-        </a:xfrm>
-      </p:grpSpPr>
-      <p:sp>
-        <p:nvSpPr>
-          <p:cNvPr id="2" name="슬라이드 이미지 개체 틀 3"/>
-          <p:cNvSpPr>
-            <a:spLocks noChangeAspect="1"/>
-          </p:cNvSpPr>
-          <p:nvPr>
-            <p:ph type="sldImg" idx="2"/>
-          </p:nvPr>
-        </p:nvSpPr>
-        <p:spPr>
-          <a:xfrm rot="0">
-            <a:off x="685800" y="1143000"/>
-            <a:ext cx="5490845" cy="3090545"/>
-          </a:xfrm>
-          <a:prstGeom prst="rect"/>
-          <a:noFill/>
-          <a:ln w="12700" cap="flat" cmpd="sng">
-            <a:solidFill>
-              <a:srgbClr val="000000">
-                <a:alpha val="100000"/>
-              </a:srgbClr>
-            </a:solidFill>
-            <a:prstDash val="solid"/>
-          </a:ln>
-        </p:spPr>
-        <p:txBody>
-          <a:bodyPr wrap="square" lIns="91440" tIns="45720" rIns="91440" bIns="45720" numCol="1" vert="horz" anchor="ctr">
-            <a:noAutofit/>
-          </a:bodyPr>
-          <a:lstStyle/>
-          <a:p>
-            <a:pPr marL="0" indent="0" latinLnBrk="0">
-              <a:buFontTx/>
-              <a:buNone/>
-            </a:pPr>
-          </a:p>
-        </p:txBody>
-      </p:sp>
-      <p:sp>
-        <p:nvSpPr>
-          <p:cNvPr id="3" name="슬라이드 노트 개체 틀 4"/>
-          <p:cNvSpPr txBox="1">
-            <a:spLocks/>
-          </p:cNvSpPr>
-          <p:nvPr>
-            <p:ph type="body" idx="3"/>
-          </p:nvPr>
-        </p:nvSpPr>
-        <p:spPr>
-          <a:xfrm rot="0">
-            <a:off x="685800" y="4400550"/>
-            <a:ext cx="5490845" cy="3604895"/>
-          </a:xfrm>
-          <a:prstGeom prst="rect"/>
-        </p:spPr>
-        <p:txBody>
-          <a:bodyPr wrap="square" lIns="91440" tIns="45720" rIns="91440" bIns="45720" numCol="1" vert="horz" anchor="t">
-            <a:noAutofit/>
-          </a:bodyPr>
-          <a:lstStyle/>
-          <a:p>
-            <a:pPr marL="0" indent="0" latinLnBrk="0">
-              <a:buFontTx/>
-              <a:buNone/>
-            </a:pPr>
-          </a:p>
-        </p:txBody>
-      </p:sp>
-      <p:sp>
-        <p:nvSpPr>
-          <p:cNvPr id="4" name="슬라이드 번호 개체 틀 6"/>
-          <p:cNvSpPr txBox="1">
-            <a:spLocks/>
-          </p:cNvSpPr>
-          <p:nvPr>
-            <p:ph type="sldNum" idx="5"/>
-          </p:nvPr>
-        </p:nvSpPr>
-        <p:spPr>
-          <a:xfrm rot="0">
-            <a:off x="3884930" y="8685530"/>
-            <a:ext cx="2976245" cy="462915"/>
-          </a:xfrm>
-          <a:prstGeom prst="rect"/>
-        </p:spPr>
-        <p:txBody>
-          <a:bodyPr wrap="square" lIns="91440" tIns="45720" rIns="91440" bIns="45720" numCol="1" vert="horz" anchor="b">
-            <a:noAutofit/>
-          </a:bodyPr>
-          <a:lstStyle>
-            <a:lvl1pPr marL="0" indent="0" algn="r" latinLnBrk="0">
-              <a:buFontTx/>
-              <a:buNone/>
-              <a:defRPr lang="en-GB" altLang="en-US" sz="1200"/>
-            </a:lvl1pPr>
-          </a:lstStyle>
-          <a:p>
-            <a:pPr marL="0" indent="0" latinLnBrk="0">
-              <a:buFontTx/>
-              <a:buNone/>
-            </a:pPr>
-            <a:fld id="{B9320F77-B9A0-41C5-862A-B4B631284C64}" type="slidenum">
-              <a:rPr lang="ko-KR" altLang="en-US"/>
-              <a:t>‹#›</a:t>
-            </a:fld>
-          </a:p>
-        </p:txBody>
-      </p:sp>
-    </p:spTree>
-  </p:cSld>
-  <p:clrMapOvr>
-    <a:masterClrMapping/>
-  </p:clrMapOvr>
-  <mc:AlternateContent xmlns:mc="http://schemas.openxmlformats.org/markup-compatibility/2006">
-    <mc:Choice xmlns:p14="http://schemas.microsoft.com/office/powerpoint/2010/main" Requires="p14">
-      <p:transition spd="slow" p14:dur="0"/>
-    </mc:Choice>
-    <mc:Fallback>
-      <p:transition spd="slow"/>
-    </mc:Fallback>
-  </mc:AlternateContent>
-</p:notes>
-</file>
-
 <file path=ppt/notesSlides/notesSlide2.xml><?xml version="1.0" encoding="utf-8"?>
 <p:notes xmlns:a="http://schemas.openxmlformats.org/drawingml/2006/main" xmlns:r="http://schemas.openxmlformats.org/officeDocument/2006/relationships" xmlns:p="http://schemas.openxmlformats.org/presentationml/2006/main">
   <p:cSld>
@@ -5921,14 +5778,14 @@
       </p:grpSpPr>
       <p:pic>
         <p:nvPicPr>
-          <p:cNvPr id="2" name="그림 1" descr="C:/Users/Admin1/AppData/Roaming/PolarisOffice/ETemp/8856_15770520/fImage5534313041.png"/>
+          <p:cNvPr id="2" name="그림 1" descr="C:/Users/Admin1/AppData/Roaming/PolarisOffice/ETemp/13756_19630312/fImage5467912241.png"/>
           <p:cNvPicPr>
             <a:picLocks noChangeAspect="1"/>
           </p:cNvPicPr>
           <p:nvPr/>
         </p:nvPicPr>
         <p:blipFill rotWithShape="1">
-          <a:blip r:embed="rId5" cstate="print">
+          <a:blip r:embed="rId6" cstate="print">
             <a:extLst>
               <a:ext uri="{28A0092B-C50C-407E-A947-70E740481C1C}">
                 <a14:useLocalDpi xmlns:a14="http://schemas.microsoft.com/office/drawing/2010/main" val="0"/>
@@ -5941,8 +5798,8 @@
         </p:blipFill>
         <p:spPr>
           <a:xfrm rot="0">
-            <a:off x="0" y="12065"/>
-            <a:ext cx="12192635" cy="6846570"/>
+            <a:off x="0" y="0"/>
+            <a:ext cx="12192635" cy="6858635"/>
           </a:xfrm>
           <a:prstGeom prst="rect"/>
           <a:noFill/>
@@ -6086,9 +5943,9 @@
           <p:nvPr/>
         </p:nvSpPr>
         <p:spPr>
-          <a:xfrm>
-            <a:off x="1031240" y="1642110"/>
-            <a:ext cx="6308090" cy="4933950"/>
+          <a:xfrm rot="0">
+            <a:off x="859790" y="1470660"/>
+            <a:ext cx="6308725" cy="5087620"/>
           </a:xfrm>
           <a:prstGeom prst="rect"/>
           <a:noFill/>
@@ -6129,15 +5986,155 @@
                 <a:latin typeface="맑은 고딕" charset="0"/>
                 <a:ea typeface="맑은 고딕" charset="0"/>
               </a:rPr>
-              <a:t>4월 8일 -</a:t>
-            </a:r>
-            <a:r>
-              <a:rPr lang="ko-KR" sz="2000">
-                <a:latin typeface="맑은 고딕" charset="0"/>
-                <a:ea typeface="맑은 고딕" charset="0"/>
-              </a:rPr>
-              <a:t> 포톤 네트워크 사용 방법</a:t>
-            </a:r>
+              <a:t>4월 </a:t>
+            </a:r>
+            <a:r>
+              <a:rPr lang="ko-KR" sz="2000">
+                <a:latin typeface="맑은 고딕" charset="0"/>
+                <a:ea typeface="맑은 고딕" charset="0"/>
+              </a:rPr>
+              <a:t>22</a:t>
+            </a:r>
+            <a:r>
+              <a:rPr lang="ko-KR" sz="2000">
+                <a:latin typeface="맑은 고딕" charset="0"/>
+                <a:ea typeface="맑은 고딕" charset="0"/>
+              </a:rPr>
+              <a:t>일 - 프로젝트 (part.</a:t>
+            </a:r>
+            <a:r>
+              <a:rPr lang="ko-KR" sz="2000">
+                <a:latin typeface="맑은 고딕" charset="0"/>
+                <a:ea typeface="맑은 고딕" charset="0"/>
+              </a:rPr>
+              <a:t>5</a:t>
+            </a:r>
+            <a:r>
+              <a:rPr lang="ko-KR" sz="2000">
+                <a:latin typeface="맑은 고딕" charset="0"/>
+                <a:ea typeface="맑은 고딕" charset="0"/>
+              </a:rPr>
+              <a:t>)</a:t>
+            </a:r>
+            <a:r>
+              <a:rPr lang="ko-KR" sz="2000">
+                <a:latin typeface="맑은 고딕" charset="0"/>
+                <a:ea typeface="맑은 고딕" charset="0"/>
+              </a:rPr>
+              <a:t/>
+            </a:r>
+            <a:br>
+              <a:rPr lang="ko-KR" sz="2000">
+                <a:latin typeface="맑은 고딕" charset="0"/>
+                <a:ea typeface="맑은 고딕" charset="0"/>
+              </a:rPr>
+            </a:br>
+            <a:r>
+              <a:rPr lang="ko-KR" sz="2000">
+                <a:latin typeface="맑은 고딕" charset="0"/>
+                <a:ea typeface="맑은 고딕" charset="0"/>
+              </a:rPr>
+              <a:t>   </a:t>
+            </a:r>
+            <a:r>
+              <a:rPr lang="ko-KR" sz="1000">
+                <a:latin typeface="맑은 고딕" charset="0"/>
+                <a:ea typeface="맑은 고딕" charset="0"/>
+              </a:rPr>
+              <a:t>● </a:t>
+            </a:r>
+            <a:r>
+              <a:rPr lang="ko-KR" sz="1500">
+                <a:latin typeface="맑은 고딕" charset="0"/>
+                <a:ea typeface="맑은 고딕" charset="0"/>
+              </a:rPr>
+              <a:t>오브젝트가 적재되면 운반하는 배송 시스템 구현</a:t>
+            </a:r>
+            <a:endParaRPr lang="ko-KR" altLang="en-US" sz="1500">
+              <a:latin typeface="맑은 고딕" charset="0"/>
+              <a:ea typeface="맑은 고딕" charset="0"/>
+            </a:endParaRPr>
+          </a:p>
+          <a:p>
+            <a:pPr marL="0" indent="0" algn="l" latinLnBrk="0" hangingPunct="1">
+              <a:buFontTx/>
+              <a:buNone/>
+            </a:pPr>
+            <a:endParaRPr lang="ko-KR" altLang="en-US" sz="1000">
+              <a:latin typeface="맑은 고딕" charset="0"/>
+              <a:ea typeface="맑은 고딕" charset="0"/>
+            </a:endParaRPr>
+          </a:p>
+          <a:p>
+            <a:pPr marL="0" indent="0" algn="l" latinLnBrk="0" hangingPunct="1">
+              <a:buFontTx/>
+              <a:buNone/>
+            </a:pPr>
+            <a:r>
+              <a:rPr lang="ko-KR" sz="1000">
+                <a:latin typeface="맑은 고딕" charset="0"/>
+                <a:ea typeface="맑은 고딕" charset="0"/>
+              </a:rPr>
+              <a:t>      ● </a:t>
+            </a:r>
+            <a:r>
+              <a:rPr lang="ko-KR" sz="1500">
+                <a:latin typeface="맑은 고딕" charset="0"/>
+                <a:ea typeface="맑은 고딕" charset="0"/>
+              </a:rPr>
+              <a:t>오브젝트를 검출하여 원하는 위치로 이동하는 시스템 설계</a:t>
+            </a:r>
+            <a:endParaRPr lang="ko-KR" altLang="en-US" sz="1500">
+              <a:latin typeface="맑은 고딕" charset="0"/>
+              <a:ea typeface="맑은 고딕" charset="0"/>
+            </a:endParaRPr>
+          </a:p>
+          <a:p>
+            <a:pPr marL="0" indent="0" algn="l" latinLnBrk="0" hangingPunct="1">
+              <a:buFontTx/>
+              <a:buNone/>
+            </a:pPr>
+            <a:r>
+              <a:rPr lang="ko-KR" sz="1000">
+                <a:latin typeface="맑은 고딕" charset="0"/>
+                <a:ea typeface="맑은 고딕" charset="0"/>
+              </a:rPr>
+              <a:t>     </a:t>
+            </a:r>
+            <a:endParaRPr lang="ko-KR" altLang="en-US" sz="1000">
+              <a:latin typeface="맑은 고딕" charset="0"/>
+              <a:ea typeface="맑은 고딕" charset="0"/>
+            </a:endParaRPr>
+          </a:p>
+          <a:p>
+            <a:pPr marL="0" indent="0" algn="l" latinLnBrk="0" hangingPunct="1">
+              <a:buFontTx/>
+              <a:buNone/>
+            </a:pPr>
+            <a:r>
+              <a:rPr lang="ko-KR" sz="1000">
+                <a:latin typeface="맑은 고딕" charset="0"/>
+                <a:ea typeface="맑은 고딕" charset="0"/>
+              </a:rPr>
+              <a:t>      ● </a:t>
+            </a:r>
+            <a:r>
+              <a:rPr lang="ko-KR" sz="1500">
+                <a:latin typeface="맑은 고딕" charset="0"/>
+                <a:ea typeface="맑은 고딕" charset="0"/>
+              </a:rPr>
+              <a:t>AI 컴포넌트를 활용하여 경비 시스템 설정</a:t>
+            </a:r>
+            <a:endParaRPr lang="ko-KR" altLang="en-US" sz="1500">
+              <a:latin typeface="맑은 고딕" charset="0"/>
+              <a:ea typeface="맑은 고딕" charset="0"/>
+            </a:endParaRPr>
+          </a:p>
+          <a:p>
+            <a:pPr marL="0" indent="0" algn="l" latinLnBrk="0" hangingPunct="1">
+              <a:buFontTx/>
+              <a:buNone/>
+            </a:pPr>
             <a:endParaRPr lang="ko-KR" altLang="en-US" sz="2000">
               <a:latin typeface="맑은 고딕" charset="0"/>
               <a:ea typeface="맑은 고딕" charset="0"/>
@@ -6153,6 +6150,37 @@
                 <a:latin typeface="맑은 고딕" charset="0"/>
                 <a:ea typeface="맑은 고딕" charset="0"/>
               </a:rPr>
+              <a:t>4월 </a:t>
+            </a:r>
+            <a:r>
+              <a:rPr lang="ko-KR" sz="2000">
+                <a:latin typeface="맑은 고딕" charset="0"/>
+                <a:ea typeface="맑은 고딕" charset="0"/>
+              </a:rPr>
+              <a:t>25</a:t>
+            </a:r>
+            <a:r>
+              <a:rPr lang="ko-KR" sz="2000">
+                <a:latin typeface="맑은 고딕" charset="0"/>
+                <a:ea typeface="맑은 고딕" charset="0"/>
+              </a:rPr>
+              <a:t>일 - 포톤 네트워크 사용 방법</a:t>
+            </a:r>
+            <a:endParaRPr lang="ko-KR" altLang="en-US" sz="2000">
+              <a:latin typeface="맑은 고딕" charset="0"/>
+              <a:ea typeface="맑은 고딕" charset="0"/>
+            </a:endParaRPr>
+          </a:p>
+          <a:p>
+            <a:pPr marL="0" indent="0" algn="l" latinLnBrk="0" hangingPunct="1">
+              <a:buFontTx/>
+              <a:buNone/>
+            </a:pPr>
+            <a:r>
+              <a:rPr lang="ko-KR" sz="2000">
+                <a:latin typeface="맑은 고딕" charset="0"/>
+                <a:ea typeface="맑은 고딕" charset="0"/>
+              </a:rPr>
               <a:t>   </a:t>
             </a:r>
             <a:r>
@@ -6262,14 +6290,21 @@
                 <a:latin typeface="맑은 고딕" charset="0"/>
                 <a:ea typeface="맑은 고딕" charset="0"/>
               </a:rPr>
-              <a:t>4월 11일 -</a:t>
-            </a:r>
-            <a:r>
-              <a:rPr lang="ko-KR" sz="2000">
-                <a:latin typeface="맑은 고딕" charset="0"/>
-                <a:ea typeface="맑은 고딕" charset="0"/>
-              </a:rPr>
-              <a:t> 포톤 네트워크의 설정 작업 (1)</a:t>
+              <a:t>4월 </a:t>
+            </a:r>
+            <a:r>
+              <a:rPr lang="ko-KR" sz="2000">
+                <a:latin typeface="맑은 고딕" charset="0"/>
+                <a:ea typeface="맑은 고딕" charset="0"/>
+              </a:rPr>
+              <a:t>27</a:t>
+            </a:r>
+            <a:r>
+              <a:rPr lang="ko-KR" sz="2000">
+                <a:latin typeface="맑은 고딕" charset="0"/>
+                <a:ea typeface="맑은 고딕" charset="0"/>
+              </a:rPr>
+              <a:t>일 - 포톤 네트워크의 설정 작업 (1)</a:t>
             </a:r>
             <a:endParaRPr lang="ko-KR" altLang="en-US" sz="2000">
               <a:latin typeface="맑은 고딕" charset="0"/>
@@ -6376,149 +6411,6 @@
                 <a:ea typeface="맑은 고딕" charset="0"/>
               </a:rPr>
               <a:t>코드를 이용한 정보 공유 설계</a:t>
-            </a:r>
-            <a:endParaRPr lang="ko-KR" altLang="en-US" sz="1500">
-              <a:latin typeface="맑은 고딕" charset="0"/>
-              <a:ea typeface="맑은 고딕" charset="0"/>
-            </a:endParaRPr>
-          </a:p>
-          <a:p>
-            <a:pPr marL="0" indent="0" algn="l" latinLnBrk="0" hangingPunct="1">
-              <a:buFontTx/>
-              <a:buNone/>
-            </a:pPr>
-            <a:endParaRPr lang="ko-KR" altLang="en-US" sz="1000">
-              <a:latin typeface="맑은 고딕" charset="0"/>
-              <a:ea typeface="맑은 고딕" charset="0"/>
-            </a:endParaRPr>
-          </a:p>
-          <a:p>
-            <a:pPr marL="0" indent="0" algn="l" latinLnBrk="0" hangingPunct="1">
-              <a:buFontTx/>
-              <a:buNone/>
-            </a:pPr>
-            <a:r>
-              <a:rPr lang="ko-KR" sz="2000">
-                <a:latin typeface="맑은 고딕" charset="0"/>
-                <a:ea typeface="맑은 고딕" charset="0"/>
-              </a:rPr>
-              <a:t>4월 13일 - </a:t>
-            </a:r>
-            <a:r>
-              <a:rPr lang="ko-KR" sz="2000">
-                <a:latin typeface="맑은 고딕" charset="0"/>
-                <a:ea typeface="맑은 고딕" charset="0"/>
-              </a:rPr>
-              <a:t>포톤 네트워크의 설정 작업 (2)</a:t>
-            </a:r>
-            <a:r>
-              <a:rPr lang="ko-KR" sz="2000">
-                <a:latin typeface="맑은 고딕" charset="0"/>
-                <a:ea typeface="맑은 고딕" charset="0"/>
-              </a:rPr>
-              <a:t/>
-            </a:r>
-            <a:br>
-              <a:rPr lang="ko-KR" sz="2000">
-                <a:latin typeface="맑은 고딕" charset="0"/>
-                <a:ea typeface="맑은 고딕" charset="0"/>
-              </a:rPr>
-            </a:br>
-            <a:r>
-              <a:rPr lang="ko-KR" sz="2000">
-                <a:latin typeface="맑은 고딕" charset="0"/>
-                <a:ea typeface="맑은 고딕" charset="0"/>
-              </a:rPr>
-              <a:t>   </a:t>
-            </a:r>
-            <a:r>
-              <a:rPr lang="ko-KR" sz="1000">
-                <a:latin typeface="맑은 고딕" charset="0"/>
-                <a:ea typeface="맑은 고딕" charset="0"/>
-              </a:rPr>
-              <a:t>● </a:t>
-            </a:r>
-            <a:r>
-              <a:rPr lang="ko-KR" sz="1500">
-                <a:latin typeface="맑은 고딕" charset="0"/>
-                <a:ea typeface="맑은 고딕" charset="0"/>
-              </a:rPr>
-              <a:t>카메라 제어권 설정</a:t>
-            </a:r>
-            <a:endParaRPr lang="ko-KR" altLang="en-US" sz="1500">
-              <a:latin typeface="맑은 고딕" charset="0"/>
-              <a:ea typeface="맑은 고딕" charset="0"/>
-            </a:endParaRPr>
-          </a:p>
-          <a:p>
-            <a:pPr marL="0" indent="0" algn="l" latinLnBrk="0" hangingPunct="1">
-              <a:buFontTx/>
-              <a:buNone/>
-            </a:pPr>
-            <a:endParaRPr lang="ko-KR" altLang="en-US" sz="1000">
-              <a:latin typeface="맑은 고딕" charset="0"/>
-              <a:ea typeface="맑은 고딕" charset="0"/>
-            </a:endParaRPr>
-          </a:p>
-          <a:p>
-            <a:pPr marL="0" indent="0" algn="l" latinLnBrk="0" hangingPunct="1">
-              <a:buFontTx/>
-              <a:buNone/>
-            </a:pPr>
-            <a:r>
-              <a:rPr lang="ko-KR" sz="1000">
-                <a:latin typeface="맑은 고딕" charset="0"/>
-                <a:ea typeface="맑은 고딕" charset="0"/>
-              </a:rPr>
-              <a:t>      ● </a:t>
-            </a:r>
-            <a:r>
-              <a:rPr lang="ko-KR" sz="1500">
-                <a:latin typeface="맑은 고딕" charset="0"/>
-                <a:ea typeface="맑은 고딕" charset="0"/>
-              </a:rPr>
-              <a:t>플레이어 캐릭터 구분 시스템</a:t>
-            </a:r>
-            <a:endParaRPr lang="ko-KR" altLang="en-US" sz="1500">
-              <a:latin typeface="맑은 고딕" charset="0"/>
-              <a:ea typeface="맑은 고딕" charset="0"/>
-            </a:endParaRPr>
-          </a:p>
-          <a:p>
-            <a:pPr marL="0" indent="0" algn="l" latinLnBrk="0" hangingPunct="1">
-              <a:buFontTx/>
-              <a:buNone/>
-            </a:pPr>
-            <a:r>
-              <a:rPr lang="ko-KR" sz="1000">
-                <a:latin typeface="맑은 고딕" charset="0"/>
-                <a:ea typeface="맑은 고딕" charset="0"/>
-              </a:rPr>
-              <a:t>     </a:t>
-            </a:r>
-            <a:endParaRPr lang="ko-KR" altLang="en-US" sz="1000">
-              <a:latin typeface="맑은 고딕" charset="0"/>
-              <a:ea typeface="맑은 고딕" charset="0"/>
-            </a:endParaRPr>
-          </a:p>
-          <a:p>
-            <a:pPr marL="0" indent="0" algn="l" latinLnBrk="0" hangingPunct="1">
-              <a:buFontTx/>
-              <a:buNone/>
-            </a:pPr>
-            <a:r>
-              <a:rPr lang="ko-KR" sz="1000">
-                <a:latin typeface="맑은 고딕" charset="0"/>
-                <a:ea typeface="맑은 고딕" charset="0"/>
-              </a:rPr>
-              <a:t>      ● </a:t>
-            </a:r>
-            <a:r>
-              <a:rPr lang="ko-KR" sz="1500">
-                <a:latin typeface="맑은 고딕" charset="0"/>
-                <a:ea typeface="맑은 고딕" charset="0"/>
-              </a:rPr>
-              <a:t>플레이어 컨트롤 적용 시스템</a:t>
             </a:r>
             <a:endParaRPr lang="ko-KR" altLang="en-US" sz="1500">
               <a:latin typeface="맑은 고딕" charset="0"/>
@@ -6675,9 +6567,9 @@
           <p:nvPr/>
         </p:nvSpPr>
         <p:spPr>
-          <a:xfrm>
-            <a:off x="1031240" y="1642110"/>
-            <a:ext cx="6308090" cy="5010785"/>
+          <a:xfrm rot="0">
+            <a:off x="935990" y="1337310"/>
+            <a:ext cx="6308725" cy="5164455"/>
           </a:xfrm>
           <a:prstGeom prst="rect"/>
           <a:noFill/>
@@ -6718,14 +6610,137 @@
                 <a:latin typeface="맑은 고딕" charset="0"/>
                 <a:ea typeface="맑은 고딕" charset="0"/>
               </a:rPr>
-              <a:t>4월 15일 -</a:t>
-            </a:r>
-            <a:r>
-              <a:rPr lang="ko-KR" sz="2000">
-                <a:latin typeface="맑은 고딕" charset="0"/>
-                <a:ea typeface="맑은 고딕" charset="0"/>
-              </a:rPr>
-              <a:t> REST API 통신 </a:t>
+              <a:t>4</a:t>
+            </a:r>
+            <a:r>
+              <a:rPr lang="ko-KR" sz="2000">
+                <a:latin typeface="맑은 고딕" charset="0"/>
+                <a:ea typeface="맑은 고딕" charset="0"/>
+              </a:rPr>
+              <a:t>월 </a:t>
+            </a:r>
+            <a:r>
+              <a:rPr lang="ko-KR" sz="2000">
+                <a:latin typeface="맑은 고딕" charset="0"/>
+                <a:ea typeface="맑은 고딕" charset="0"/>
+              </a:rPr>
+              <a:t>29</a:t>
+            </a:r>
+            <a:r>
+              <a:rPr lang="ko-KR" sz="2000">
+                <a:latin typeface="맑은 고딕" charset="0"/>
+                <a:ea typeface="맑은 고딕" charset="0"/>
+              </a:rPr>
+              <a:t>일 - 포톤 네트워크의 설정 작업 (2)</a:t>
+            </a:r>
+            <a:r>
+              <a:rPr lang="ko-KR" sz="2000">
+                <a:latin typeface="맑은 고딕" charset="0"/>
+                <a:ea typeface="맑은 고딕" charset="0"/>
+              </a:rPr>
+              <a:t/>
+            </a:r>
+            <a:br>
+              <a:rPr lang="ko-KR" sz="2000">
+                <a:latin typeface="맑은 고딕" charset="0"/>
+                <a:ea typeface="맑은 고딕" charset="0"/>
+              </a:rPr>
+            </a:br>
+            <a:r>
+              <a:rPr lang="ko-KR" sz="2000">
+                <a:latin typeface="맑은 고딕" charset="0"/>
+                <a:ea typeface="맑은 고딕" charset="0"/>
+              </a:rPr>
+              <a:t>   </a:t>
+            </a:r>
+            <a:r>
+              <a:rPr lang="ko-KR" sz="1000">
+                <a:latin typeface="맑은 고딕" charset="0"/>
+                <a:ea typeface="맑은 고딕" charset="0"/>
+              </a:rPr>
+              <a:t>● </a:t>
+            </a:r>
+            <a:r>
+              <a:rPr lang="ko-KR" sz="1500">
+                <a:latin typeface="맑은 고딕" charset="0"/>
+                <a:ea typeface="맑은 고딕" charset="0"/>
+              </a:rPr>
+              <a:t>카메라 제어권 설정</a:t>
+            </a:r>
+            <a:endParaRPr lang="ko-KR" altLang="en-US" sz="1500">
+              <a:latin typeface="맑은 고딕" charset="0"/>
+              <a:ea typeface="맑은 고딕" charset="0"/>
+            </a:endParaRPr>
+          </a:p>
+          <a:p>
+            <a:pPr marL="0" indent="0" algn="l" latinLnBrk="0" hangingPunct="1">
+              <a:buFontTx/>
+              <a:buNone/>
+            </a:pPr>
+            <a:endParaRPr lang="ko-KR" altLang="en-US" sz="1000">
+              <a:latin typeface="맑은 고딕" charset="0"/>
+              <a:ea typeface="맑은 고딕" charset="0"/>
+            </a:endParaRPr>
+          </a:p>
+          <a:p>
+            <a:pPr marL="0" indent="0" algn="l" latinLnBrk="0" hangingPunct="1">
+              <a:buFontTx/>
+              <a:buNone/>
+            </a:pPr>
+            <a:r>
+              <a:rPr lang="ko-KR" sz="1000">
+                <a:latin typeface="맑은 고딕" charset="0"/>
+                <a:ea typeface="맑은 고딕" charset="0"/>
+              </a:rPr>
+              <a:t>      ● </a:t>
+            </a:r>
+            <a:r>
+              <a:rPr lang="ko-KR" sz="1500">
+                <a:latin typeface="맑은 고딕" charset="0"/>
+                <a:ea typeface="맑은 고딕" charset="0"/>
+              </a:rPr>
+              <a:t>플레이어 캐릭터 구분 시스템</a:t>
+            </a:r>
+            <a:endParaRPr lang="ko-KR" altLang="en-US" sz="1500">
+              <a:latin typeface="맑은 고딕" charset="0"/>
+              <a:ea typeface="맑은 고딕" charset="0"/>
+            </a:endParaRPr>
+          </a:p>
+          <a:p>
+            <a:pPr marL="0" indent="0" algn="l" latinLnBrk="0" hangingPunct="1">
+              <a:buFontTx/>
+              <a:buNone/>
+            </a:pPr>
+            <a:r>
+              <a:rPr lang="ko-KR" sz="1000">
+                <a:latin typeface="맑은 고딕" charset="0"/>
+                <a:ea typeface="맑은 고딕" charset="0"/>
+              </a:rPr>
+              <a:t>     </a:t>
+            </a:r>
+            <a:endParaRPr lang="ko-KR" altLang="en-US" sz="1000">
+              <a:latin typeface="맑은 고딕" charset="0"/>
+              <a:ea typeface="맑은 고딕" charset="0"/>
+            </a:endParaRPr>
+          </a:p>
+          <a:p>
+            <a:pPr marL="0" indent="0" algn="l" latinLnBrk="0" hangingPunct="1">
+              <a:buFontTx/>
+              <a:buNone/>
+            </a:pPr>
+            <a:r>
+              <a:rPr lang="ko-KR" sz="1000">
+                <a:latin typeface="맑은 고딕" charset="0"/>
+                <a:ea typeface="맑은 고딕" charset="0"/>
+              </a:rPr>
+              <a:t>      ● </a:t>
+            </a:r>
+            <a:r>
+              <a:rPr lang="ko-KR" sz="1500">
+                <a:latin typeface="맑은 고딕" charset="0"/>
+                <a:ea typeface="맑은 고딕" charset="0"/>
+              </a:rPr>
+              <a:t>플레이어 컨트롤 적용 시스템</a:t>
             </a:r>
             <a:endParaRPr lang="ko-KR" altLang="en-US" sz="2000">
               <a:latin typeface="맑은 고딕" charset="0"/>
@@ -6737,6 +6752,54 @@
               <a:buFontTx/>
               <a:buNone/>
             </a:pPr>
+            <a:endParaRPr lang="ko-KR" altLang="en-US" sz="1500">
+              <a:latin typeface="맑은 고딕" charset="0"/>
+              <a:ea typeface="맑은 고딕" charset="0"/>
+            </a:endParaRPr>
+          </a:p>
+          <a:p>
+            <a:pPr marL="0" indent="0" algn="l" latinLnBrk="0" hangingPunct="1">
+              <a:buFontTx/>
+              <a:buNone/>
+            </a:pPr>
+            <a:r>
+              <a:rPr lang="ko-KR" sz="2000">
+                <a:latin typeface="맑은 고딕" charset="0"/>
+                <a:ea typeface="맑은 고딕" charset="0"/>
+              </a:rPr>
+              <a:t>5</a:t>
+            </a:r>
+            <a:r>
+              <a:rPr lang="ko-KR" sz="2000">
+                <a:latin typeface="맑은 고딕" charset="0"/>
+                <a:ea typeface="맑은 고딕" charset="0"/>
+              </a:rPr>
+              <a:t>월 </a:t>
+            </a:r>
+            <a:r>
+              <a:rPr lang="ko-KR" sz="2000">
+                <a:latin typeface="맑은 고딕" charset="0"/>
+                <a:ea typeface="맑은 고딕" charset="0"/>
+              </a:rPr>
+              <a:t>2</a:t>
+            </a:r>
+            <a:r>
+              <a:rPr lang="ko-KR" sz="2000">
+                <a:latin typeface="맑은 고딕" charset="0"/>
+                <a:ea typeface="맑은 고딕" charset="0"/>
+              </a:rPr>
+              <a:t>일 - REST API 통신 </a:t>
+            </a:r>
+            <a:endParaRPr lang="ko-KR" altLang="en-US" sz="2000">
+              <a:latin typeface="맑은 고딕" charset="0"/>
+              <a:ea typeface="맑은 고딕" charset="0"/>
+            </a:endParaRPr>
+          </a:p>
+          <a:p>
+            <a:pPr marL="0" indent="0" algn="l" latinLnBrk="0" hangingPunct="1">
+              <a:buFontTx/>
+              <a:buNone/>
+            </a:pPr>
             <a:r>
               <a:rPr lang="ko-KR" sz="2000">
                 <a:latin typeface="맑은 고딕" charset="0"/>
@@ -6833,6 +6896,16 @@
               </a:rPr>
               <a:t>WWW 클래스 header와 body 관리법</a:t>
             </a:r>
+            <a:endParaRPr lang="ko-KR" altLang="en-US" sz="1000">
+              <a:latin typeface="맑은 고딕" charset="0"/>
+              <a:ea typeface="맑은 고딕" charset="0"/>
+            </a:endParaRPr>
+          </a:p>
+          <a:p>
+            <a:pPr marL="0" indent="0" algn="l" latinLnBrk="0" hangingPunct="1">
+              <a:buFontTx/>
+              <a:buNone/>
+            </a:pPr>
             <a:endParaRPr lang="ko-KR" altLang="en-US" sz="1500">
               <a:latin typeface="맑은 고딕" charset="0"/>
               <a:ea typeface="맑은 고딕" charset="0"/>
@@ -6843,6 +6916,75 @@
               <a:buFontTx/>
               <a:buNone/>
             </a:pPr>
+            <a:r>
+              <a:rPr lang="ko-KR" sz="2000">
+                <a:latin typeface="맑은 고딕" charset="0"/>
+                <a:ea typeface="맑은 고딕" charset="0"/>
+              </a:rPr>
+              <a:t>5</a:t>
+            </a:r>
+            <a:r>
+              <a:rPr lang="ko-KR" sz="2000">
+                <a:latin typeface="맑은 고딕" charset="0"/>
+                <a:ea typeface="맑은 고딕" charset="0"/>
+              </a:rPr>
+              <a:t>월 </a:t>
+            </a:r>
+            <a:r>
+              <a:rPr lang="ko-KR" sz="2000">
+                <a:latin typeface="맑은 고딕" charset="0"/>
+                <a:ea typeface="맑은 고딕" charset="0"/>
+              </a:rPr>
+              <a:t>3</a:t>
+            </a:r>
+            <a:r>
+              <a:rPr lang="ko-KR" sz="2000">
+                <a:latin typeface="맑은 고딕" charset="0"/>
+                <a:ea typeface="맑은 고딕" charset="0"/>
+              </a:rPr>
+              <a:t>일 - 포톤 보이스를 이용한 음성 채팅 제작</a:t>
+            </a:r>
+            <a:endParaRPr lang="ko-KR" altLang="en-US" sz="2000">
+              <a:latin typeface="맑은 고딕" charset="0"/>
+              <a:ea typeface="맑은 고딕" charset="0"/>
+            </a:endParaRPr>
+          </a:p>
+          <a:p>
+            <a:pPr marL="0" indent="0" algn="l" latinLnBrk="0" hangingPunct="1">
+              <a:buFontTx/>
+              <a:buNone/>
+            </a:pPr>
+            <a:r>
+              <a:rPr lang="ko-KR" sz="2000">
+                <a:latin typeface="맑은 고딕" charset="0"/>
+                <a:ea typeface="맑은 고딕" charset="0"/>
+              </a:rPr>
+              <a:t>   </a:t>
+            </a:r>
+            <a:r>
+              <a:rPr lang="ko-KR" sz="1000">
+                <a:latin typeface="맑은 고딕" charset="0"/>
+                <a:ea typeface="맑은 고딕" charset="0"/>
+              </a:rPr>
+              <a:t>●</a:t>
+            </a:r>
+            <a:r>
+              <a:rPr lang="ko-KR" sz="1500">
+                <a:latin typeface="맑은 고딕" charset="0"/>
+                <a:ea typeface="맑은 고딕" charset="0"/>
+              </a:rPr>
+              <a:t> 포톤 보이스 SDK 다운로드 및 설정</a:t>
+            </a:r>
+            <a:endParaRPr lang="ko-KR" altLang="en-US" sz="1500">
+              <a:latin typeface="맑은 고딕" charset="0"/>
+              <a:ea typeface="맑은 고딕" charset="0"/>
+            </a:endParaRPr>
+          </a:p>
+          <a:p>
+            <a:pPr marL="0" indent="0" algn="l" latinLnBrk="0" hangingPunct="1">
+              <a:buFontTx/>
+              <a:buNone/>
+            </a:pPr>
             <a:endParaRPr lang="ko-KR" altLang="en-US" sz="1000">
               <a:latin typeface="맑은 고딕" charset="0"/>
               <a:ea typeface="맑은 고딕" charset="0"/>
@@ -6858,30 +7000,6 @@
                 <a:latin typeface="맑은 고딕" charset="0"/>
                 <a:ea typeface="맑은 고딕" charset="0"/>
               </a:rPr>
-              <a:t>4월 18일 -</a:t>
-            </a:r>
-            <a:r>
-              <a:rPr lang="ko-KR" sz="2000">
-                <a:latin typeface="맑은 고딕" charset="0"/>
-                <a:ea typeface="맑은 고딕" charset="0"/>
-              </a:rPr>
-              <a:t> 포톤 보이스를 이용한 음성 채팅 제작</a:t>
-            </a:r>
-            <a:endParaRPr lang="ko-KR" altLang="en-US" sz="2000">
-              <a:latin typeface="맑은 고딕" charset="0"/>
-              <a:ea typeface="맑은 고딕" charset="0"/>
-            </a:endParaRPr>
-          </a:p>
-          <a:p>
-            <a:pPr marL="0" indent="0" algn="l" latinLnBrk="0" hangingPunct="1">
-              <a:buFontTx/>
-              <a:buNone/>
-            </a:pPr>
-            <a:r>
-              <a:rPr lang="ko-KR" sz="2000">
-                <a:latin typeface="맑은 고딕" charset="0"/>
-                <a:ea typeface="맑은 고딕" charset="0"/>
-              </a:rPr>
               <a:t>   </a:t>
             </a:r>
             <a:r>
@@ -6889,14 +7007,14 @@
                 <a:latin typeface="맑은 고딕" charset="0"/>
                 <a:ea typeface="맑은 고딕" charset="0"/>
               </a:rPr>
-              <a:t>●</a:t>
+              <a:t>● </a:t>
             </a:r>
             <a:r>
               <a:rPr lang="ko-KR" sz="1500">
                 <a:latin typeface="맑은 고딕" charset="0"/>
                 <a:ea typeface="맑은 고딕" charset="0"/>
               </a:rPr>
-              <a:t> 포톤 보이스 SDK 다운로드 및 설정</a:t>
+              <a:t>포톤 보이스 뷰에 스피커를 적용하여 주파수 </a:t>
             </a:r>
             <a:endParaRPr lang="ko-KR" altLang="en-US" sz="1500">
               <a:latin typeface="맑은 고딕" charset="0"/>
@@ -6919,202 +7037,18 @@
               <a:buNone/>
             </a:pPr>
             <a:r>
-              <a:rPr lang="ko-KR" sz="2000">
-                <a:latin typeface="맑은 고딕" charset="0"/>
-                <a:ea typeface="맑은 고딕" charset="0"/>
-              </a:rPr>
-              <a:t>   </a:t>
-            </a:r>
-            <a:r>
               <a:rPr lang="ko-KR" sz="1000">
                 <a:latin typeface="맑은 고딕" charset="0"/>
                 <a:ea typeface="맑은 고딕" charset="0"/>
               </a:rPr>
-              <a:t>● </a:t>
+              <a:t>      ● </a:t>
             </a:r>
             <a:r>
               <a:rPr lang="ko-KR" sz="1500">
                 <a:latin typeface="맑은 고딕" charset="0"/>
                 <a:ea typeface="맑은 고딕" charset="0"/>
               </a:rPr>
-              <a:t>포톤 보이스 뷰에 스피커를 적용하여 주파수 </a:t>
-            </a:r>
-            <a:endParaRPr lang="ko-KR" altLang="en-US" sz="1500">
-              <a:latin typeface="맑은 고딕" charset="0"/>
-              <a:ea typeface="맑은 고딕" charset="0"/>
-            </a:endParaRPr>
-          </a:p>
-          <a:p>
-            <a:pPr marL="0" indent="0" algn="l" latinLnBrk="0" hangingPunct="1">
-              <a:buFontTx/>
-              <a:buNone/>
-            </a:pPr>
-            <a:endParaRPr lang="ko-KR" altLang="en-US" sz="1000">
-              <a:latin typeface="맑은 고딕" charset="0"/>
-              <a:ea typeface="맑은 고딕" charset="0"/>
-            </a:endParaRPr>
-          </a:p>
-          <a:p>
-            <a:pPr marL="0" indent="0" algn="l" latinLnBrk="0" hangingPunct="1">
-              <a:buFontTx/>
-              <a:buNone/>
-            </a:pPr>
-            <a:r>
-              <a:rPr lang="ko-KR" sz="1000">
-                <a:latin typeface="맑은 고딕" charset="0"/>
-                <a:ea typeface="맑은 고딕" charset="0"/>
-              </a:rPr>
-              <a:t>      ● </a:t>
-            </a:r>
-            <a:r>
-              <a:rPr lang="ko-KR" sz="1500">
-                <a:latin typeface="맑은 고딕" charset="0"/>
-                <a:ea typeface="맑은 고딕" charset="0"/>
-              </a:rPr>
               <a:t>마이크 설정 및 음성 감지 기능 설계</a:t>
-            </a:r>
-            <a:endParaRPr lang="ko-KR" altLang="en-US" sz="1500">
-              <a:latin typeface="맑은 고딕" charset="0"/>
-              <a:ea typeface="맑은 고딕" charset="0"/>
-            </a:endParaRPr>
-          </a:p>
-          <a:p>
-            <a:pPr marL="0" indent="0" algn="l" latinLnBrk="0" hangingPunct="1">
-              <a:buFontTx/>
-              <a:buNone/>
-            </a:pPr>
-            <a:endParaRPr lang="ko-KR" altLang="en-US" sz="1000">
-              <a:latin typeface="맑은 고딕" charset="0"/>
-              <a:ea typeface="맑은 고딕" charset="0"/>
-            </a:endParaRPr>
-          </a:p>
-          <a:p>
-            <a:pPr marL="0" indent="0" algn="l" latinLnBrk="0" hangingPunct="1">
-              <a:buFontTx/>
-              <a:buNone/>
-            </a:pPr>
-            <a:r>
-              <a:rPr lang="ko-KR" sz="2000">
-                <a:latin typeface="맑은 고딕" charset="0"/>
-                <a:ea typeface="맑은 고딕" charset="0"/>
-              </a:rPr>
-              <a:t>4월 20일 -</a:t>
-            </a:r>
-            <a:r>
-              <a:rPr lang="ko-KR" sz="2000">
-                <a:latin typeface="맑은 고딕" charset="0"/>
-                <a:ea typeface="맑은 고딕" charset="0"/>
-              </a:rPr>
-              <a:t> 포톤 서버를 사용하여 채팅 시스템 구현</a:t>
-            </a:r>
-            <a:r>
-              <a:rPr lang="ko-KR" sz="2000">
-                <a:latin typeface="맑은 고딕" charset="0"/>
-                <a:ea typeface="맑은 고딕" charset="0"/>
-              </a:rPr>
-              <a:t/>
-            </a:r>
-            <a:br>
-              <a:rPr lang="ko-KR" sz="2000">
-                <a:latin typeface="맑은 고딕" charset="0"/>
-                <a:ea typeface="맑은 고딕" charset="0"/>
-              </a:rPr>
-            </a:br>
-            <a:r>
-              <a:rPr lang="ko-KR" sz="2000">
-                <a:latin typeface="맑은 고딕" charset="0"/>
-                <a:ea typeface="맑은 고딕" charset="0"/>
-              </a:rPr>
-              <a:t>   </a:t>
-            </a:r>
-            <a:r>
-              <a:rPr lang="ko-KR" sz="1000">
-                <a:latin typeface="맑은 고딕" charset="0"/>
-                <a:ea typeface="맑은 고딕" charset="0"/>
-              </a:rPr>
-              <a:t>● </a:t>
-            </a:r>
-            <a:r>
-              <a:rPr lang="ko-KR" sz="1500">
-                <a:latin typeface="맑은 고딕" charset="0"/>
-                <a:ea typeface="맑은 고딕" charset="0"/>
-              </a:rPr>
-              <a:t>유저 인터페이스 화면 구성 및 스크롤 뷰 설정</a:t>
-            </a:r>
-            <a:endParaRPr lang="ko-KR" altLang="en-US" sz="1500">
-              <a:latin typeface="맑은 고딕" charset="0"/>
-              <a:ea typeface="맑은 고딕" charset="0"/>
-            </a:endParaRPr>
-          </a:p>
-          <a:p>
-            <a:pPr marL="0" indent="0" algn="l" latinLnBrk="0" hangingPunct="1">
-              <a:buFontTx/>
-              <a:buNone/>
-            </a:pPr>
-            <a:endParaRPr lang="ko-KR" altLang="en-US" sz="1000">
-              <a:latin typeface="맑은 고딕" charset="0"/>
-              <a:ea typeface="맑은 고딕" charset="0"/>
-            </a:endParaRPr>
-          </a:p>
-          <a:p>
-            <a:pPr marL="0" indent="0" algn="l" latinLnBrk="0" hangingPunct="1">
-              <a:buFontTx/>
-              <a:buNone/>
-            </a:pPr>
-            <a:r>
-              <a:rPr lang="ko-KR" sz="1000">
-                <a:latin typeface="맑은 고딕" charset="0"/>
-                <a:ea typeface="맑은 고딕" charset="0"/>
-              </a:rPr>
-              <a:t>      ● </a:t>
-            </a:r>
-            <a:r>
-              <a:rPr lang="ko-KR" sz="1500">
-                <a:latin typeface="맑은 고딕" charset="0"/>
-                <a:ea typeface="맑은 고딕" charset="0"/>
-              </a:rPr>
-              <a:t>채팅 필터 설정 및 유저 상태 확인</a:t>
-            </a:r>
-            <a:endParaRPr lang="ko-KR" altLang="en-US" sz="1500">
-              <a:latin typeface="맑은 고딕" charset="0"/>
-              <a:ea typeface="맑은 고딕" charset="0"/>
-            </a:endParaRPr>
-          </a:p>
-          <a:p>
-            <a:pPr marL="0" indent="0" algn="l" latinLnBrk="0" hangingPunct="1">
-              <a:buFontTx/>
-              <a:buNone/>
-            </a:pPr>
-            <a:r>
-              <a:rPr lang="ko-KR" sz="1000">
-                <a:latin typeface="맑은 고딕" charset="0"/>
-                <a:ea typeface="맑은 고딕" charset="0"/>
-              </a:rPr>
-              <a:t>     </a:t>
-            </a:r>
-            <a:endParaRPr lang="ko-KR" altLang="en-US" sz="1000">
-              <a:latin typeface="맑은 고딕" charset="0"/>
-              <a:ea typeface="맑은 고딕" charset="0"/>
-            </a:endParaRPr>
-          </a:p>
-          <a:p>
-            <a:pPr marL="0" indent="0" algn="l" latinLnBrk="0" hangingPunct="1">
-              <a:buFontTx/>
-              <a:buNone/>
-            </a:pPr>
-            <a:r>
-              <a:rPr lang="ko-KR" sz="1000">
-                <a:latin typeface="맑은 고딕" charset="0"/>
-                <a:ea typeface="맑은 고딕" charset="0"/>
-              </a:rPr>
-              <a:t>      ● </a:t>
-            </a:r>
-            <a:r>
-              <a:rPr lang="ko-KR" sz="1500">
-                <a:latin typeface="맑은 고딕" charset="0"/>
-                <a:ea typeface="맑은 고딕" charset="0"/>
-              </a:rPr>
-              <a:t>채널 설정 및 메시지 확인 시스템 설정</a:t>
             </a:r>
             <a:endParaRPr lang="ko-KR" altLang="en-US" sz="1500">
               <a:latin typeface="맑은 고딕" charset="0"/>
@@ -7271,9 +7205,9 @@
           <p:nvPr/>
         </p:nvSpPr>
         <p:spPr>
-          <a:xfrm>
-            <a:off x="1031240" y="1642110"/>
-            <a:ext cx="6712585" cy="4933950"/>
+          <a:xfrm rot="0">
+            <a:off x="1022985" y="1268095"/>
+            <a:ext cx="6713220" cy="5164455"/>
           </a:xfrm>
           <a:prstGeom prst="rect"/>
           <a:noFill/>
@@ -7314,15 +7248,148 @@
                 <a:latin typeface="맑은 고딕" charset="0"/>
                 <a:ea typeface="맑은 고딕" charset="0"/>
               </a:rPr>
-              <a:t>4월 22일 -</a:t>
-            </a:r>
-            <a:r>
-              <a:rPr lang="ko-KR" sz="2000">
-                <a:latin typeface="맑은 고딕" charset="0"/>
-                <a:ea typeface="맑은 고딕" charset="0"/>
-              </a:rPr>
-              <a:t> 최적화 설명 및 실습</a:t>
-            </a:r>
+              <a:t>5</a:t>
+            </a:r>
+            <a:r>
+              <a:rPr lang="ko-KR" sz="2000">
+                <a:latin typeface="맑은 고딕" charset="0"/>
+                <a:ea typeface="맑은 고딕" charset="0"/>
+              </a:rPr>
+              <a:t>월 </a:t>
+            </a:r>
+            <a:r>
+              <a:rPr lang="ko-KR" sz="2000">
+                <a:latin typeface="맑은 고딕" charset="0"/>
+                <a:ea typeface="맑은 고딕" charset="0"/>
+              </a:rPr>
+              <a:t>4</a:t>
+            </a:r>
+            <a:r>
+              <a:rPr lang="ko-KR" sz="2000">
+                <a:latin typeface="맑은 고딕" charset="0"/>
+                <a:ea typeface="맑은 고딕" charset="0"/>
+              </a:rPr>
+              <a:t>일 - 포톤 서버를 사용하여 채팅 시스템 구현</a:t>
+            </a:r>
+            <a:r>
+              <a:rPr lang="ko-KR" sz="2000">
+                <a:latin typeface="맑은 고딕" charset="0"/>
+                <a:ea typeface="맑은 고딕" charset="0"/>
+              </a:rPr>
+              <a:t/>
+            </a:r>
+            <a:br>
+              <a:rPr lang="ko-KR" sz="2000">
+                <a:latin typeface="맑은 고딕" charset="0"/>
+                <a:ea typeface="맑은 고딕" charset="0"/>
+              </a:rPr>
+            </a:br>
+            <a:r>
+              <a:rPr lang="ko-KR" sz="2000">
+                <a:latin typeface="맑은 고딕" charset="0"/>
+                <a:ea typeface="맑은 고딕" charset="0"/>
+              </a:rPr>
+              <a:t>   </a:t>
+            </a:r>
+            <a:r>
+              <a:rPr lang="ko-KR" sz="1000">
+                <a:latin typeface="맑은 고딕" charset="0"/>
+                <a:ea typeface="맑은 고딕" charset="0"/>
+              </a:rPr>
+              <a:t>● </a:t>
+            </a:r>
+            <a:r>
+              <a:rPr lang="ko-KR" sz="1500">
+                <a:latin typeface="맑은 고딕" charset="0"/>
+                <a:ea typeface="맑은 고딕" charset="0"/>
+              </a:rPr>
+              <a:t>유저 인터페이스 화면 구성 및 스크롤 뷰 설정</a:t>
+            </a:r>
+            <a:endParaRPr lang="ko-KR" altLang="en-US" sz="1500">
+              <a:latin typeface="맑은 고딕" charset="0"/>
+              <a:ea typeface="맑은 고딕" charset="0"/>
+            </a:endParaRPr>
+          </a:p>
+          <a:p>
+            <a:pPr marL="0" indent="0" algn="l" latinLnBrk="0" hangingPunct="1">
+              <a:buFontTx/>
+              <a:buNone/>
+            </a:pPr>
+            <a:endParaRPr lang="ko-KR" altLang="en-US" sz="1000">
+              <a:latin typeface="맑은 고딕" charset="0"/>
+              <a:ea typeface="맑은 고딕" charset="0"/>
+            </a:endParaRPr>
+          </a:p>
+          <a:p>
+            <a:pPr marL="0" indent="0" algn="l" latinLnBrk="0" hangingPunct="1">
+              <a:buFontTx/>
+              <a:buNone/>
+            </a:pPr>
+            <a:r>
+              <a:rPr lang="ko-KR" sz="1000">
+                <a:latin typeface="맑은 고딕" charset="0"/>
+                <a:ea typeface="맑은 고딕" charset="0"/>
+              </a:rPr>
+              <a:t>      ● </a:t>
+            </a:r>
+            <a:r>
+              <a:rPr lang="ko-KR" sz="1500">
+                <a:latin typeface="맑은 고딕" charset="0"/>
+                <a:ea typeface="맑은 고딕" charset="0"/>
+              </a:rPr>
+              <a:t>채팅 필터 설정 및 유저 상태 확인</a:t>
+            </a:r>
+            <a:endParaRPr lang="ko-KR" altLang="en-US" sz="1500">
+              <a:latin typeface="맑은 고딕" charset="0"/>
+              <a:ea typeface="맑은 고딕" charset="0"/>
+            </a:endParaRPr>
+          </a:p>
+          <a:p>
+            <a:pPr marL="0" indent="0" algn="l" latinLnBrk="0" hangingPunct="1">
+              <a:buFontTx/>
+              <a:buNone/>
+            </a:pPr>
+            <a:r>
+              <a:rPr lang="ko-KR" sz="1000">
+                <a:latin typeface="맑은 고딕" charset="0"/>
+                <a:ea typeface="맑은 고딕" charset="0"/>
+              </a:rPr>
+              <a:t>     </a:t>
+            </a:r>
+            <a:endParaRPr lang="ko-KR" altLang="en-US" sz="1000">
+              <a:latin typeface="맑은 고딕" charset="0"/>
+              <a:ea typeface="맑은 고딕" charset="0"/>
+            </a:endParaRPr>
+          </a:p>
+          <a:p>
+            <a:pPr marL="0" indent="0" algn="l" latinLnBrk="0" hangingPunct="1">
+              <a:buFontTx/>
+              <a:buNone/>
+            </a:pPr>
+            <a:r>
+              <a:rPr lang="ko-KR" sz="1000">
+                <a:latin typeface="맑은 고딕" charset="0"/>
+                <a:ea typeface="맑은 고딕" charset="0"/>
+              </a:rPr>
+              <a:t>      ● </a:t>
+            </a:r>
+            <a:r>
+              <a:rPr lang="ko-KR" sz="1500">
+                <a:latin typeface="맑은 고딕" charset="0"/>
+                <a:ea typeface="맑은 고딕" charset="0"/>
+              </a:rPr>
+              <a:t>채널 설정 및 메시지 확인 시스템 설정</a:t>
+            </a:r>
+            <a:endParaRPr lang="ko-KR" altLang="en-US" sz="1500">
+              <a:latin typeface="맑은 고딕" charset="0"/>
+              <a:ea typeface="맑은 고딕" charset="0"/>
+            </a:endParaRPr>
+          </a:p>
+          <a:p>
+            <a:pPr marL="0" indent="0" algn="l" latinLnBrk="0" hangingPunct="1">
+              <a:buFontTx/>
+              <a:buNone/>
+            </a:pPr>
             <a:endParaRPr lang="ko-KR" altLang="en-US" sz="2000">
               <a:latin typeface="맑은 고딕" charset="0"/>
               <a:ea typeface="맑은 고딕" charset="0"/>
@@ -7338,6 +7405,44 @@
                 <a:latin typeface="맑은 고딕" charset="0"/>
                 <a:ea typeface="맑은 고딕" charset="0"/>
               </a:rPr>
+              <a:t>5</a:t>
+            </a:r>
+            <a:r>
+              <a:rPr lang="ko-KR" sz="2000">
+                <a:latin typeface="맑은 고딕" charset="0"/>
+                <a:ea typeface="맑은 고딕" charset="0"/>
+              </a:rPr>
+              <a:t>월 </a:t>
+            </a:r>
+            <a:r>
+              <a:rPr lang="ko-KR" sz="2000">
+                <a:latin typeface="맑은 고딕" charset="0"/>
+                <a:ea typeface="맑은 고딕" charset="0"/>
+              </a:rPr>
+              <a:t>6</a:t>
+            </a:r>
+            <a:r>
+              <a:rPr lang="ko-KR" sz="2000">
+                <a:latin typeface="맑은 고딕" charset="0"/>
+                <a:ea typeface="맑은 고딕" charset="0"/>
+              </a:rPr>
+              <a:t>일 - 프로젝트 (part.5)</a:t>
+            </a:r>
+            <a:endParaRPr lang="ko-KR" altLang="en-US" sz="2000">
+              <a:latin typeface="맑은 고딕" charset="0"/>
+              <a:ea typeface="맑은 고딕" charset="0"/>
+            </a:endParaRPr>
+          </a:p>
+          <a:p>
+            <a:pPr marL="0" indent="0" algn="l" latinLnBrk="0" hangingPunct="1">
+              <a:buFontTx/>
+              <a:buNone/>
+            </a:pPr>
+            <a:r>
+              <a:rPr lang="ko-KR" sz="2000">
+                <a:latin typeface="맑은 고딕" charset="0"/>
+                <a:ea typeface="맑은 고딕" charset="0"/>
+              </a:rPr>
               <a:t>   </a:t>
             </a:r>
             <a:r>
@@ -7352,6 +7457,153 @@
                 <a:latin typeface="맑은 고딕" charset="0"/>
                 <a:ea typeface="맑은 고딕" charset="0"/>
               </a:rPr>
+              <a:t>멀티 플레이어의 정보를 확인하는 시스템 설계</a:t>
+            </a:r>
+            <a:endParaRPr lang="ko-KR" altLang="en-US" sz="1500">
+              <a:latin typeface="맑은 고딕" charset="0"/>
+              <a:ea typeface="맑은 고딕" charset="0"/>
+            </a:endParaRPr>
+          </a:p>
+          <a:p>
+            <a:pPr marL="0" indent="0" algn="l" latinLnBrk="0" hangingPunct="1">
+              <a:buFontTx/>
+              <a:buNone/>
+            </a:pPr>
+            <a:endParaRPr lang="ko-KR" altLang="en-US" sz="1000">
+              <a:latin typeface="맑은 고딕" charset="0"/>
+              <a:ea typeface="맑은 고딕" charset="0"/>
+            </a:endParaRPr>
+          </a:p>
+          <a:p>
+            <a:pPr marL="0" indent="0" algn="l" latinLnBrk="0" hangingPunct="1">
+              <a:buFontTx/>
+              <a:buNone/>
+            </a:pPr>
+            <a:r>
+              <a:rPr lang="ko-KR" sz="1000">
+                <a:latin typeface="맑은 고딕" charset="0"/>
+                <a:ea typeface="맑은 고딕" charset="0"/>
+              </a:rPr>
+              <a:t>      ● </a:t>
+            </a:r>
+            <a:r>
+              <a:rPr lang="ko-KR" sz="1500">
+                <a:latin typeface="맑은 고딕" charset="0"/>
+                <a:ea typeface="맑은 고딕" charset="0"/>
+              </a:rPr>
+              <a:t>멀티 플레이어와 상호작용 및 충돌 판정 설정</a:t>
+            </a:r>
+            <a:endParaRPr lang="ko-KR" altLang="en-US" sz="1500">
+              <a:latin typeface="맑은 고딕" charset="0"/>
+              <a:ea typeface="맑은 고딕" charset="0"/>
+            </a:endParaRPr>
+          </a:p>
+          <a:p>
+            <a:pPr marL="0" indent="0" algn="l" latinLnBrk="0" hangingPunct="1">
+              <a:buFontTx/>
+              <a:buNone/>
+            </a:pPr>
+            <a:endParaRPr lang="ko-KR" altLang="en-US" sz="1000">
+              <a:latin typeface="맑은 고딕" charset="0"/>
+              <a:ea typeface="맑은 고딕" charset="0"/>
+            </a:endParaRPr>
+          </a:p>
+          <a:p>
+            <a:pPr marL="0" indent="0" algn="l" latinLnBrk="0" hangingPunct="1">
+              <a:buFontTx/>
+              <a:buNone/>
+            </a:pPr>
+            <a:r>
+              <a:rPr lang="ko-KR" sz="1000">
+                <a:latin typeface="맑은 고딕" charset="0"/>
+                <a:ea typeface="맑은 고딕" charset="0"/>
+              </a:rPr>
+              <a:t>      ● </a:t>
+            </a:r>
+            <a:r>
+              <a:rPr lang="ko-KR" sz="1500">
+                <a:latin typeface="맑은 고딕" charset="0"/>
+                <a:ea typeface="맑은 고딕" charset="0"/>
+              </a:rPr>
+              <a:t>멀티 플레이어와 데이터 통신 및 음성 대화 목록 제작</a:t>
+            </a:r>
+            <a:endParaRPr lang="ko-KR" altLang="en-US" sz="1500">
+              <a:latin typeface="맑은 고딕" charset="0"/>
+              <a:ea typeface="맑은 고딕" charset="0"/>
+            </a:endParaRPr>
+          </a:p>
+          <a:p>
+            <a:pPr marL="0" indent="0" algn="l" latinLnBrk="0" hangingPunct="1">
+              <a:buFontTx/>
+              <a:buNone/>
+            </a:pPr>
+            <a:endParaRPr lang="ko-KR" altLang="en-US" sz="2000">
+              <a:latin typeface="맑은 고딕" charset="0"/>
+              <a:ea typeface="맑은 고딕" charset="0"/>
+            </a:endParaRPr>
+          </a:p>
+          <a:p>
+            <a:pPr marL="0" indent="0" algn="l" latinLnBrk="0" hangingPunct="1">
+              <a:buFontTx/>
+              <a:buNone/>
+            </a:pPr>
+            <a:r>
+              <a:rPr lang="ko-KR" sz="2000">
+                <a:latin typeface="맑은 고딕" charset="0"/>
+                <a:ea typeface="맑은 고딕" charset="0"/>
+              </a:rPr>
+              <a:t>5</a:t>
+            </a:r>
+            <a:r>
+              <a:rPr lang="ko-KR" sz="2000">
+                <a:latin typeface="맑은 고딕" charset="0"/>
+                <a:ea typeface="맑은 고딕" charset="0"/>
+              </a:rPr>
+              <a:t>월 </a:t>
+            </a:r>
+            <a:r>
+              <a:rPr lang="ko-KR" sz="2000">
+                <a:latin typeface="맑은 고딕" charset="0"/>
+                <a:ea typeface="맑은 고딕" charset="0"/>
+              </a:rPr>
+              <a:t>9</a:t>
+            </a:r>
+            <a:r>
+              <a:rPr lang="ko-KR" sz="2000">
+                <a:latin typeface="맑은 고딕" charset="0"/>
+                <a:ea typeface="맑은 고딕" charset="0"/>
+              </a:rPr>
+              <a:t>일 - 최적화 설명 및 실습</a:t>
+            </a:r>
+            <a:endParaRPr lang="ko-KR" altLang="en-US" sz="2000">
+              <a:latin typeface="맑은 고딕" charset="0"/>
+              <a:ea typeface="맑은 고딕" charset="0"/>
+            </a:endParaRPr>
+          </a:p>
+          <a:p>
+            <a:pPr marL="0" indent="0" algn="l" latinLnBrk="0" hangingPunct="1">
+              <a:buFontTx/>
+              <a:buNone/>
+            </a:pPr>
+            <a:r>
+              <a:rPr lang="ko-KR" sz="2000">
+                <a:latin typeface="맑은 고딕" charset="0"/>
+                <a:ea typeface="맑은 고딕" charset="0"/>
+              </a:rPr>
+              <a:t>   </a:t>
+            </a:r>
+            <a:r>
+              <a:rPr lang="ko-KR" sz="1000">
+                <a:latin typeface="맑은 고딕" charset="0"/>
+                <a:ea typeface="맑은 고딕" charset="0"/>
+              </a:rPr>
+              <a:t>● </a:t>
+            </a:r>
+            <a:r>
+              <a:rPr lang="ko-KR" sz="1500">
+                <a:latin typeface="맑은 고딕" charset="0"/>
+                <a:ea typeface="맑은 고딕" charset="0"/>
+              </a:rPr>
               <a:t>정적 오브젝트와 동적 오브젝트의 차이 설명 및 이해</a:t>
             </a:r>
             <a:endParaRPr lang="ko-KR" altLang="en-US" sz="1500">
@@ -7421,289 +7673,6 @@
                 <a:ea typeface="맑은 고딕" charset="0"/>
               </a:rPr>
               <a:t>유저 인터페이스 분할 및 옵션 설정</a:t>
-            </a:r>
-            <a:endParaRPr lang="ko-KR" altLang="en-US" sz="1500">
-              <a:latin typeface="맑은 고딕" charset="0"/>
-              <a:ea typeface="맑은 고딕" charset="0"/>
-            </a:endParaRPr>
-          </a:p>
-          <a:p>
-            <a:pPr marL="0" indent="0" algn="l" latinLnBrk="0" hangingPunct="1">
-              <a:buFontTx/>
-              <a:buNone/>
-            </a:pPr>
-            <a:endParaRPr lang="ko-KR" altLang="en-US" sz="1000">
-              <a:latin typeface="맑은 고딕" charset="0"/>
-              <a:ea typeface="맑은 고딕" charset="0"/>
-            </a:endParaRPr>
-          </a:p>
-          <a:p>
-            <a:pPr marL="0" indent="0" algn="l" latinLnBrk="0" hangingPunct="1">
-              <a:buFontTx/>
-              <a:buNone/>
-            </a:pPr>
-            <a:r>
-              <a:rPr lang="ko-KR" sz="2000">
-                <a:latin typeface="맑은 고딕" charset="0"/>
-                <a:ea typeface="맑은 고딕" charset="0"/>
-              </a:rPr>
-              <a:t>4월 25일 -</a:t>
-            </a:r>
-            <a:r>
-              <a:rPr lang="ko-KR" sz="2000">
-                <a:latin typeface="맑은 고딕" charset="0"/>
-                <a:ea typeface="맑은 고딕" charset="0"/>
-              </a:rPr>
-              <a:t> 애플리케이션 함수 사용 및 실습 </a:t>
-            </a:r>
-            <a:endParaRPr lang="ko-KR" altLang="en-US" sz="2000">
-              <a:latin typeface="맑은 고딕" charset="0"/>
-              <a:ea typeface="맑은 고딕" charset="0"/>
-            </a:endParaRPr>
-          </a:p>
-          <a:p>
-            <a:pPr marL="0" indent="0" algn="l" latinLnBrk="0" hangingPunct="1">
-              <a:buFontTx/>
-              <a:buNone/>
-            </a:pPr>
-            <a:r>
-              <a:rPr lang="ko-KR" sz="2000">
-                <a:latin typeface="맑은 고딕" charset="0"/>
-                <a:ea typeface="맑은 고딕" charset="0"/>
-              </a:rPr>
-              <a:t>   </a:t>
-            </a:r>
-            <a:r>
-              <a:rPr lang="ko-KR" sz="1000">
-                <a:latin typeface="맑은 고딕" charset="0"/>
-                <a:ea typeface="맑은 고딕" charset="0"/>
-              </a:rPr>
-              <a:t>●</a:t>
-            </a:r>
-            <a:r>
-              <a:rPr lang="ko-KR" sz="1500">
-                <a:latin typeface="맑은 고딕" charset="0"/>
-                <a:ea typeface="맑은 고딕" charset="0"/>
-              </a:rPr>
-              <a:t> 멀티플랫폼 대응을 위한 전처리기 지시어 이해 </a:t>
-            </a:r>
-            <a:endParaRPr lang="ko-KR" altLang="en-US" sz="1500">
-              <a:latin typeface="맑은 고딕" charset="0"/>
-              <a:ea typeface="맑은 고딕" charset="0"/>
-            </a:endParaRPr>
-          </a:p>
-          <a:p>
-            <a:pPr marL="0" indent="0" algn="l" latinLnBrk="0" hangingPunct="1">
-              <a:buFontTx/>
-              <a:buNone/>
-            </a:pPr>
-            <a:endParaRPr lang="ko-KR" altLang="en-US" sz="1000">
-              <a:latin typeface="맑은 고딕" charset="0"/>
-              <a:ea typeface="맑은 고딕" charset="0"/>
-            </a:endParaRPr>
-          </a:p>
-          <a:p>
-            <a:pPr marL="0" indent="0" algn="l" latinLnBrk="0" hangingPunct="1">
-              <a:buFontTx/>
-              <a:buNone/>
-            </a:pPr>
-            <a:r>
-              <a:rPr lang="ko-KR" sz="2000">
-                <a:latin typeface="맑은 고딕" charset="0"/>
-                <a:ea typeface="맑은 고딕" charset="0"/>
-              </a:rPr>
-              <a:t>   </a:t>
-            </a:r>
-            <a:r>
-              <a:rPr lang="ko-KR" sz="1000">
-                <a:latin typeface="맑은 고딕" charset="0"/>
-                <a:ea typeface="맑은 고딕" charset="0"/>
-              </a:rPr>
-              <a:t>● </a:t>
-            </a:r>
-            <a:r>
-              <a:rPr lang="ko-KR" sz="1500">
-                <a:latin typeface="맑은 고딕" charset="0"/>
-                <a:ea typeface="맑은 고딕" charset="0"/>
-              </a:rPr>
-              <a:t>모바일에서 사용되는 함수 사용 방법 및 실습</a:t>
-            </a:r>
-            <a:endParaRPr lang="ko-KR" altLang="en-US" sz="1500">
-              <a:latin typeface="맑은 고딕" charset="0"/>
-              <a:ea typeface="맑은 고딕" charset="0"/>
-            </a:endParaRPr>
-          </a:p>
-          <a:p>
-            <a:pPr marL="0" indent="0" algn="l" latinLnBrk="0" hangingPunct="1">
-              <a:buFontTx/>
-              <a:buNone/>
-            </a:pPr>
-            <a:endParaRPr lang="ko-KR" altLang="en-US" sz="1000">
-              <a:latin typeface="맑은 고딕" charset="0"/>
-              <a:ea typeface="맑은 고딕" charset="0"/>
-            </a:endParaRPr>
-          </a:p>
-          <a:p>
-            <a:pPr marL="0" indent="0" algn="l" latinLnBrk="0" hangingPunct="1">
-              <a:buFontTx/>
-              <a:buNone/>
-            </a:pPr>
-            <a:r>
-              <a:rPr lang="ko-KR" sz="1000">
-                <a:latin typeface="맑은 고딕" charset="0"/>
-                <a:ea typeface="맑은 고딕" charset="0"/>
-              </a:rPr>
-              <a:t>      ● </a:t>
-            </a:r>
-            <a:r>
-              <a:rPr lang="ko-KR" sz="1500">
-                <a:latin typeface="맑은 고딕" charset="0"/>
-                <a:ea typeface="맑은 고딕" charset="0"/>
-              </a:rPr>
-              <a:t>모바일 터치와 드래그를 이용한 실습</a:t>
-            </a:r>
-            <a:endParaRPr lang="ko-KR" altLang="en-US" sz="1500">
-              <a:latin typeface="맑은 고딕" charset="0"/>
-              <a:ea typeface="맑은 고딕" charset="0"/>
-            </a:endParaRPr>
-          </a:p>
-          <a:p>
-            <a:pPr marL="0" indent="0" algn="l" latinLnBrk="0" hangingPunct="1">
-              <a:buFontTx/>
-              <a:buNone/>
-            </a:pPr>
-            <a:endParaRPr lang="ko-KR" altLang="en-US" sz="1000">
-              <a:latin typeface="맑은 고딕" charset="0"/>
-              <a:ea typeface="맑은 고딕" charset="0"/>
-            </a:endParaRPr>
-          </a:p>
-          <a:p>
-            <a:pPr marL="0" indent="0" algn="l" latinLnBrk="0" hangingPunct="1">
-              <a:buFontTx/>
-              <a:buNone/>
-            </a:pPr>
-            <a:r>
-              <a:rPr lang="ko-KR" sz="2000">
-                <a:latin typeface="맑은 고딕" charset="0"/>
-                <a:ea typeface="맑은 고딕" charset="0"/>
-              </a:rPr>
-              <a:t>4월 27일 -</a:t>
-            </a:r>
-            <a:r>
-              <a:rPr lang="ko-KR" sz="2000">
-                <a:latin typeface="맑은 고딕" charset="0"/>
-                <a:ea typeface="맑은 고딕" charset="0"/>
-              </a:rPr>
-              <a:t> 화면 캡쳐 및 스프라이트 애니메이션</a:t>
-            </a:r>
-            <a:r>
-              <a:rPr lang="ko-KR" sz="2000">
-                <a:latin typeface="맑은 고딕" charset="0"/>
-                <a:ea typeface="맑은 고딕" charset="0"/>
-              </a:rPr>
-              <a:t/>
-            </a:r>
-            <a:br>
-              <a:rPr lang="ko-KR" sz="2000">
-                <a:latin typeface="맑은 고딕" charset="0"/>
-                <a:ea typeface="맑은 고딕" charset="0"/>
-              </a:rPr>
-            </a:br>
-            <a:r>
-              <a:rPr lang="ko-KR" sz="2000">
-                <a:latin typeface="맑은 고딕" charset="0"/>
-                <a:ea typeface="맑은 고딕" charset="0"/>
-              </a:rPr>
-              <a:t>   </a:t>
-            </a:r>
-            <a:r>
-              <a:rPr lang="ko-KR" sz="1000">
-                <a:latin typeface="맑은 고딕" charset="0"/>
-                <a:ea typeface="맑은 고딕" charset="0"/>
-              </a:rPr>
-              <a:t>● </a:t>
-            </a:r>
-            <a:r>
-              <a:rPr lang="ko-KR" sz="1500">
-                <a:latin typeface="맑은 고딕" charset="0"/>
-                <a:ea typeface="맑은 고딕" charset="0"/>
-              </a:rPr>
-              <a:t>스프라이트 아틀라스 설명 및 실습</a:t>
-            </a:r>
-            <a:endParaRPr lang="ko-KR" altLang="en-US" sz="1500">
-              <a:latin typeface="맑은 고딕" charset="0"/>
-              <a:ea typeface="맑은 고딕" charset="0"/>
-            </a:endParaRPr>
-          </a:p>
-          <a:p>
-            <a:pPr marL="0" indent="0" algn="l" latinLnBrk="0" hangingPunct="1">
-              <a:buFontTx/>
-              <a:buNone/>
-            </a:pPr>
-            <a:endParaRPr lang="ko-KR" altLang="en-US" sz="1000">
-              <a:latin typeface="맑은 고딕" charset="0"/>
-              <a:ea typeface="맑은 고딕" charset="0"/>
-            </a:endParaRPr>
-          </a:p>
-          <a:p>
-            <a:pPr marL="0" indent="0" algn="l" latinLnBrk="0" hangingPunct="1">
-              <a:buFontTx/>
-              <a:buNone/>
-            </a:pPr>
-            <a:r>
-              <a:rPr lang="ko-KR" sz="1000">
-                <a:latin typeface="맑은 고딕" charset="0"/>
-                <a:ea typeface="맑은 고딕" charset="0"/>
-              </a:rPr>
-              <a:t>      ● </a:t>
-            </a:r>
-            <a:r>
-              <a:rPr lang="ko-KR" sz="1500">
-                <a:latin typeface="맑은 고딕" charset="0"/>
-                <a:ea typeface="맑은 고딕" charset="0"/>
-              </a:rPr>
-              <a:t>게임 내에 있는 화면 스크린 샷으로 로컬영역에 저장하는 시스템 설계</a:t>
-            </a:r>
-            <a:endParaRPr lang="ko-KR" altLang="en-US" sz="1500">
-              <a:latin typeface="맑은 고딕" charset="0"/>
-              <a:ea typeface="맑은 고딕" charset="0"/>
-            </a:endParaRPr>
-          </a:p>
-          <a:p>
-            <a:pPr marL="0" indent="0" algn="l" latinLnBrk="0" hangingPunct="1">
-              <a:buFontTx/>
-              <a:buNone/>
-            </a:pPr>
-            <a:r>
-              <a:rPr lang="ko-KR" sz="1000">
-                <a:latin typeface="맑은 고딕" charset="0"/>
-                <a:ea typeface="맑은 고딕" charset="0"/>
-              </a:rPr>
-              <a:t>     </a:t>
-            </a:r>
-            <a:endParaRPr lang="ko-KR" altLang="en-US" sz="1000">
-              <a:latin typeface="맑은 고딕" charset="0"/>
-              <a:ea typeface="맑은 고딕" charset="0"/>
-            </a:endParaRPr>
-          </a:p>
-          <a:p>
-            <a:pPr marL="0" indent="0" algn="l" latinLnBrk="0" hangingPunct="1">
-              <a:buFontTx/>
-              <a:buNone/>
-            </a:pPr>
-            <a:r>
-              <a:rPr lang="ko-KR" sz="1000">
-                <a:latin typeface="맑은 고딕" charset="0"/>
-                <a:ea typeface="맑은 고딕" charset="0"/>
-              </a:rPr>
-              <a:t>      ● </a:t>
-            </a:r>
-            <a:r>
-              <a:rPr lang="ko-KR" sz="1500">
-                <a:latin typeface="맑은 고딕" charset="0"/>
-                <a:ea typeface="맑은 고딕" charset="0"/>
-              </a:rPr>
-              <a:t>2D 스프라이트로 애니메이션 작업</a:t>
             </a:r>
             <a:endParaRPr lang="ko-KR" altLang="en-US" sz="1500">
               <a:latin typeface="맑은 고딕" charset="0"/>
@@ -7754,7 +7723,7 @@
       </p:grpSpPr>
       <p:pic>
         <p:nvPicPr>
-          <p:cNvPr id="1045" name="Picture "/>
+          <p:cNvPr id="1045" name="Picture " descr="C:/Users/Admin1/AppData/Roaming/PolarisOffice/ETemp/9560_7836848/fImage480193418467.png"/>
           <p:cNvPicPr>
             <a:picLocks noChangeAspect="1"/>
           </p:cNvPicPr>
@@ -7775,7 +7744,7 @@
         <p:spPr>
           <a:xfrm rot="0">
             <a:off x="0" y="9525"/>
-            <a:ext cx="12193905" cy="6850380"/>
+            <a:ext cx="12194540" cy="6851015"/>
           </a:xfrm>
           <a:prstGeom prst="rect"/>
           <a:noFill/>
@@ -7840,9 +7809,9 @@
           <p:nvPr/>
         </p:nvSpPr>
         <p:spPr>
-          <a:xfrm>
+          <a:xfrm rot="0">
             <a:off x="1031240" y="1642110"/>
-            <a:ext cx="6308090" cy="5010785"/>
+            <a:ext cx="6741795" cy="3935095"/>
           </a:xfrm>
           <a:prstGeom prst="rect"/>
           <a:noFill/>
@@ -7878,12 +7847,43 @@
               <a:buFontTx/>
               <a:buNone/>
             </a:pPr>
-            <a:r>
-              <a:rPr lang="ko-KR" sz="2000">
-                <a:latin typeface="맑은 고딕" charset="0"/>
-                <a:ea typeface="맑은 고딕" charset="0"/>
-              </a:rPr>
-              <a:t>4월 29일 - 프로젝트 (part.5)</a:t>
+            <a:endParaRPr lang="ko-KR" altLang="en-US" sz="1000">
+              <a:latin typeface="맑은 고딕" charset="0"/>
+              <a:ea typeface="맑은 고딕" charset="0"/>
+            </a:endParaRPr>
+          </a:p>
+          <a:p>
+            <a:pPr marL="0" indent="0" algn="l" latinLnBrk="0" hangingPunct="1">
+              <a:buFontTx/>
+              <a:buNone/>
+            </a:pPr>
+            <a:r>
+              <a:rPr lang="ko-KR" sz="2000">
+                <a:latin typeface="맑은 고딕" charset="0"/>
+                <a:ea typeface="맑은 고딕" charset="0"/>
+              </a:rPr>
+              <a:t>5</a:t>
+            </a:r>
+            <a:r>
+              <a:rPr lang="ko-KR" sz="2000">
+                <a:latin typeface="맑은 고딕" charset="0"/>
+                <a:ea typeface="맑은 고딕" charset="0"/>
+              </a:rPr>
+              <a:t>월 </a:t>
+            </a:r>
+            <a:r>
+              <a:rPr lang="ko-KR" sz="2000">
+                <a:latin typeface="맑은 고딕" charset="0"/>
+                <a:ea typeface="맑은 고딕" charset="0"/>
+              </a:rPr>
+              <a:t>11</a:t>
+            </a:r>
+            <a:r>
+              <a:rPr lang="ko-KR" sz="2000">
+                <a:latin typeface="맑은 고딕" charset="0"/>
+                <a:ea typeface="맑은 고딕" charset="0"/>
+              </a:rPr>
+              <a:t>일 - 화면 캡쳐 및 스프라이트 애니메이션</a:t>
             </a:r>
             <a:endParaRPr lang="ko-KR" altLang="en-US" sz="2000">
               <a:latin typeface="맑은 고딕" charset="0"/>
@@ -7900,6 +7900,167 @@
                 <a:latin typeface="맑은 고딕" charset="0"/>
                 <a:ea typeface="맑은 고딕" charset="0"/>
               </a:rPr>
+              <a:t> </a:t>
+            </a:r>
+            <a:r>
+              <a:rPr lang="ko-KR" sz="2000">
+                <a:latin typeface="맑은 고딕" charset="0"/>
+                <a:ea typeface="맑은 고딕" charset="0"/>
+              </a:rPr>
+              <a:t>  </a:t>
+            </a:r>
+            <a:r>
+              <a:rPr lang="ko-KR" sz="1000">
+                <a:latin typeface="맑은 고딕" charset="0"/>
+                <a:ea typeface="맑은 고딕" charset="0"/>
+              </a:rPr>
+              <a:t>● </a:t>
+            </a:r>
+            <a:r>
+              <a:rPr lang="ko-KR" sz="1500">
+                <a:latin typeface="맑은 고딕" charset="0"/>
+                <a:ea typeface="맑은 고딕" charset="0"/>
+              </a:rPr>
+              <a:t>스프라이트 아틀라스 설명 및 실습</a:t>
+            </a:r>
+            <a:endParaRPr lang="ko-KR" altLang="en-US" sz="1500">
+              <a:latin typeface="맑은 고딕" charset="0"/>
+              <a:ea typeface="맑은 고딕" charset="0"/>
+            </a:endParaRPr>
+          </a:p>
+          <a:p>
+            <a:pPr marL="0" indent="0" algn="l" latinLnBrk="0" hangingPunct="1">
+              <a:buFontTx/>
+              <a:buNone/>
+            </a:pPr>
+            <a:endParaRPr lang="ko-KR" altLang="en-US" sz="1000">
+              <a:latin typeface="맑은 고딕" charset="0"/>
+              <a:ea typeface="맑은 고딕" charset="0"/>
+            </a:endParaRPr>
+          </a:p>
+          <a:p>
+            <a:pPr marL="0" indent="0" algn="l" latinLnBrk="0" hangingPunct="1">
+              <a:buFontTx/>
+              <a:buNone/>
+            </a:pPr>
+            <a:r>
+              <a:rPr lang="ko-KR" sz="1000">
+                <a:latin typeface="맑은 고딕" charset="0"/>
+                <a:ea typeface="맑은 고딕" charset="0"/>
+              </a:rPr>
+              <a:t>      ● </a:t>
+            </a:r>
+            <a:r>
+              <a:rPr lang="ko-KR" sz="1500">
+                <a:latin typeface="맑은 고딕" charset="0"/>
+                <a:ea typeface="맑은 고딕" charset="0"/>
+              </a:rPr>
+              <a:t>게임 내에 있는 화면 스크린 샷으로 로컬영역에 저장하는 시스템 설계</a:t>
+            </a:r>
+            <a:endParaRPr lang="ko-KR" altLang="en-US" sz="1500">
+              <a:latin typeface="맑은 고딕" charset="0"/>
+              <a:ea typeface="맑은 고딕" charset="0"/>
+            </a:endParaRPr>
+          </a:p>
+          <a:p>
+            <a:pPr marL="0" indent="0" algn="l" latinLnBrk="0" hangingPunct="1">
+              <a:buFontTx/>
+              <a:buNone/>
+            </a:pPr>
+            <a:r>
+              <a:rPr lang="ko-KR" sz="1000">
+                <a:latin typeface="맑은 고딕" charset="0"/>
+                <a:ea typeface="맑은 고딕" charset="0"/>
+              </a:rPr>
+              <a:t>     </a:t>
+            </a:r>
+            <a:endParaRPr lang="ko-KR" altLang="en-US" sz="1000">
+              <a:latin typeface="맑은 고딕" charset="0"/>
+              <a:ea typeface="맑은 고딕" charset="0"/>
+            </a:endParaRPr>
+          </a:p>
+          <a:p>
+            <a:pPr marL="0" indent="0" algn="l" latinLnBrk="0" hangingPunct="1">
+              <a:buFontTx/>
+              <a:buNone/>
+            </a:pPr>
+            <a:r>
+              <a:rPr lang="ko-KR" sz="1000">
+                <a:latin typeface="맑은 고딕" charset="0"/>
+                <a:ea typeface="맑은 고딕" charset="0"/>
+              </a:rPr>
+              <a:t>      ● </a:t>
+            </a:r>
+            <a:r>
+              <a:rPr lang="ko-KR" sz="1500">
+                <a:latin typeface="맑은 고딕" charset="0"/>
+                <a:ea typeface="맑은 고딕" charset="0"/>
+              </a:rPr>
+              <a:t>2D 스프라이트로 애니메이션 작업</a:t>
+            </a:r>
+            <a:endParaRPr lang="ko-KR" altLang="en-US" sz="1500">
+              <a:latin typeface="맑은 고딕" charset="0"/>
+              <a:ea typeface="맑은 고딕" charset="0"/>
+            </a:endParaRPr>
+          </a:p>
+          <a:p>
+            <a:pPr marL="0" indent="0" algn="l" latinLnBrk="0" hangingPunct="1">
+              <a:buFontTx/>
+              <a:buNone/>
+            </a:pPr>
+            <a:endParaRPr lang="ko-KR" altLang="en-US" sz="1500">
+              <a:latin typeface="맑은 고딕" charset="0"/>
+              <a:ea typeface="맑은 고딕" charset="0"/>
+            </a:endParaRPr>
+          </a:p>
+          <a:p>
+            <a:pPr marL="0" indent="0" algn="l" latinLnBrk="0" hangingPunct="1">
+              <a:buFontTx/>
+              <a:buNone/>
+            </a:pPr>
+            <a:r>
+              <a:rPr lang="ko-KR" sz="2000">
+                <a:latin typeface="맑은 고딕" charset="0"/>
+                <a:ea typeface="맑은 고딕" charset="0"/>
+              </a:rPr>
+              <a:t>5</a:t>
+            </a:r>
+            <a:r>
+              <a:rPr lang="ko-KR" sz="2000">
+                <a:latin typeface="맑은 고딕" charset="0"/>
+                <a:ea typeface="맑은 고딕" charset="0"/>
+              </a:rPr>
+              <a:t>월 </a:t>
+            </a:r>
+            <a:r>
+              <a:rPr lang="ko-KR" sz="2000">
+                <a:latin typeface="맑은 고딕" charset="0"/>
+                <a:ea typeface="맑은 고딕" charset="0"/>
+              </a:rPr>
+              <a:t>13</a:t>
+            </a:r>
+            <a:r>
+              <a:rPr lang="ko-KR" sz="2000">
+                <a:latin typeface="맑은 고딕" charset="0"/>
+                <a:ea typeface="맑은 고딕" charset="0"/>
+              </a:rPr>
+              <a:t>일 - APK 빌드 및 WebGL 빌드 </a:t>
+            </a:r>
+            <a:endParaRPr lang="ko-KR" altLang="en-US" sz="2000">
+              <a:latin typeface="맑은 고딕" charset="0"/>
+              <a:ea typeface="맑은 고딕" charset="0"/>
+            </a:endParaRPr>
+          </a:p>
+          <a:p>
+            <a:pPr marL="0" indent="0" algn="l" latinLnBrk="0" hangingPunct="1">
+              <a:buFontTx/>
+              <a:buNone/>
+            </a:pPr>
+            <a:r>
+              <a:rPr lang="ko-KR" sz="2000">
+                <a:latin typeface="맑은 고딕" charset="0"/>
+                <a:ea typeface="맑은 고딕" charset="0"/>
+              </a:rPr>
               <a:t>   </a:t>
             </a:r>
             <a:r>
@@ -7914,7 +8075,7 @@
                 <a:latin typeface="맑은 고딕" charset="0"/>
                 <a:ea typeface="맑은 고딕" charset="0"/>
               </a:rPr>
-              <a:t>멀티 플레이어의 정보를 확인하는 시스템 설계</a:t>
+              <a:t>플랫폼 변환 및 JDK, SDK 경로 설정</a:t>
             </a:r>
             <a:endParaRPr lang="ko-KR" altLang="en-US" sz="1500">
               <a:latin typeface="맑은 고딕" charset="0"/>
@@ -7948,7 +8109,7 @@
                 <a:latin typeface="맑은 고딕" charset="0"/>
                 <a:ea typeface="맑은 고딕" charset="0"/>
               </a:rPr>
-              <a:t>멀티 플레이어와 상호작용 및 충돌 판정 설정</a:t>
+              <a:t>패키지 이름 설정과 API 버전 설정</a:t>
             </a:r>
             <a:endParaRPr lang="ko-KR" altLang="en-US" sz="1500">
               <a:latin typeface="맑은 고딕" charset="0"/>
@@ -7960,6 +8121,13 @@
               <a:buFontTx/>
               <a:buNone/>
             </a:pPr>
+            <a:r>
+              <a:rPr lang="ko-KR" sz="1000">
+                <a:latin typeface="맑은 고딕" charset="0"/>
+                <a:ea typeface="맑은 고딕" charset="0"/>
+              </a:rPr>
+              <a:t>  </a:t>
+            </a:r>
             <a:endParaRPr lang="ko-KR" altLang="en-US" sz="1000">
               <a:latin typeface="맑은 고딕" charset="0"/>
               <a:ea typeface="맑은 고딕" charset="0"/>
@@ -7975,6 +8143,54 @@
                 <a:latin typeface="맑은 고딕" charset="0"/>
                 <a:ea typeface="맑은 고딕" charset="0"/>
               </a:rPr>
+              <a:t>      </a:t>
+            </a:r>
+            <a:r>
+              <a:rPr lang="ko-KR" sz="1000">
+                <a:latin typeface="맑은 고딕" charset="0"/>
+                <a:ea typeface="맑은 고딕" charset="0"/>
+              </a:rPr>
+              <a:t>● </a:t>
+            </a:r>
+            <a:r>
+              <a:rPr lang="ko-KR" sz="1500">
+                <a:latin typeface="맑은 고딕" charset="0"/>
+                <a:ea typeface="맑은 고딕" charset="0"/>
+              </a:rPr>
+              <a:t>고정 해상도 설정</a:t>
+            </a:r>
+            <a:endParaRPr lang="ko-KR" altLang="en-US" sz="1500">
+              <a:latin typeface="맑은 고딕" charset="0"/>
+              <a:ea typeface="맑은 고딕" charset="0"/>
+            </a:endParaRPr>
+          </a:p>
+          <a:p>
+            <a:pPr marL="0" indent="0" algn="l" latinLnBrk="0" hangingPunct="1">
+              <a:buFontTx/>
+              <a:buNone/>
+            </a:pPr>
+            <a:r>
+              <a:rPr lang="ko-KR" sz="1000">
+                <a:latin typeface="맑은 고딕" charset="0"/>
+                <a:ea typeface="맑은 고딕" charset="0"/>
+              </a:rPr>
+              <a:t>     </a:t>
+            </a:r>
+            <a:endParaRPr lang="ko-KR" altLang="en-US" sz="1000">
+              <a:latin typeface="맑은 고딕" charset="0"/>
+              <a:ea typeface="맑은 고딕" charset="0"/>
+            </a:endParaRPr>
+          </a:p>
+          <a:p>
+            <a:pPr marL="0" indent="0" algn="l" latinLnBrk="0" hangingPunct="1">
+              <a:buFontTx/>
+              <a:buNone/>
+            </a:pPr>
+            <a:r>
+              <a:rPr lang="ko-KR" sz="1000">
+                <a:latin typeface="맑은 고딕" charset="0"/>
+                <a:ea typeface="맑은 고딕" charset="0"/>
+              </a:rPr>
               <a:t>      ● </a:t>
             </a:r>
             <a:r>
@@ -7982,824 +8198,8 @@
                 <a:latin typeface="맑은 고딕" charset="0"/>
                 <a:ea typeface="맑은 고딕" charset="0"/>
               </a:rPr>
-              <a:t>멀티 플레이어와 데이터 통신 및 음성 대화 목록 제작</a:t>
-            </a:r>
-            <a:endParaRPr lang="ko-KR" altLang="en-US" sz="1500">
-              <a:latin typeface="맑은 고딕" charset="0"/>
-              <a:ea typeface="맑은 고딕" charset="0"/>
-            </a:endParaRPr>
-          </a:p>
-          <a:p>
-            <a:pPr marL="0" indent="0" algn="l" latinLnBrk="0" hangingPunct="1">
-              <a:buFontTx/>
-              <a:buNone/>
-            </a:pPr>
-            <a:endParaRPr lang="ko-KR" altLang="en-US" sz="1000">
-              <a:latin typeface="맑은 고딕" charset="0"/>
-              <a:ea typeface="맑은 고딕" charset="0"/>
-            </a:endParaRPr>
-          </a:p>
-          <a:p>
-            <a:pPr marL="0" indent="0" algn="l" latinLnBrk="0" hangingPunct="1">
-              <a:buFontTx/>
-              <a:buNone/>
-            </a:pPr>
-            <a:r>
-              <a:rPr lang="ko-KR" sz="2000">
-                <a:latin typeface="맑은 고딕" charset="0"/>
-                <a:ea typeface="맑은 고딕" charset="0"/>
-              </a:rPr>
-              <a:t>5월 2일 - 프로젝트 (part.6) </a:t>
-            </a:r>
-            <a:endParaRPr lang="ko-KR" altLang="en-US" sz="2000">
-              <a:latin typeface="맑은 고딕" charset="0"/>
-              <a:ea typeface="맑은 고딕" charset="0"/>
-            </a:endParaRPr>
-          </a:p>
-          <a:p>
-            <a:pPr marL="0" indent="0" algn="l" latinLnBrk="0" hangingPunct="1">
-              <a:buFontTx/>
-              <a:buNone/>
-            </a:pPr>
-            <a:r>
-              <a:rPr lang="ko-KR" sz="2000">
-                <a:latin typeface="맑은 고딕" charset="0"/>
-                <a:ea typeface="맑은 고딕" charset="0"/>
-              </a:rPr>
-              <a:t>   </a:t>
-            </a:r>
-            <a:r>
-              <a:rPr lang="ko-KR" sz="1000">
-                <a:latin typeface="맑은 고딕" charset="0"/>
-                <a:ea typeface="맑은 고딕" charset="0"/>
-              </a:rPr>
-              <a:t>●</a:t>
-            </a:r>
-            <a:r>
-              <a:rPr lang="ko-KR" sz="1500">
-                <a:latin typeface="맑은 고딕" charset="0"/>
-                <a:ea typeface="맑은 고딕" charset="0"/>
-              </a:rPr>
-              <a:t> 파티클 시스템으로 폭파 효과 적용 </a:t>
-            </a:r>
-            <a:endParaRPr lang="ko-KR" altLang="en-US" sz="1500">
-              <a:latin typeface="맑은 고딕" charset="0"/>
-              <a:ea typeface="맑은 고딕" charset="0"/>
-            </a:endParaRPr>
-          </a:p>
-          <a:p>
-            <a:pPr marL="0" indent="0" algn="l" latinLnBrk="0" hangingPunct="1">
-              <a:buFontTx/>
-              <a:buNone/>
-            </a:pPr>
-            <a:endParaRPr lang="ko-KR" altLang="en-US" sz="1000">
-              <a:latin typeface="맑은 고딕" charset="0"/>
-              <a:ea typeface="맑은 고딕" charset="0"/>
-            </a:endParaRPr>
-          </a:p>
-          <a:p>
-            <a:pPr marL="0" indent="0" algn="l" latinLnBrk="0" hangingPunct="1">
-              <a:buFontTx/>
-              <a:buNone/>
-            </a:pPr>
-            <a:r>
-              <a:rPr lang="ko-KR" sz="2000">
-                <a:latin typeface="맑은 고딕" charset="0"/>
-                <a:ea typeface="맑은 고딕" charset="0"/>
-              </a:rPr>
-              <a:t>   </a:t>
-            </a:r>
-            <a:r>
-              <a:rPr lang="ko-KR" sz="1000">
-                <a:latin typeface="맑은 고딕" charset="0"/>
-                <a:ea typeface="맑은 고딕" charset="0"/>
-              </a:rPr>
-              <a:t>● </a:t>
-            </a:r>
-            <a:r>
-              <a:rPr lang="ko-KR" sz="1500">
-                <a:latin typeface="맑은 고딕" charset="0"/>
-                <a:ea typeface="맑은 고딕" charset="0"/>
-              </a:rPr>
-              <a:t>게임 오브젝트 보관 및 소모 시스템 설정</a:t>
-            </a:r>
-            <a:endParaRPr lang="ko-KR" altLang="en-US" sz="1500">
-              <a:latin typeface="맑은 고딕" charset="0"/>
-              <a:ea typeface="맑은 고딕" charset="0"/>
-            </a:endParaRPr>
-          </a:p>
-          <a:p>
-            <a:pPr marL="0" indent="0" algn="l" latinLnBrk="0" hangingPunct="1">
-              <a:buFontTx/>
-              <a:buNone/>
-            </a:pPr>
-            <a:endParaRPr lang="ko-KR" altLang="en-US" sz="1000">
-              <a:latin typeface="맑은 고딕" charset="0"/>
-              <a:ea typeface="맑은 고딕" charset="0"/>
-            </a:endParaRPr>
-          </a:p>
-          <a:p>
-            <a:pPr marL="0" indent="0" algn="l" latinLnBrk="0" hangingPunct="1">
-              <a:buFontTx/>
-              <a:buNone/>
-            </a:pPr>
-            <a:r>
-              <a:rPr lang="ko-KR" sz="1000">
-                <a:latin typeface="맑은 고딕" charset="0"/>
-                <a:ea typeface="맑은 고딕" charset="0"/>
-              </a:rPr>
-              <a:t>      ● </a:t>
-            </a:r>
-            <a:r>
-              <a:rPr lang="ko-KR" sz="1500">
-                <a:latin typeface="맑은 고딕" charset="0"/>
-                <a:ea typeface="맑은 고딕" charset="0"/>
-              </a:rPr>
-              <a:t>고정 해상도 설정</a:t>
-            </a:r>
-            <a:endParaRPr lang="ko-KR" altLang="en-US" sz="1500">
-              <a:latin typeface="맑은 고딕" charset="0"/>
-              <a:ea typeface="맑은 고딕" charset="0"/>
-            </a:endParaRPr>
-          </a:p>
-          <a:p>
-            <a:pPr marL="0" indent="0" algn="l" latinLnBrk="0" hangingPunct="1">
-              <a:buFontTx/>
-              <a:buNone/>
-            </a:pPr>
-            <a:endParaRPr lang="ko-KR" altLang="en-US" sz="1000">
-              <a:latin typeface="맑은 고딕" charset="0"/>
-              <a:ea typeface="맑은 고딕" charset="0"/>
-            </a:endParaRPr>
-          </a:p>
-          <a:p>
-            <a:pPr marL="0" indent="0" algn="l" latinLnBrk="0" hangingPunct="1">
-              <a:buFontTx/>
-              <a:buNone/>
-            </a:pPr>
-            <a:r>
-              <a:rPr lang="ko-KR" sz="2000">
-                <a:latin typeface="맑은 고딕" charset="0"/>
-                <a:ea typeface="맑은 고딕" charset="0"/>
-              </a:rPr>
-              <a:t>5월 </a:t>
-            </a:r>
-            <a:r>
-              <a:rPr lang="ko-KR" sz="2000">
-                <a:latin typeface="맑은 고딕" charset="0"/>
-                <a:ea typeface="맑은 고딕" charset="0"/>
-              </a:rPr>
-              <a:t>4일 </a:t>
-            </a:r>
-            <a:r>
-              <a:rPr lang="ko-KR" sz="2000">
-                <a:latin typeface="맑은 고딕" charset="0"/>
-                <a:ea typeface="맑은 고딕" charset="0"/>
-              </a:rPr>
-              <a:t>프로젝트 (part.</a:t>
-            </a:r>
-            <a:r>
-              <a:rPr lang="ko-KR" sz="2000">
-                <a:latin typeface="맑은 고딕" charset="0"/>
-                <a:ea typeface="맑은 고딕" charset="0"/>
-              </a:rPr>
-              <a:t>7</a:t>
-            </a:r>
-            <a:r>
-              <a:rPr lang="ko-KR" sz="2000">
-                <a:latin typeface="맑은 고딕" charset="0"/>
-                <a:ea typeface="맑은 고딕" charset="0"/>
-              </a:rPr>
-              <a:t>) </a:t>
-            </a:r>
-            <a:endParaRPr lang="ko-KR" altLang="en-US" sz="2000">
-              <a:latin typeface="맑은 고딕" charset="0"/>
-              <a:ea typeface="맑은 고딕" charset="0"/>
-            </a:endParaRPr>
-          </a:p>
-          <a:p>
-            <a:pPr marL="0" indent="0" algn="l" latinLnBrk="0" hangingPunct="1">
-              <a:buFontTx/>
-              <a:buNone/>
-            </a:pPr>
-            <a:r>
-              <a:rPr lang="ko-KR" sz="2000">
-                <a:latin typeface="맑은 고딕" charset="0"/>
-                <a:ea typeface="맑은 고딕" charset="0"/>
-              </a:rPr>
-              <a:t>   </a:t>
-            </a:r>
-            <a:r>
-              <a:rPr lang="ko-KR" sz="1000">
-                <a:latin typeface="맑은 고딕" charset="0"/>
-                <a:ea typeface="맑은 고딕" charset="0"/>
-              </a:rPr>
-              <a:t>●</a:t>
-            </a:r>
-            <a:r>
-              <a:rPr lang="ko-KR" sz="1500">
-                <a:latin typeface="맑은 고딕" charset="0"/>
-                <a:ea typeface="맑은 고딕" charset="0"/>
-              </a:rPr>
-              <a:t> </a:t>
-            </a:r>
-            <a:r>
-              <a:rPr lang="ko-KR" sz="1500">
-                <a:latin typeface="맑은 고딕" charset="0"/>
-                <a:ea typeface="맑은 고딕" charset="0"/>
-              </a:rPr>
-              <a:t>아이템 장착 및 해제 시스템 설계</a:t>
-            </a:r>
-            <a:r>
-              <a:rPr lang="ko-KR" sz="1500">
-                <a:latin typeface="맑은 고딕" charset="0"/>
-                <a:ea typeface="맑은 고딕" charset="0"/>
-              </a:rPr>
-              <a:t> </a:t>
-            </a:r>
-            <a:endParaRPr lang="ko-KR" altLang="en-US" sz="1500">
-              <a:latin typeface="맑은 고딕" charset="0"/>
-              <a:ea typeface="맑은 고딕" charset="0"/>
-            </a:endParaRPr>
-          </a:p>
-          <a:p>
-            <a:pPr marL="0" indent="0" algn="l" latinLnBrk="0" hangingPunct="1">
-              <a:buFontTx/>
-              <a:buNone/>
-            </a:pPr>
-            <a:endParaRPr lang="ko-KR" altLang="en-US" sz="1000">
-              <a:latin typeface="맑은 고딕" charset="0"/>
-              <a:ea typeface="맑은 고딕" charset="0"/>
-            </a:endParaRPr>
-          </a:p>
-          <a:p>
-            <a:pPr marL="0" indent="0" algn="l" latinLnBrk="0" hangingPunct="1">
-              <a:buFontTx/>
-              <a:buNone/>
-            </a:pPr>
-            <a:r>
-              <a:rPr lang="ko-KR" sz="2000">
-                <a:latin typeface="맑은 고딕" charset="0"/>
-                <a:ea typeface="맑은 고딕" charset="0"/>
-              </a:rPr>
-              <a:t>   </a:t>
-            </a:r>
-            <a:r>
-              <a:rPr lang="ko-KR" sz="1000">
-                <a:latin typeface="맑은 고딕" charset="0"/>
-                <a:ea typeface="맑은 고딕" charset="0"/>
-              </a:rPr>
-              <a:t>● </a:t>
-            </a:r>
-            <a:r>
-              <a:rPr lang="ko-KR" sz="1500">
-                <a:latin typeface="맑은 고딕" charset="0"/>
-                <a:ea typeface="맑은 고딕" charset="0"/>
-              </a:rPr>
-              <a:t>아이템 교체 시스템 설정</a:t>
-            </a:r>
-            <a:endParaRPr lang="ko-KR" altLang="en-US" sz="1500">
-              <a:latin typeface="맑은 고딕" charset="0"/>
-              <a:ea typeface="맑은 고딕" charset="0"/>
-            </a:endParaRPr>
-          </a:p>
-          <a:p>
-            <a:pPr marL="0" indent="0" algn="l" latinLnBrk="0" hangingPunct="1">
-              <a:buFontTx/>
-              <a:buNone/>
-            </a:pPr>
-            <a:endParaRPr lang="ko-KR" altLang="en-US" sz="1000">
-              <a:latin typeface="맑은 고딕" charset="0"/>
-              <a:ea typeface="맑은 고딕" charset="0"/>
-            </a:endParaRPr>
-          </a:p>
-          <a:p>
-            <a:pPr marL="0" indent="0" algn="l" latinLnBrk="0" hangingPunct="1">
-              <a:buFontTx/>
-              <a:buNone/>
-            </a:pPr>
-            <a:r>
-              <a:rPr lang="ko-KR" sz="1000">
-                <a:latin typeface="맑은 고딕" charset="0"/>
-                <a:ea typeface="맑은 고딕" charset="0"/>
-              </a:rPr>
-              <a:t>      ● </a:t>
-            </a:r>
-            <a:r>
-              <a:rPr lang="ko-KR" sz="1500">
-                <a:latin typeface="맑은 고딕" charset="0"/>
-                <a:ea typeface="맑은 고딕" charset="0"/>
-              </a:rPr>
-              <a:t>조이스틱 시스템 제작</a:t>
-            </a:r>
-            <a:endParaRPr lang="ko-KR" altLang="en-US" sz="1500">
-              <a:latin typeface="맑은 고딕" charset="0"/>
-              <a:ea typeface="맑은 고딕" charset="0"/>
-            </a:endParaRPr>
-          </a:p>
-        </p:txBody>
-      </p:sp>
-    </p:spTree>
-  </p:cSld>
-  <p:clrMapOvr>
-    <a:masterClrMapping/>
-  </p:clrMapOvr>
-  <mc:AlternateContent xmlns:mc="http://schemas.openxmlformats.org/markup-compatibility/2006">
-    <mc:Choice xmlns:p14="http://schemas.microsoft.com/office/powerpoint/2010/main" Requires="p14">
-      <p:transition spd="slow" p14:dur="2000"/>
-    </mc:Choice>
-    <mc:Fallback>
-      <p:transition spd="slow"/>
-    </mc:Fallback>
-  </mc:AlternateContent>
-  <p:timing>
-    <p:tnLst>
-      <p:par>
-        <p:cTn id="1" dur="indefinite" restart="never" nodeType="tmRoot"/>
-      </p:par>
-    </p:tnLst>
-  </p:timing>
-</p:sld>
-</file>
-
-<file path=ppt/slides/slide14.xml><?xml version="1.0" encoding="utf-8"?>
-<p:sld xmlns:a="http://schemas.openxmlformats.org/drawingml/2006/main" xmlns:r="http://schemas.openxmlformats.org/officeDocument/2006/relationships" xmlns:p="http://schemas.openxmlformats.org/presentationml/2006/main">
-  <p:cSld>
-    <p:spTree>
-      <p:nvGrpSpPr>
-        <p:cNvPr id="1" name=""/>
-        <p:cNvGrpSpPr/>
-        <p:nvPr/>
-      </p:nvGrpSpPr>
-      <p:grpSpPr>
-        <a:xfrm>
-          <a:off x="0" y="0"/>
-          <a:ext cx="0" cy="0"/>
-          <a:chOff x="0" y="0"/>
-          <a:chExt cx="0" cy="0"/>
-        </a:xfrm>
-      </p:grpSpPr>
-      <p:pic>
-        <p:nvPicPr>
-          <p:cNvPr id="1045" name="Picture " descr="C:/Users/Admin1/AppData/Roaming/PolarisOffice/ETemp/13072_14723328/fImage480193418467.png"/>
-          <p:cNvPicPr>
-            <a:picLocks noChangeAspect="1"/>
-          </p:cNvPicPr>
-          <p:nvPr/>
-        </p:nvPicPr>
-        <p:blipFill rotWithShape="1">
-          <a:blip r:embed="rId2" cstate="hqprint">
-            <a:extLst>
-              <a:ext uri="{28A0092B-C50C-407E-A947-70E740481C1C}">
-                <a14:useLocalDpi xmlns:a14="http://schemas.microsoft.com/office/drawing/2010/main"/>
-              </a:ext>
-            </a:extLst>
-          </a:blip>
-          <a:stretch>
-            <a:fillRect/>
-          </a:stretch>
-        </p:blipFill>
-        <p:spPr>
-          <a:xfrm rot="0">
-            <a:off x="0" y="9525"/>
-            <a:ext cx="12194540" cy="6851015"/>
-          </a:xfrm>
-          <a:prstGeom prst="rect"/>
-          <a:noFill/>
-        </p:spPr>
-      </p:pic>
-      <p:sp>
-        <p:nvSpPr>
-          <p:cNvPr id="1031" name="Rect 0"/>
-          <p:cNvSpPr txBox="1">
-            <a:spLocks/>
-          </p:cNvSpPr>
-          <p:nvPr/>
-        </p:nvSpPr>
-        <p:spPr>
-          <a:xfrm rot="0">
-            <a:off x="4234815" y="208915"/>
-            <a:ext cx="3729355" cy="554990"/>
-          </a:xfrm>
-          <a:prstGeom prst="rect"/>
-          <a:noFill/>
-          <a:ln w="0">
-            <a:noFill/>
-            <a:prstDash/>
-          </a:ln>
-        </p:spPr>
-        <p:txBody>
-          <a:bodyPr wrap="square" lIns="89535" tIns="46355" rIns="89535" bIns="46355" numCol="1" vert="horz" anchor="t">
-            <a:spAutoFit/>
-          </a:bodyPr>
-          <a:lstStyle/>
-          <a:p>
-            <a:pPr marL="0" indent="0" algn="l" latinLnBrk="0">
-              <a:buFontTx/>
-              <a:buNone/>
-            </a:pPr>
-            <a:r>
-              <a:rPr lang="ko-KR" altLang="en-US" sz="3000" b="1">
-                <a:solidFill>
-                  <a:schemeClr val="tx1"/>
-                </a:solidFill>
-                <a:latin typeface="맑은 고딕" charset="0"/>
-                <a:ea typeface="맑은 고딕" charset="0"/>
-              </a:rPr>
-              <a:t>1</a:t>
-            </a:r>
-            <a:r>
-              <a:rPr lang="ko-KR" altLang="en-US" sz="3000" b="1">
-                <a:solidFill>
-                  <a:schemeClr val="tx1"/>
-                </a:solidFill>
-                <a:latin typeface="맑은 고딕" charset="0"/>
-                <a:ea typeface="맑은 고딕" charset="0"/>
-              </a:rPr>
-              <a:t>3</a:t>
-            </a:r>
-            <a:r>
-              <a:rPr lang="ko-KR" altLang="en-US" sz="3000" b="1">
-                <a:solidFill>
-                  <a:schemeClr val="tx1"/>
-                </a:solidFill>
-                <a:latin typeface="맑은 고딕" charset="0"/>
-                <a:ea typeface="맑은 고딕" charset="0"/>
-              </a:rPr>
-              <a:t> 주차 유니티 강의</a:t>
-            </a:r>
-            <a:endParaRPr lang="ko-KR" altLang="en-US" sz="3000" b="1">
-              <a:solidFill>
-                <a:schemeClr val="tx1"/>
-              </a:solidFill>
-              <a:latin typeface="맑은 고딕" charset="0"/>
-              <a:ea typeface="맑은 고딕" charset="0"/>
-            </a:endParaRPr>
-          </a:p>
-        </p:txBody>
-      </p:sp>
-      <p:sp>
-        <p:nvSpPr>
-          <p:cNvPr id="1046" name="Rect 0"/>
-          <p:cNvSpPr txBox="1">
-            <a:spLocks/>
-          </p:cNvSpPr>
-          <p:nvPr/>
-        </p:nvSpPr>
-        <p:spPr>
-          <a:xfrm rot="0">
-            <a:off x="1031240" y="1642110"/>
-            <a:ext cx="6308090" cy="3550920"/>
-          </a:xfrm>
-          <a:prstGeom prst="rect"/>
-          <a:noFill/>
-          <a:ln w="0">
-            <a:noFill/>
-            <a:prstDash/>
-          </a:ln>
-        </p:spPr>
-        <p:txBody>
-          <a:bodyPr wrap="square" lIns="89535" tIns="46355" rIns="89535" bIns="46355" numCol="1" vert="horz" anchor="t">
-            <a:spAutoFit/>
-          </a:bodyPr>
-          <a:lstStyle/>
-          <a:p>
-            <a:pPr marL="0" indent="0" algn="l" latinLnBrk="0" hangingPunct="1">
-              <a:buFontTx/>
-              <a:buNone/>
-            </a:pPr>
-            <a:r>
-              <a:rPr lang="ko-KR" sz="2000">
-                <a:latin typeface="맑은 고딕" charset="0"/>
-                <a:ea typeface="맑은 고딕" charset="0"/>
-              </a:rPr>
-              <a:t>- 열</a:t>
-            </a:r>
-            <a:r>
-              <a:rPr lang="ko-KR" sz="2000">
-                <a:latin typeface="맑은 고딕" charset="0"/>
-                <a:ea typeface="맑은 고딕" charset="0"/>
-              </a:rPr>
-              <a:t>셋</a:t>
-            </a:r>
-            <a:r>
-              <a:rPr lang="ko-KR" sz="2000">
-                <a:latin typeface="맑은 고딕" charset="0"/>
-                <a:ea typeface="맑은 고딕" charset="0"/>
-              </a:rPr>
-              <a:t>째 주 강의</a:t>
-            </a:r>
-            <a:endParaRPr lang="ko-KR" altLang="en-US" sz="2000">
-              <a:latin typeface="맑은 고딕" charset="0"/>
-              <a:ea typeface="맑은 고딕" charset="0"/>
-            </a:endParaRPr>
-          </a:p>
-          <a:p>
-            <a:pPr marL="0" indent="0" algn="l" latinLnBrk="0" hangingPunct="1">
-              <a:buFontTx/>
-              <a:buNone/>
-            </a:pPr>
-            <a:r>
-              <a:rPr lang="ko-KR" sz="2000">
-                <a:latin typeface="맑은 고딕" charset="0"/>
-                <a:ea typeface="맑은 고딕" charset="0"/>
-              </a:rPr>
-              <a:t>5</a:t>
-            </a:r>
-            <a:r>
-              <a:rPr lang="ko-KR" sz="2000">
-                <a:latin typeface="맑은 고딕" charset="0"/>
-                <a:ea typeface="맑은 고딕" charset="0"/>
-              </a:rPr>
-              <a:t>월 </a:t>
-            </a:r>
-            <a:r>
-              <a:rPr lang="ko-KR" sz="2000">
-                <a:latin typeface="맑은 고딕" charset="0"/>
-                <a:ea typeface="맑은 고딕" charset="0"/>
-              </a:rPr>
-              <a:t>6</a:t>
-            </a:r>
-            <a:r>
-              <a:rPr lang="ko-KR" sz="2000">
-                <a:latin typeface="맑은 고딕" charset="0"/>
-                <a:ea typeface="맑은 고딕" charset="0"/>
-              </a:rPr>
-              <a:t>일 - 프로젝트 (part.</a:t>
-            </a:r>
-            <a:r>
-              <a:rPr lang="ko-KR" sz="2000">
-                <a:latin typeface="맑은 고딕" charset="0"/>
-                <a:ea typeface="맑은 고딕" charset="0"/>
-              </a:rPr>
-              <a:t>8</a:t>
-            </a:r>
-            <a:r>
-              <a:rPr lang="ko-KR" sz="2000">
-                <a:latin typeface="맑은 고딕" charset="0"/>
-                <a:ea typeface="맑은 고딕" charset="0"/>
-              </a:rPr>
-              <a:t>)</a:t>
-            </a:r>
-            <a:endParaRPr lang="ko-KR" altLang="en-US" sz="2000">
-              <a:latin typeface="맑은 고딕" charset="0"/>
-              <a:ea typeface="맑은 고딕" charset="0"/>
-            </a:endParaRPr>
-          </a:p>
-          <a:p>
-            <a:pPr marL="0" indent="0" algn="l" latinLnBrk="0" hangingPunct="1">
-              <a:buFontTx/>
-              <a:buNone/>
-            </a:pPr>
-            <a:r>
-              <a:rPr lang="ko-KR" sz="2000">
-                <a:latin typeface="맑은 고딕" charset="0"/>
-                <a:ea typeface="맑은 고딕" charset="0"/>
-              </a:rPr>
-              <a:t>   </a:t>
-            </a:r>
-            <a:r>
-              <a:rPr lang="ko-KR" sz="1000">
-                <a:latin typeface="맑은 고딕" charset="0"/>
-                <a:ea typeface="맑은 고딕" charset="0"/>
-              </a:rPr>
-              <a:t>● </a:t>
-            </a:r>
-            <a:r>
-              <a:rPr lang="ko-KR" sz="1500">
-                <a:latin typeface="맑은 고딕" charset="0"/>
-                <a:ea typeface="맑은 고딕" charset="0"/>
-              </a:rPr>
-              <a:t>유저 인터페이스 설계 및 상호작용</a:t>
-            </a:r>
-            <a:endParaRPr lang="ko-KR" altLang="en-US" sz="1500">
-              <a:latin typeface="맑은 고딕" charset="0"/>
-              <a:ea typeface="맑은 고딕" charset="0"/>
-            </a:endParaRPr>
-          </a:p>
-          <a:p>
-            <a:pPr marL="0" indent="0" algn="l" latinLnBrk="0" hangingPunct="1">
-              <a:buFontTx/>
-              <a:buNone/>
-            </a:pPr>
-            <a:endParaRPr lang="ko-KR" altLang="en-US" sz="1000">
-              <a:latin typeface="맑은 고딕" charset="0"/>
-              <a:ea typeface="맑은 고딕" charset="0"/>
-            </a:endParaRPr>
-          </a:p>
-          <a:p>
-            <a:pPr marL="0" indent="0" algn="l" latinLnBrk="0" hangingPunct="1">
-              <a:buFontTx/>
-              <a:buNone/>
-            </a:pPr>
-            <a:r>
-              <a:rPr lang="ko-KR" sz="1000">
-                <a:latin typeface="맑은 고딕" charset="0"/>
-                <a:ea typeface="맑은 고딕" charset="0"/>
-              </a:rPr>
-              <a:t>      ● </a:t>
-            </a:r>
-            <a:r>
-              <a:rPr lang="ko-KR" sz="1500">
-                <a:latin typeface="맑은 고딕" charset="0"/>
-                <a:ea typeface="맑은 고딕" charset="0"/>
-              </a:rPr>
-              <a:t>셰이더 설정 및 머티리얼 변경</a:t>
-            </a:r>
-            <a:endParaRPr lang="ko-KR" altLang="en-US" sz="1500">
-              <a:latin typeface="맑은 고딕" charset="0"/>
-              <a:ea typeface="맑은 고딕" charset="0"/>
-            </a:endParaRPr>
-          </a:p>
-          <a:p>
-            <a:pPr marL="0" indent="0" algn="l" latinLnBrk="0" hangingPunct="1">
-              <a:buFontTx/>
-              <a:buNone/>
-            </a:pPr>
-            <a:endParaRPr lang="ko-KR" altLang="en-US" sz="1000">
-              <a:latin typeface="맑은 고딕" charset="0"/>
-              <a:ea typeface="맑은 고딕" charset="0"/>
-            </a:endParaRPr>
-          </a:p>
-          <a:p>
-            <a:pPr marL="0" indent="0" algn="l" latinLnBrk="0" hangingPunct="1">
-              <a:buFontTx/>
-              <a:buNone/>
-            </a:pPr>
-            <a:r>
-              <a:rPr lang="ko-KR" sz="1000">
-                <a:latin typeface="맑은 고딕" charset="0"/>
-                <a:ea typeface="맑은 고딕" charset="0"/>
-              </a:rPr>
-              <a:t>      ● </a:t>
-            </a:r>
-            <a:r>
-              <a:rPr lang="ko-KR" sz="1500">
-                <a:latin typeface="맑은 고딕" charset="0"/>
-                <a:ea typeface="맑은 고딕" charset="0"/>
-              </a:rPr>
-              <a:t>카메라 속성을 이용한 거울 효과 설정</a:t>
-            </a:r>
-            <a:endParaRPr lang="ko-KR" altLang="en-US" sz="1500">
-              <a:latin typeface="맑은 고딕" charset="0"/>
-              <a:ea typeface="맑은 고딕" charset="0"/>
-            </a:endParaRPr>
-          </a:p>
-          <a:p>
-            <a:pPr marL="0" indent="0" algn="l" latinLnBrk="0" hangingPunct="1">
-              <a:buFontTx/>
-              <a:buNone/>
-            </a:pPr>
-            <a:endParaRPr lang="ko-KR" altLang="en-US" sz="1000">
-              <a:latin typeface="맑은 고딕" charset="0"/>
-              <a:ea typeface="맑은 고딕" charset="0"/>
-            </a:endParaRPr>
-          </a:p>
-          <a:p>
-            <a:pPr marL="0" indent="0" algn="l" latinLnBrk="0" hangingPunct="1">
-              <a:buFontTx/>
-              <a:buNone/>
-            </a:pPr>
-            <a:r>
-              <a:rPr lang="ko-KR" sz="2000">
-                <a:latin typeface="맑은 고딕" charset="0"/>
-                <a:ea typeface="맑은 고딕" charset="0"/>
-              </a:rPr>
-              <a:t>5월 </a:t>
-            </a:r>
-            <a:r>
-              <a:rPr lang="ko-KR" sz="2000">
-                <a:latin typeface="맑은 고딕" charset="0"/>
-                <a:ea typeface="맑은 고딕" charset="0"/>
-              </a:rPr>
-              <a:t>9</a:t>
-            </a:r>
-            <a:r>
-              <a:rPr lang="ko-KR" sz="2000">
-                <a:latin typeface="맑은 고딕" charset="0"/>
-                <a:ea typeface="맑은 고딕" charset="0"/>
-              </a:rPr>
-              <a:t>일 - APK 빌드 및 WebGL 빌드</a:t>
-            </a:r>
-            <a:r>
-              <a:rPr lang="ko-KR" sz="2000">
-                <a:latin typeface="맑은 고딕" charset="0"/>
-                <a:ea typeface="맑은 고딕" charset="0"/>
-              </a:rPr>
-              <a:t/>
-            </a:r>
-            <a:br>
-              <a:rPr lang="ko-KR" sz="2000">
-                <a:latin typeface="맑은 고딕" charset="0"/>
-                <a:ea typeface="맑은 고딕" charset="0"/>
-              </a:rPr>
-            </a:br>
-            <a:r>
-              <a:rPr lang="ko-KR" sz="2000">
-                <a:latin typeface="맑은 고딕" charset="0"/>
-                <a:ea typeface="맑은 고딕" charset="0"/>
-              </a:rPr>
-              <a:t>   </a:t>
-            </a:r>
-            <a:r>
-              <a:rPr lang="ko-KR" sz="1000">
-                <a:latin typeface="맑은 고딕" charset="0"/>
-                <a:ea typeface="맑은 고딕" charset="0"/>
-              </a:rPr>
-              <a:t>● </a:t>
-            </a:r>
-            <a:r>
-              <a:rPr lang="ko-KR" sz="1500">
-                <a:latin typeface="맑은 고딕" charset="0"/>
-                <a:ea typeface="맑은 고딕" charset="0"/>
-              </a:rPr>
-              <a:t>플랫폼 변환 및 JDK, SDK 경로 설정</a:t>
-            </a:r>
-            <a:endParaRPr lang="ko-KR" altLang="en-US" sz="1500">
-              <a:latin typeface="맑은 고딕" charset="0"/>
-              <a:ea typeface="맑은 고딕" charset="0"/>
-            </a:endParaRPr>
-          </a:p>
-          <a:p>
-            <a:pPr marL="0" indent="0" algn="l" latinLnBrk="0" hangingPunct="1">
-              <a:buFontTx/>
-              <a:buNone/>
-            </a:pPr>
-            <a:endParaRPr lang="ko-KR" altLang="en-US" sz="1000">
-              <a:latin typeface="맑은 고딕" charset="0"/>
-              <a:ea typeface="맑은 고딕" charset="0"/>
-            </a:endParaRPr>
-          </a:p>
-          <a:p>
-            <a:pPr marL="0" indent="0" algn="l" latinLnBrk="0" hangingPunct="1">
-              <a:buFontTx/>
-              <a:buNone/>
-            </a:pPr>
-            <a:r>
-              <a:rPr lang="ko-KR" sz="1000">
-                <a:latin typeface="맑은 고딕" charset="0"/>
-                <a:ea typeface="맑은 고딕" charset="0"/>
-              </a:rPr>
-              <a:t>      ● </a:t>
-            </a:r>
-            <a:r>
-              <a:rPr lang="ko-KR" sz="1500">
-                <a:latin typeface="맑은 고딕" charset="0"/>
-                <a:ea typeface="맑은 고딕" charset="0"/>
-              </a:rPr>
-              <a:t>패키지 이름 설정과 API 버전 설정</a:t>
-            </a:r>
-            <a:endParaRPr lang="ko-KR" altLang="en-US" sz="1500">
-              <a:latin typeface="맑은 고딕" charset="0"/>
-              <a:ea typeface="맑은 고딕" charset="0"/>
-            </a:endParaRPr>
-          </a:p>
-          <a:p>
-            <a:pPr marL="0" indent="0" algn="l" latinLnBrk="0" hangingPunct="1">
-              <a:buFontTx/>
-              <a:buNone/>
-            </a:pPr>
-            <a:r>
-              <a:rPr lang="ko-KR" sz="1000">
-                <a:latin typeface="맑은 고딕" charset="0"/>
-                <a:ea typeface="맑은 고딕" charset="0"/>
-              </a:rPr>
-              <a:t>     </a:t>
-            </a:r>
-            <a:endParaRPr lang="ko-KR" altLang="en-US" sz="1000">
-              <a:latin typeface="맑은 고딕" charset="0"/>
-              <a:ea typeface="맑은 고딕" charset="0"/>
-            </a:endParaRPr>
-          </a:p>
-          <a:p>
-            <a:pPr marL="0" indent="0" algn="l" latinLnBrk="0" hangingPunct="1">
-              <a:buFontTx/>
-              <a:buNone/>
-            </a:pPr>
-            <a:r>
-              <a:rPr lang="ko-KR" sz="1000">
-                <a:latin typeface="맑은 고딕" charset="0"/>
-                <a:ea typeface="맑은 고딕" charset="0"/>
-              </a:rPr>
-              <a:t>      ● </a:t>
-            </a:r>
-            <a:r>
-              <a:rPr lang="ko-KR" sz="1500">
-                <a:latin typeface="맑은 고딕" charset="0"/>
-                <a:ea typeface="맑은 고딕" charset="0"/>
-              </a:rPr>
               <a:t>모바일 기기 연동 테스트</a:t>
             </a:r>
-            <a:endParaRPr lang="ko-KR" altLang="en-US" sz="1500">
-              <a:latin typeface="맑은 고딕" charset="0"/>
-              <a:ea typeface="맑은 고딕" charset="0"/>
-            </a:endParaRPr>
-          </a:p>
-          <a:p>
-            <a:pPr marL="0" indent="0" algn="l" latinLnBrk="0" hangingPunct="1">
-              <a:buFontTx/>
-              <a:buNone/>
-            </a:pPr>
             <a:endParaRPr lang="ko-KR" altLang="en-US" sz="1500">
               <a:latin typeface="맑은 고딕" charset="0"/>
               <a:ea typeface="맑은 고딕" charset="0"/>
@@ -11332,7 +10732,7 @@
         <p:spPr>
           <a:xfrm>
             <a:off x="1031240" y="1642110"/>
-            <a:ext cx="7486015" cy="4933950"/>
+            <a:ext cx="7486650" cy="4933950"/>
           </a:xfrm>
           <a:prstGeom prst="rect"/>
           <a:noFill/>
@@ -11373,14 +10773,7 @@
                 <a:latin typeface="맑은 고딕" charset="0"/>
                 <a:ea typeface="맑은 고딕" charset="0"/>
               </a:rPr>
-              <a:t>3월 10일 -</a:t>
-            </a:r>
-            <a:r>
-              <a:rPr lang="ko-KR" sz="2000">
-                <a:latin typeface="맑은 고딕" charset="0"/>
-                <a:ea typeface="맑은 고딕" charset="0"/>
-              </a:rPr>
-              <a:t> 애니메이션 사용 방법 및 애니메이션 속성 이해</a:t>
+              <a:t>3월 10일 - 애니메이션 사용 방법 및 애니메이션 속성 이해</a:t>
             </a:r>
             <a:endParaRPr lang="ko-KR" altLang="en-US" sz="2000">
               <a:latin typeface="맑은 고딕" charset="0"/>
@@ -11506,14 +10899,7 @@
                 <a:latin typeface="맑은 고딕" charset="0"/>
                 <a:ea typeface="맑은 고딕" charset="0"/>
               </a:rPr>
-              <a:t>3월 14일 -</a:t>
-            </a:r>
-            <a:r>
-              <a:rPr lang="ko-KR" sz="2000">
-                <a:latin typeface="맑은 고딕" charset="0"/>
-                <a:ea typeface="맑은 고딕" charset="0"/>
-              </a:rPr>
-              <a:t> 애니메이션 아바타 설정 및 애니메이션 관리</a:t>
+              <a:t>3월 14일 - 애니메이션 아바타 설정 및 애니메이션 관리</a:t>
             </a:r>
             <a:endParaRPr lang="ko-KR" altLang="en-US" sz="2000">
               <a:latin typeface="맑은 고딕" charset="0"/>
@@ -11646,14 +11032,21 @@
                 <a:latin typeface="맑은 고딕" charset="0"/>
                 <a:ea typeface="맑은 고딕" charset="0"/>
               </a:rPr>
-              <a:t>3월 16일 -</a:t>
-            </a:r>
-            <a:r>
-              <a:rPr lang="ko-KR" sz="2000">
-                <a:latin typeface="맑은 고딕" charset="0"/>
-                <a:ea typeface="맑은 고딕" charset="0"/>
-              </a:rPr>
-              <a:t> 내비게이션 시스템 설명 및 제작</a:t>
+              <a:t>3월 </a:t>
+            </a:r>
+            <a:r>
+              <a:rPr lang="ko-KR" sz="2000">
+                <a:latin typeface="맑은 고딕" charset="0"/>
+                <a:ea typeface="맑은 고딕" charset="0"/>
+              </a:rPr>
+              <a:t>28</a:t>
+            </a:r>
+            <a:r>
+              <a:rPr lang="ko-KR" sz="2000">
+                <a:latin typeface="맑은 고딕" charset="0"/>
+                <a:ea typeface="맑은 고딕" charset="0"/>
+              </a:rPr>
+              <a:t>일 - 내비게이션 시스템 설명 및 제작</a:t>
             </a:r>
             <a:r>
               <a:rPr lang="ko-KR" sz="2000">
@@ -11911,7 +11304,7 @@
         <p:spPr>
           <a:xfrm>
             <a:off x="1031240" y="1642110"/>
-            <a:ext cx="6309360" cy="4933950"/>
+            <a:ext cx="6309995" cy="4933950"/>
           </a:xfrm>
           <a:prstGeom prst="rect"/>
           <a:noFill/>
@@ -11952,14 +11345,21 @@
                 <a:latin typeface="맑은 고딕" charset="0"/>
                 <a:ea typeface="맑은 고딕" charset="0"/>
               </a:rPr>
-              <a:t>3월 18일 -</a:t>
-            </a:r>
-            <a:r>
-              <a:rPr lang="ko-KR" sz="2000">
-                <a:latin typeface="맑은 고딕" charset="0"/>
-                <a:ea typeface="맑은 고딕" charset="0"/>
-              </a:rPr>
-              <a:t> AI 시스템 사용 방법 및 적용</a:t>
+              <a:t>3월 </a:t>
+            </a:r>
+            <a:r>
+              <a:rPr lang="ko-KR" sz="2000">
+                <a:latin typeface="맑은 고딕" charset="0"/>
+                <a:ea typeface="맑은 고딕" charset="0"/>
+              </a:rPr>
+              <a:t>30</a:t>
+            </a:r>
+            <a:r>
+              <a:rPr lang="ko-KR" sz="2000">
+                <a:latin typeface="맑은 고딕" charset="0"/>
+                <a:ea typeface="맑은 고딕" charset="0"/>
+              </a:rPr>
+              <a:t>일 - AI 시스템 사용 방법 및 적용</a:t>
             </a:r>
             <a:r>
               <a:rPr lang="ko-KR" sz="2000">
@@ -12095,14 +11495,28 @@
                 <a:latin typeface="맑은 고딕" charset="0"/>
                 <a:ea typeface="맑은 고딕" charset="0"/>
               </a:rPr>
-              <a:t>3월 21일 -</a:t>
-            </a:r>
-            <a:r>
-              <a:rPr lang="ko-KR" sz="2000">
-                <a:latin typeface="맑은 고딕" charset="0"/>
-                <a:ea typeface="맑은 고딕" charset="0"/>
-              </a:rPr>
-              <a:t> 힌지 조인트를 이용한 게임 오브젝트 결합</a:t>
+              <a:t>4</a:t>
+            </a:r>
+            <a:r>
+              <a:rPr lang="ko-KR" sz="2000">
+                <a:latin typeface="맑은 고딕" charset="0"/>
+                <a:ea typeface="맑은 고딕" charset="0"/>
+              </a:rPr>
+              <a:t>월 </a:t>
+            </a:r>
+            <a:r>
+              <a:rPr lang="ko-KR" sz="2000">
+                <a:latin typeface="맑은 고딕" charset="0"/>
+                <a:ea typeface="맑은 고딕" charset="0"/>
+              </a:rPr>
+              <a:t>1</a:t>
+            </a:r>
+            <a:r>
+              <a:rPr lang="ko-KR" sz="2000">
+                <a:latin typeface="맑은 고딕" charset="0"/>
+                <a:ea typeface="맑은 고딕" charset="0"/>
+              </a:rPr>
+              <a:t>일 - 힌지 조인트를 이용한 게임 오브젝트 결합</a:t>
             </a:r>
             <a:endParaRPr lang="ko-KR" altLang="en-US" sz="2000">
               <a:latin typeface="맑은 고딕" charset="0"/>
@@ -12228,14 +11642,28 @@
                 <a:latin typeface="맑은 고딕" charset="0"/>
                 <a:ea typeface="맑은 고딕" charset="0"/>
               </a:rPr>
-              <a:t>3월 23일 -</a:t>
-            </a:r>
-            <a:r>
-              <a:rPr lang="ko-KR" sz="2000">
-                <a:latin typeface="맑은 고딕" charset="0"/>
-                <a:ea typeface="맑은 고딕" charset="0"/>
-              </a:rPr>
-              <a:t> 조명 시스템 이해 및 조명 컴포넌트 설정 </a:t>
+              <a:t>4</a:t>
+            </a:r>
+            <a:r>
+              <a:rPr lang="ko-KR" sz="2000">
+                <a:latin typeface="맑은 고딕" charset="0"/>
+                <a:ea typeface="맑은 고딕" charset="0"/>
+              </a:rPr>
+              <a:t>월 </a:t>
+            </a:r>
+            <a:r>
+              <a:rPr lang="ko-KR" sz="2000">
+                <a:latin typeface="맑은 고딕" charset="0"/>
+                <a:ea typeface="맑은 고딕" charset="0"/>
+              </a:rPr>
+              <a:t>8</a:t>
+            </a:r>
+            <a:r>
+              <a:rPr lang="ko-KR" sz="2000">
+                <a:latin typeface="맑은 고딕" charset="0"/>
+                <a:ea typeface="맑은 고딕" charset="0"/>
+              </a:rPr>
+              <a:t>일 - 조명 시스템 이해 및 조명 컴포넌트 설정 </a:t>
             </a:r>
             <a:r>
               <a:rPr lang="ko-KR" sz="2000">
@@ -12491,9 +11919,9 @@
           <p:nvPr/>
         </p:nvSpPr>
         <p:spPr>
-          <a:xfrm rot="0">
+          <a:xfrm>
             <a:off x="1031240" y="1642110"/>
-            <a:ext cx="7185025" cy="4933950"/>
+            <a:ext cx="7185660" cy="4933950"/>
           </a:xfrm>
           <a:prstGeom prst="rect"/>
           <a:noFill/>
@@ -12534,14 +11962,28 @@
                 <a:latin typeface="맑은 고딕" charset="0"/>
                 <a:ea typeface="맑은 고딕" charset="0"/>
               </a:rPr>
-              <a:t>3월 25일 -</a:t>
-            </a:r>
-            <a:r>
-              <a:rPr lang="ko-KR" sz="2000">
-                <a:latin typeface="맑은 고딕" charset="0"/>
-                <a:ea typeface="맑은 고딕" charset="0"/>
-              </a:rPr>
-              <a:t> 파티클 시스템 설명 및 실습</a:t>
+              <a:t>4</a:t>
+            </a:r>
+            <a:r>
+              <a:rPr lang="ko-KR" sz="2000">
+                <a:latin typeface="맑은 고딕" charset="0"/>
+                <a:ea typeface="맑은 고딕" charset="0"/>
+              </a:rPr>
+              <a:t>월 </a:t>
+            </a:r>
+            <a:r>
+              <a:rPr lang="ko-KR" sz="2000">
+                <a:latin typeface="맑은 고딕" charset="0"/>
+                <a:ea typeface="맑은 고딕" charset="0"/>
+              </a:rPr>
+              <a:t>11</a:t>
+            </a:r>
+            <a:r>
+              <a:rPr lang="ko-KR" sz="2000">
+                <a:latin typeface="맑은 고딕" charset="0"/>
+                <a:ea typeface="맑은 고딕" charset="0"/>
+              </a:rPr>
+              <a:t>일 - 파티클 시스템 설명 및 실습</a:t>
             </a:r>
             <a:endParaRPr lang="ko-KR" altLang="en-US" sz="2000">
               <a:latin typeface="맑은 고딕" charset="0"/>
@@ -12674,14 +12116,28 @@
                 <a:latin typeface="맑은 고딕" charset="0"/>
                 <a:ea typeface="맑은 고딕" charset="0"/>
               </a:rPr>
-              <a:t>3월 28일 -</a:t>
-            </a:r>
-            <a:r>
-              <a:rPr lang="ko-KR" sz="2000">
-                <a:latin typeface="맑은 고딕" charset="0"/>
-                <a:ea typeface="맑은 고딕" charset="0"/>
-              </a:rPr>
-              <a:t> 외부에서 데이터 관리</a:t>
+              <a:t>4</a:t>
+            </a:r>
+            <a:r>
+              <a:rPr lang="ko-KR" sz="2000">
+                <a:latin typeface="맑은 고딕" charset="0"/>
+                <a:ea typeface="맑은 고딕" charset="0"/>
+              </a:rPr>
+              <a:t>월 </a:t>
+            </a:r>
+            <a:r>
+              <a:rPr lang="ko-KR" sz="2000">
+                <a:latin typeface="맑은 고딕" charset="0"/>
+                <a:ea typeface="맑은 고딕" charset="0"/>
+              </a:rPr>
+              <a:t>13</a:t>
+            </a:r>
+            <a:r>
+              <a:rPr lang="ko-KR" sz="2000">
+                <a:latin typeface="맑은 고딕" charset="0"/>
+                <a:ea typeface="맑은 고딕" charset="0"/>
+              </a:rPr>
+              <a:t>일 - 외부에서 데이터 관리</a:t>
             </a:r>
             <a:endParaRPr lang="ko-KR" altLang="en-US" sz="2000">
               <a:latin typeface="맑은 고딕" charset="0"/>
@@ -12712,14 +12168,41 @@
                 <a:latin typeface="맑은 고딕" charset="0"/>
                 <a:ea typeface="맑은 고딕" charset="0"/>
               </a:rPr>
-              <a:t>CSV 파일을 활용한 데이터 관리 방법</a:t>
+              <a:t>CSV 파일을 활용한 데이터 관리 방법 설명</a:t>
+            </a:r>
+            <a:endParaRPr lang="ko-KR" altLang="en-US" sz="1500">
+              <a:latin typeface="맑은 고딕" charset="0"/>
+              <a:ea typeface="맑은 고딕" charset="0"/>
+            </a:endParaRPr>
+          </a:p>
+          <a:p>
+            <a:pPr marL="0" indent="0" algn="l" latinLnBrk="0" hangingPunct="1">
+              <a:buFontTx/>
+              <a:buNone/>
+            </a:pPr>
+            <a:endParaRPr lang="ko-KR" altLang="en-US" sz="1000">
+              <a:latin typeface="맑은 고딕" charset="0"/>
+              <a:ea typeface="맑은 고딕" charset="0"/>
+            </a:endParaRPr>
+          </a:p>
+          <a:p>
+            <a:pPr marL="0" indent="0" algn="l" latinLnBrk="0" hangingPunct="1">
+              <a:buFontTx/>
+              <a:buNone/>
+            </a:pPr>
+            <a:r>
+              <a:rPr lang="ko-KR" sz="1000">
+                <a:latin typeface="맑은 고딕" charset="0"/>
+                <a:ea typeface="맑은 고딕" charset="0"/>
+              </a:rPr>
+              <a:t>      ● </a:t>
             </a:r>
             <a:r>
               <a:rPr lang="ko-KR" sz="1500">
                 <a:latin typeface="맑은 고딕" charset="0"/>
                 <a:ea typeface="맑은 고딕" charset="0"/>
               </a:rPr>
-              <a:t> 설명</a:t>
+              <a:t>텍스트 파일을 활용한 데이터 관리 방법 설명</a:t>
             </a:r>
             <a:endParaRPr lang="ko-KR" altLang="en-US" sz="1500">
               <a:latin typeface="맑은 고딕" charset="0"/>
@@ -12753,14 +12236,7 @@
                 <a:latin typeface="맑은 고딕" charset="0"/>
                 <a:ea typeface="맑은 고딕" charset="0"/>
               </a:rPr>
-              <a:t>텍스트 파일을 활용한 데이터 관리 방법</a:t>
-            </a:r>
-            <a:r>
-              <a:rPr lang="ko-KR" sz="1500">
-                <a:latin typeface="맑은 고딕" charset="0"/>
-                <a:ea typeface="맑은 고딕" charset="0"/>
-              </a:rPr>
-              <a:t> 설명</a:t>
+              <a:t>JSON 데이터 관리 방법 설명</a:t>
             </a:r>
             <a:endParaRPr lang="ko-KR" altLang="en-US" sz="1500">
               <a:latin typeface="맑은 고딕" charset="0"/>
@@ -12783,52 +12259,32 @@
               <a:buNone/>
             </a:pPr>
             <a:r>
-              <a:rPr lang="ko-KR" sz="1000">
-                <a:latin typeface="맑은 고딕" charset="0"/>
-                <a:ea typeface="맑은 고딕" charset="0"/>
-              </a:rPr>
-              <a:t>      ● </a:t>
-            </a:r>
-            <a:r>
-              <a:rPr lang="ko-KR" sz="1500">
-                <a:latin typeface="맑은 고딕" charset="0"/>
-                <a:ea typeface="맑은 고딕" charset="0"/>
-              </a:rPr>
-              <a:t>JSON 데이터 관리 방법 설명</a:t>
-            </a:r>
-            <a:endParaRPr lang="ko-KR" altLang="en-US" sz="1500">
-              <a:latin typeface="맑은 고딕" charset="0"/>
-              <a:ea typeface="맑은 고딕" charset="0"/>
-            </a:endParaRPr>
-          </a:p>
-          <a:p>
-            <a:pPr marL="0" indent="0" algn="l" latinLnBrk="0" hangingPunct="1">
-              <a:buFontTx/>
-              <a:buNone/>
-            </a:pPr>
-            <a:endParaRPr lang="ko-KR" altLang="en-US" sz="1000">
-              <a:latin typeface="맑은 고딕" charset="0"/>
-              <a:ea typeface="맑은 고딕" charset="0"/>
-            </a:endParaRPr>
-          </a:p>
-          <a:p>
-            <a:pPr marL="0" indent="0" algn="l" latinLnBrk="0" hangingPunct="1">
-              <a:buFontTx/>
-              <a:buNone/>
-            </a:pPr>
-            <a:r>
-              <a:rPr lang="ko-KR" sz="2000">
-                <a:latin typeface="맑은 고딕" charset="0"/>
-                <a:ea typeface="맑은 고딕" charset="0"/>
-              </a:rPr>
-              <a:t>3월 30일 -</a:t>
-            </a:r>
-            <a:r>
-              <a:rPr lang="ko-KR" sz="2000">
-                <a:latin typeface="맑은 고딕" charset="0"/>
-                <a:ea typeface="맑은 고딕" charset="0"/>
-              </a:rPr>
-              <a:t> 네트워크 통신으로 외부에 있는 데이터 불러오기</a:t>
+              <a:rPr lang="ko-KR" sz="2000">
+                <a:latin typeface="맑은 고딕" charset="0"/>
+                <a:ea typeface="맑은 고딕" charset="0"/>
+              </a:rPr>
+              <a:t>4</a:t>
+            </a:r>
+            <a:r>
+              <a:rPr lang="ko-KR" sz="2000">
+                <a:latin typeface="맑은 고딕" charset="0"/>
+                <a:ea typeface="맑은 고딕" charset="0"/>
+              </a:rPr>
+              <a:t>월 </a:t>
+            </a:r>
+            <a:r>
+              <a:rPr lang="ko-KR" sz="2000">
+                <a:latin typeface="맑은 고딕" charset="0"/>
+                <a:ea typeface="맑은 고딕" charset="0"/>
+              </a:rPr>
+              <a:t>15</a:t>
+            </a:r>
+            <a:r>
+              <a:rPr lang="ko-KR" sz="2000">
+                <a:latin typeface="맑은 고딕" charset="0"/>
+                <a:ea typeface="맑은 고딕" charset="0"/>
+              </a:rPr>
+              <a:t>일 - 네트워크 통신으로 외부에 있는 데이터 불러오기</a:t>
             </a:r>
             <a:r>
               <a:rPr lang="ko-KR" sz="2000">
@@ -13084,9 +12540,9 @@
           <p:nvPr/>
         </p:nvSpPr>
         <p:spPr>
-          <a:xfrm>
-            <a:off x="1031240" y="1642110"/>
-            <a:ext cx="6308725" cy="4933950"/>
+          <a:xfrm rot="0">
+            <a:off x="636905" y="1241425"/>
+            <a:ext cx="6309360" cy="5702300"/>
           </a:xfrm>
           <a:prstGeom prst="rect"/>
           <a:noFill/>
@@ -13127,14 +12583,21 @@
                 <a:latin typeface="맑은 고딕" charset="0"/>
                 <a:ea typeface="맑은 고딕" charset="0"/>
               </a:rPr>
-              <a:t>4월 1일 -</a:t>
-            </a:r>
-            <a:r>
-              <a:rPr lang="ko-KR" sz="2000">
-                <a:latin typeface="맑은 고딕" charset="0"/>
-                <a:ea typeface="맑은 고딕" charset="0"/>
-              </a:rPr>
-              <a:t> 지형 정보 설명 및 제작 </a:t>
+              <a:t>4월 </a:t>
+            </a:r>
+            <a:r>
+              <a:rPr lang="ko-KR" sz="2000">
+                <a:latin typeface="맑은 고딕" charset="0"/>
+                <a:ea typeface="맑은 고딕" charset="0"/>
+              </a:rPr>
+              <a:t>18</a:t>
+            </a:r>
+            <a:r>
+              <a:rPr lang="ko-KR" sz="2000">
+                <a:latin typeface="맑은 고딕" charset="0"/>
+                <a:ea typeface="맑은 고딕" charset="0"/>
+              </a:rPr>
+              <a:t>일 - 지형 정보 설명 및 제작 </a:t>
             </a:r>
             <a:endParaRPr lang="ko-KR" altLang="en-US" sz="2000">
               <a:latin typeface="맑은 고딕" charset="0"/>
@@ -13235,6 +12698,54 @@
               </a:rPr>
               <a:t>지형에 포함되어 있는 오브젝트 추가 및 배치 </a:t>
             </a:r>
+            <a:endParaRPr lang="ko-KR" altLang="en-US" sz="2000">
+              <a:latin typeface="맑은 고딕" charset="0"/>
+              <a:ea typeface="맑은 고딕" charset="0"/>
+            </a:endParaRPr>
+          </a:p>
+          <a:p>
+            <a:pPr marL="0" indent="0" algn="l" latinLnBrk="0" hangingPunct="1">
+              <a:buFontTx/>
+              <a:buNone/>
+            </a:pPr>
+            <a:r>
+              <a:rPr lang="ko-KR" sz="1000">
+                <a:latin typeface="맑은 고딕" charset="0"/>
+                <a:ea typeface="맑은 고딕" charset="0"/>
+              </a:rPr>
+              <a:t>    </a:t>
+            </a:r>
+            <a:endParaRPr lang="ko-KR" altLang="en-US" sz="1000">
+              <a:latin typeface="맑은 고딕" charset="0"/>
+              <a:ea typeface="맑은 고딕" charset="0"/>
+            </a:endParaRPr>
+          </a:p>
+          <a:p>
+            <a:pPr marL="0" indent="0" algn="l" latinLnBrk="0" hangingPunct="1">
+              <a:buFontTx/>
+              <a:buNone/>
+            </a:pPr>
+            <a:r>
+              <a:rPr lang="ko-KR" sz="1000">
+                <a:latin typeface="맑은 고딕" charset="0"/>
+                <a:ea typeface="맑은 고딕" charset="0"/>
+              </a:rPr>
+              <a:t>     </a:t>
+            </a:r>
+            <a:r>
+              <a:rPr lang="ko-KR" sz="1000">
+                <a:latin typeface="맑은 고딕" charset="0"/>
+                <a:ea typeface="맑은 고딕" charset="0"/>
+              </a:rPr>
+              <a:t> ● </a:t>
+            </a:r>
+            <a:r>
+              <a:rPr lang="ko-KR" sz="1500">
+                <a:latin typeface="맑은 고딕" charset="0"/>
+                <a:ea typeface="맑은 고딕" charset="0"/>
+              </a:rPr>
+              <a:t>게임 오브젝트 보관 및 소모 시스템 설정 </a:t>
+            </a:r>
             <a:endParaRPr lang="ko-KR" altLang="en-US" sz="1500">
               <a:latin typeface="맑은 고딕" charset="0"/>
               <a:ea typeface="맑은 고딕" charset="0"/>
@@ -13260,14 +12771,21 @@
                 <a:latin typeface="맑은 고딕" charset="0"/>
                 <a:ea typeface="맑은 고딕" charset="0"/>
               </a:rPr>
-              <a:t>4월 4일 -</a:t>
-            </a:r>
-            <a:r>
-              <a:rPr lang="ko-KR" sz="2000">
-                <a:latin typeface="맑은 고딕" charset="0"/>
-                <a:ea typeface="맑은 고딕" charset="0"/>
-              </a:rPr>
-              <a:t> 프로젝트 (part.3)</a:t>
+              <a:t>4월 </a:t>
+            </a:r>
+            <a:r>
+              <a:rPr lang="ko-KR" sz="2000">
+                <a:latin typeface="맑은 고딕" charset="0"/>
+                <a:ea typeface="맑은 고딕" charset="0"/>
+              </a:rPr>
+              <a:t>20</a:t>
+            </a:r>
+            <a:r>
+              <a:rPr lang="ko-KR" sz="2000">
+                <a:latin typeface="맑은 고딕" charset="0"/>
+                <a:ea typeface="맑은 고딕" charset="0"/>
+              </a:rPr>
+              <a:t>일 - 프로젝트 (part.3)</a:t>
             </a:r>
             <a:endParaRPr lang="ko-KR" altLang="en-US" sz="2000">
               <a:latin typeface="맑은 고딕" charset="0"/>
@@ -13385,6 +12903,99 @@
               <a:buFontTx/>
               <a:buNone/>
             </a:pPr>
+            <a:endParaRPr lang="ko-KR" altLang="en-US" sz="1500">
+              <a:latin typeface="맑은 고딕" charset="0"/>
+              <a:ea typeface="맑은 고딕" charset="0"/>
+            </a:endParaRPr>
+          </a:p>
+          <a:p>
+            <a:pPr marL="0" indent="0" algn="l" latinLnBrk="0" hangingPunct="1">
+              <a:buFontTx/>
+              <a:buNone/>
+            </a:pPr>
+            <a:r>
+              <a:rPr lang="ko-KR" sz="2000">
+                <a:latin typeface="맑은 고딕" charset="0"/>
+                <a:ea typeface="맑은 고딕" charset="0"/>
+              </a:rPr>
+              <a:t>4</a:t>
+            </a:r>
+            <a:r>
+              <a:rPr lang="ko-KR" sz="2000">
+                <a:latin typeface="맑은 고딕" charset="0"/>
+                <a:ea typeface="맑은 고딕" charset="0"/>
+              </a:rPr>
+              <a:t>월 </a:t>
+            </a:r>
+            <a:r>
+              <a:rPr lang="ko-KR" sz="2000">
+                <a:latin typeface="맑은 고딕" charset="0"/>
+                <a:ea typeface="맑은 고딕" charset="0"/>
+              </a:rPr>
+              <a:t>21</a:t>
+            </a:r>
+            <a:r>
+              <a:rPr lang="ko-KR" sz="2000">
+                <a:latin typeface="맑은 고딕" charset="0"/>
+                <a:ea typeface="맑은 고딕" charset="0"/>
+              </a:rPr>
+              <a:t>일 프로젝트 (part.</a:t>
+            </a:r>
+            <a:r>
+              <a:rPr lang="ko-KR" sz="2000">
+                <a:latin typeface="맑은 고딕" charset="0"/>
+                <a:ea typeface="맑은 고딕" charset="0"/>
+              </a:rPr>
+              <a:t>4</a:t>
+            </a:r>
+            <a:r>
+              <a:rPr lang="ko-KR" sz="2000">
+                <a:latin typeface="맑은 고딕" charset="0"/>
+                <a:ea typeface="맑은 고딕" charset="0"/>
+              </a:rPr>
+              <a:t>) </a:t>
+            </a:r>
+            <a:endParaRPr lang="ko-KR" altLang="en-US" sz="2000">
+              <a:latin typeface="맑은 고딕" charset="0"/>
+              <a:ea typeface="맑은 고딕" charset="0"/>
+            </a:endParaRPr>
+          </a:p>
+          <a:p>
+            <a:pPr marL="0" indent="0" algn="l" latinLnBrk="0" hangingPunct="1">
+              <a:buFontTx/>
+              <a:buNone/>
+            </a:pPr>
+            <a:r>
+              <a:rPr lang="ko-KR" sz="2000">
+                <a:latin typeface="맑은 고딕" charset="0"/>
+                <a:ea typeface="맑은 고딕" charset="0"/>
+              </a:rPr>
+              <a:t>   </a:t>
+            </a:r>
+            <a:r>
+              <a:rPr lang="ko-KR" sz="1000">
+                <a:latin typeface="맑은 고딕" charset="0"/>
+                <a:ea typeface="맑은 고딕" charset="0"/>
+              </a:rPr>
+              <a:t>●</a:t>
+            </a:r>
+            <a:r>
+              <a:rPr lang="ko-KR" sz="1500">
+                <a:latin typeface="맑은 고딕" charset="0"/>
+                <a:ea typeface="맑은 고딕" charset="0"/>
+              </a:rPr>
+              <a:t> 아이템 장착 및 해제 시스템 설계 </a:t>
+            </a:r>
+            <a:endParaRPr lang="ko-KR" altLang="en-US" sz="1500">
+              <a:latin typeface="맑은 고딕" charset="0"/>
+              <a:ea typeface="맑은 고딕" charset="0"/>
+            </a:endParaRPr>
+          </a:p>
+          <a:p>
+            <a:pPr marL="0" indent="0" algn="l" latinLnBrk="0" hangingPunct="1">
+              <a:buFontTx/>
+              <a:buNone/>
+            </a:pPr>
             <a:endParaRPr lang="ko-KR" altLang="en-US" sz="1000">
               <a:latin typeface="맑은 고딕" charset="0"/>
               <a:ea typeface="맑은 고딕" charset="0"/>
@@ -13400,33 +13011,6 @@
                 <a:latin typeface="맑은 고딕" charset="0"/>
                 <a:ea typeface="맑은 고딕" charset="0"/>
               </a:rPr>
-              <a:t>4월 6일 -</a:t>
-            </a:r>
-            <a:r>
-              <a:rPr lang="ko-KR" sz="2000">
-                <a:latin typeface="맑은 고딕" charset="0"/>
-                <a:ea typeface="맑은 고딕" charset="0"/>
-              </a:rPr>
-              <a:t> 프로젝트 (part.4)</a:t>
-            </a:r>
-            <a:r>
-              <a:rPr lang="ko-KR" sz="2000">
-                <a:latin typeface="맑은 고딕" charset="0"/>
-                <a:ea typeface="맑은 고딕" charset="0"/>
-              </a:rPr>
-              <a:t/>
-            </a:r>
-            <a:br>
-              <a:rPr lang="ko-KR" sz="2000">
-                <a:latin typeface="맑은 고딕" charset="0"/>
-                <a:ea typeface="맑은 고딕" charset="0"/>
-              </a:rPr>
-            </a:br>
-            <a:r>
-              <a:rPr lang="ko-KR" sz="2000">
-                <a:latin typeface="맑은 고딕" charset="0"/>
-                <a:ea typeface="맑은 고딕" charset="0"/>
-              </a:rPr>
               <a:t>   </a:t>
             </a:r>
             <a:r>
@@ -13441,7 +13025,7 @@
                 <a:latin typeface="맑은 고딕" charset="0"/>
                 <a:ea typeface="맑은 고딕" charset="0"/>
               </a:rPr>
-              <a:t>오브젝트가 적재되면 운반하는 배송 시스템 구현</a:t>
+              <a:t>아이템 교체 시스템 설정</a:t>
             </a:r>
             <a:endParaRPr lang="ko-KR" altLang="en-US" sz="1500">
               <a:latin typeface="맑은 고딕" charset="0"/>
@@ -13475,7 +13059,7 @@
                 <a:latin typeface="맑은 고딕" charset="0"/>
                 <a:ea typeface="맑은 고딕" charset="0"/>
               </a:rPr>
-              <a:t>오브젝트를 검출하여 원하는 위치로 이동하는 시스템 설계</a:t>
+              <a:t>조이스틱 시스템 제작</a:t>
             </a:r>
             <a:endParaRPr lang="ko-KR" altLang="en-US" sz="1500">
               <a:latin typeface="맑은 고딕" charset="0"/>
@@ -13487,37 +13071,6 @@
               <a:buFontTx/>
               <a:buNone/>
             </a:pPr>
-            <a:r>
-              <a:rPr lang="ko-KR" sz="1000">
-                <a:latin typeface="맑은 고딕" charset="0"/>
-                <a:ea typeface="맑은 고딕" charset="0"/>
-              </a:rPr>
-              <a:t>     </a:t>
-            </a:r>
-            <a:endParaRPr lang="ko-KR" altLang="en-US" sz="1000">
-              <a:latin typeface="맑은 고딕" charset="0"/>
-              <a:ea typeface="맑은 고딕" charset="0"/>
-            </a:endParaRPr>
-          </a:p>
-          <a:p>
-            <a:pPr marL="0" indent="0" algn="l" latinLnBrk="0" hangingPunct="1">
-              <a:buFontTx/>
-              <a:buNone/>
-            </a:pPr>
-            <a:r>
-              <a:rPr lang="ko-KR" sz="1000">
-                <a:latin typeface="맑은 고딕" charset="0"/>
-                <a:ea typeface="맑은 고딕" charset="0"/>
-              </a:rPr>
-              <a:t>      ● </a:t>
-            </a:r>
-            <a:r>
-              <a:rPr lang="ko-KR" sz="1500">
-                <a:latin typeface="맑은 고딕" charset="0"/>
-                <a:ea typeface="맑은 고딕" charset="0"/>
-              </a:rPr>
-              <a:t>AI 컴포넌트를 활용하여 경비 시스템 설정</a:t>
-            </a:r>
             <a:endParaRPr lang="ko-KR" altLang="en-US" sz="1500">
               <a:latin typeface="맑은 고딕" charset="0"/>
               <a:ea typeface="맑은 고딕" charset="0"/>
